--- a/week_3/ppt/MinhyeokYun.pptx
+++ b/week_3/ppt/MinhyeokYun.pptx
@@ -6,16 +6,13 @@
     <p:sldMasterId id="2147483648" r:id="rId2"/>
   </p:sldMasterIdLst>
   <p:sldIdLst>
-    <p:sldId id="259" r:id="rId3"/>
-    <p:sldId id="257" r:id="rId4"/>
-    <p:sldId id="258" r:id="rId5"/>
-    <p:sldId id="260" r:id="rId6"/>
+    <p:sldId id="258" r:id="rId3"/>
+    <p:sldId id="256" r:id="rId4"/>
+    <p:sldId id="257" r:id="rId5"/>
+    <p:sldId id="259" r:id="rId6"/>
     <p:sldId id="262" r:id="rId7"/>
-    <p:sldId id="261" r:id="rId8"/>
+    <p:sldId id="260" r:id="rId8"/>
     <p:sldId id="263" r:id="rId9"/>
-    <p:sldId id="264" r:id="rId10"/>
-    <p:sldId id="265" r:id="rId11"/>
-    <p:sldId id="266" r:id="rId12"/>
   </p:sldIdLst>
   <p:sldSz cx="12192000" cy="6858000"/>
   <p:notesSz cx="6858000" cy="9144000"/>
@@ -125,6 +122,7 @@
 <file path=ppt/revisionInfo.xml><?xml version="1.0" encoding="utf-8"?>
 <p1510:revInfo xmlns:a="http://schemas.openxmlformats.org/drawingml/2006/main" xmlns:r="http://schemas.openxmlformats.org/officeDocument/2006/relationships" xmlns:p1510="http://schemas.microsoft.com/office/powerpoint/2015/10/main">
   <p1510:revLst>
+    <p1510:client id="{1677FC62-D976-44D7-98DA-F9BCDB147DBF}" v="681" dt="2023-02-02T07:24:15.661"/>
     <p1510:client id="{BE893252-D6E0-4506-BADF-9EFC6EB5FDF8}" v="3086" dt="2023-01-26T06:25:26.027"/>
   </p1510:revLst>
 </p1510:revInfo>
@@ -261,7 +259,7 @@
           <a:p>
             <a:fld id="{846CE7D5-CF57-46EF-B807-FDD0502418D4}" type="datetimeFigureOut">
               <a:rPr lang="en-US" smtClean="0"/>
-              <a:t>1/25/2023</a:t>
+              <a:t>2/1/2023</a:t>
             </a:fld>
             <a:endParaRPr lang="en-US"/>
           </a:p>
@@ -431,7 +429,7 @@
           <a:p>
             <a:fld id="{846CE7D5-CF57-46EF-B807-FDD0502418D4}" type="datetimeFigureOut">
               <a:rPr lang="en-US" smtClean="0"/>
-              <a:t>1/25/2023</a:t>
+              <a:t>2/1/2023</a:t>
             </a:fld>
             <a:endParaRPr lang="en-US"/>
           </a:p>
@@ -611,7 +609,7 @@
           <a:p>
             <a:fld id="{846CE7D5-CF57-46EF-B807-FDD0502418D4}" type="datetimeFigureOut">
               <a:rPr lang="en-US" smtClean="0"/>
-              <a:t>1/25/2023</a:t>
+              <a:t>2/1/2023</a:t>
             </a:fld>
             <a:endParaRPr lang="en-US"/>
           </a:p>
@@ -908,7 +906,7 @@
             <a:fld id="{28528733-874D-48F8-93E4-3C99192ED6E1}" type="datetimeFigureOut">
               <a:rPr lang="ko-KR" altLang="en-US" smtClean="0"/>
               <a:pPr/>
-              <a:t>2023-01-25</a:t>
+              <a:t>2023-02-01</a:t>
             </a:fld>
             <a:endParaRPr lang="ko-KR" altLang="en-US"/>
           </a:p>
@@ -1248,7 +1246,7 @@
             <a:fld id="{28528733-874D-48F8-93E4-3C99192ED6E1}" type="datetimeFigureOut">
               <a:rPr lang="ko-KR" altLang="en-US" smtClean="0"/>
               <a:pPr/>
-              <a:t>2023-01-25</a:t>
+              <a:t>2023-02-01</a:t>
             </a:fld>
             <a:endParaRPr lang="ko-KR" altLang="en-US"/>
           </a:p>
@@ -1584,7 +1582,7 @@
             <a:fld id="{28528733-874D-48F8-93E4-3C99192ED6E1}" type="datetimeFigureOut">
               <a:rPr lang="ko-KR" altLang="en-US" smtClean="0"/>
               <a:pPr/>
-              <a:t>2023-01-25</a:t>
+              <a:t>2023-02-01</a:t>
             </a:fld>
             <a:endParaRPr lang="ko-KR" altLang="en-US"/>
           </a:p>
@@ -1994,7 +1992,7 @@
             <a:fld id="{28528733-874D-48F8-93E4-3C99192ED6E1}" type="datetimeFigureOut">
               <a:rPr lang="ko-KR" altLang="en-US" smtClean="0"/>
               <a:pPr/>
-              <a:t>2023-01-25</a:t>
+              <a:t>2023-02-01</a:t>
             </a:fld>
             <a:endParaRPr lang="ko-KR" altLang="en-US"/>
           </a:p>
@@ -2415,7 +2413,7 @@
             <a:fld id="{28528733-874D-48F8-93E4-3C99192ED6E1}" type="datetimeFigureOut">
               <a:rPr lang="ko-KR" altLang="en-US" smtClean="0"/>
               <a:pPr/>
-              <a:t>2023-01-25</a:t>
+              <a:t>2023-02-01</a:t>
             </a:fld>
             <a:endParaRPr lang="ko-KR" altLang="en-US"/>
           </a:p>
@@ -2534,7 +2532,7 @@
             <a:fld id="{28528733-874D-48F8-93E4-3C99192ED6E1}" type="datetimeFigureOut">
               <a:rPr lang="ko-KR" altLang="en-US" smtClean="0"/>
               <a:pPr/>
-              <a:t>2023-01-25</a:t>
+              <a:t>2023-02-01</a:t>
             </a:fld>
             <a:endParaRPr lang="ko-KR" altLang="en-US"/>
           </a:p>
@@ -2631,7 +2629,7 @@
             <a:fld id="{28528733-874D-48F8-93E4-3C99192ED6E1}" type="datetimeFigureOut">
               <a:rPr lang="ko-KR" altLang="en-US" smtClean="0"/>
               <a:pPr/>
-              <a:t>2023-01-25</a:t>
+              <a:t>2023-02-01</a:t>
             </a:fld>
             <a:endParaRPr lang="ko-KR" altLang="en-US"/>
           </a:p>
@@ -2908,7 +2906,7 @@
             <a:fld id="{28528733-874D-48F8-93E4-3C99192ED6E1}" type="datetimeFigureOut">
               <a:rPr lang="ko-KR" altLang="en-US" smtClean="0"/>
               <a:pPr/>
-              <a:t>2023-01-25</a:t>
+              <a:t>2023-02-01</a:t>
             </a:fld>
             <a:endParaRPr lang="ko-KR" altLang="en-US"/>
           </a:p>
@@ -3079,7 +3077,7 @@
           <a:p>
             <a:fld id="{846CE7D5-CF57-46EF-B807-FDD0502418D4}" type="datetimeFigureOut">
               <a:rPr lang="en-US" smtClean="0"/>
-              <a:t>1/25/2023</a:t>
+              <a:t>2/1/2023</a:t>
             </a:fld>
             <a:endParaRPr lang="en-US"/>
           </a:p>
@@ -3332,7 +3330,7 @@
             <a:fld id="{28528733-874D-48F8-93E4-3C99192ED6E1}" type="datetimeFigureOut">
               <a:rPr lang="ko-KR" altLang="en-US" smtClean="0"/>
               <a:pPr/>
-              <a:t>2023-01-25</a:t>
+              <a:t>2023-02-01</a:t>
             </a:fld>
             <a:endParaRPr lang="ko-KR" altLang="en-US"/>
           </a:p>
@@ -3502,7 +3500,7 @@
             <a:fld id="{28528733-874D-48F8-93E4-3C99192ED6E1}" type="datetimeFigureOut">
               <a:rPr lang="ko-KR" altLang="en-US" smtClean="0"/>
               <a:pPr/>
-              <a:t>2023-01-25</a:t>
+              <a:t>2023-02-01</a:t>
             </a:fld>
             <a:endParaRPr lang="ko-KR" altLang="en-US"/>
           </a:p>
@@ -3682,7 +3680,7 @@
             <a:fld id="{28528733-874D-48F8-93E4-3C99192ED6E1}" type="datetimeFigureOut">
               <a:rPr lang="ko-KR" altLang="en-US" smtClean="0"/>
               <a:pPr/>
-              <a:t>2023-01-25</a:t>
+              <a:t>2023-02-01</a:t>
             </a:fld>
             <a:endParaRPr lang="ko-KR" altLang="en-US"/>
           </a:p>
@@ -3929,7 +3927,7 @@
           <a:p>
             <a:fld id="{846CE7D5-CF57-46EF-B807-FDD0502418D4}" type="datetimeFigureOut">
               <a:rPr lang="en-US" smtClean="0"/>
-              <a:t>1/25/2023</a:t>
+              <a:t>2/1/2023</a:t>
             </a:fld>
             <a:endParaRPr lang="en-US"/>
           </a:p>
@@ -4161,7 +4159,7 @@
           <a:p>
             <a:fld id="{846CE7D5-CF57-46EF-B807-FDD0502418D4}" type="datetimeFigureOut">
               <a:rPr lang="en-US" smtClean="0"/>
-              <a:t>1/25/2023</a:t>
+              <a:t>2/1/2023</a:t>
             </a:fld>
             <a:endParaRPr lang="en-US"/>
           </a:p>
@@ -4528,7 +4526,7 @@
           <a:p>
             <a:fld id="{846CE7D5-CF57-46EF-B807-FDD0502418D4}" type="datetimeFigureOut">
               <a:rPr lang="en-US" smtClean="0"/>
-              <a:t>1/25/2023</a:t>
+              <a:t>2/1/2023</a:t>
             </a:fld>
             <a:endParaRPr lang="en-US"/>
           </a:p>
@@ -4646,7 +4644,7 @@
           <a:p>
             <a:fld id="{846CE7D5-CF57-46EF-B807-FDD0502418D4}" type="datetimeFigureOut">
               <a:rPr lang="en-US" smtClean="0"/>
-              <a:t>1/25/2023</a:t>
+              <a:t>2/1/2023</a:t>
             </a:fld>
             <a:endParaRPr lang="en-US"/>
           </a:p>
@@ -4741,7 +4739,7 @@
           <a:p>
             <a:fld id="{846CE7D5-CF57-46EF-B807-FDD0502418D4}" type="datetimeFigureOut">
               <a:rPr lang="en-US" smtClean="0"/>
-              <a:t>1/25/2023</a:t>
+              <a:t>2/1/2023</a:t>
             </a:fld>
             <a:endParaRPr lang="en-US"/>
           </a:p>
@@ -5018,7 +5016,7 @@
           <a:p>
             <a:fld id="{846CE7D5-CF57-46EF-B807-FDD0502418D4}" type="datetimeFigureOut">
               <a:rPr lang="en-US" smtClean="0"/>
-              <a:t>1/25/2023</a:t>
+              <a:t>2/1/2023</a:t>
             </a:fld>
             <a:endParaRPr lang="en-US"/>
           </a:p>
@@ -5275,7 +5273,7 @@
           <a:p>
             <a:fld id="{846CE7D5-CF57-46EF-B807-FDD0502418D4}" type="datetimeFigureOut">
               <a:rPr lang="en-US" smtClean="0"/>
-              <a:t>1/25/2023</a:t>
+              <a:t>2/1/2023</a:t>
             </a:fld>
             <a:endParaRPr lang="en-US"/>
           </a:p>
@@ -5488,7 +5486,7 @@
           <a:p>
             <a:fld id="{846CE7D5-CF57-46EF-B807-FDD0502418D4}" type="datetimeFigureOut">
               <a:rPr lang="en-US" smtClean="0"/>
-              <a:t>1/25/2023</a:t>
+              <a:t>2/1/2023</a:t>
             </a:fld>
             <a:endParaRPr lang="en-US"/>
           </a:p>
@@ -6027,7 +6025,7 @@
             <a:fld id="{28528733-874D-48F8-93E4-3C99192ED6E1}" type="datetimeFigureOut">
               <a:rPr lang="ko-KR" altLang="en-US" smtClean="0"/>
               <a:pPr/>
-              <a:t>2023-01-25</a:t>
+              <a:t>2023-02-01</a:t>
             </a:fld>
             <a:endParaRPr lang="ko-KR" altLang="en-US"/>
           </a:p>
@@ -6425,12 +6423,11 @@
           <a:lstStyle/>
           <a:p>
             <a:r>
-              <a:rPr lang="ko-Kore-KR" altLang="en-US">
+              <a:rPr lang="en-US" altLang="en-US" dirty="0">
                 <a:ea typeface="맑은 고딕"/>
               </a:rPr>
               <a:t>Algorithm Study</a:t>
             </a:r>
-            <a:endParaRPr kumimoji="1" lang="ko-Kore-KR" altLang="en-US"/>
           </a:p>
         </p:txBody>
       </p:sp>
@@ -6470,7 +6467,7 @@
     </p:spTree>
     <p:extLst>
       <p:ext uri="{BB962C8B-B14F-4D97-AF65-F5344CB8AC3E}">
-        <p14:creationId xmlns:p14="http://schemas.microsoft.com/office/powerpoint/2010/main" val="1918434999"/>
+        <p14:creationId xmlns:p14="http://schemas.microsoft.com/office/powerpoint/2010/main" val="4155358678"/>
       </p:ext>
     </p:extLst>
   </p:cSld>
@@ -6480,7 +6477,7 @@
 </p:sld>
 </file>
 
-<file path=ppt/slides/slide10.xml><?xml version="1.0" encoding="utf-8"?>
+<file path=ppt/slides/slide2.xml><?xml version="1.0" encoding="utf-8"?>
 <p:sld xmlns:a="http://schemas.openxmlformats.org/drawingml/2006/main" xmlns:r="http://schemas.openxmlformats.org/officeDocument/2006/relationships" xmlns:p="http://schemas.openxmlformats.org/presentationml/2006/main">
   <p:cSld>
     <p:spTree>
@@ -6502,6 +6499,67 @@
           <p:cNvPr id="2" name="제목 1">
             <a:extLst>
               <a:ext uri="{FF2B5EF4-FFF2-40B4-BE49-F238E27FC236}">
+                <a16:creationId xmlns:a16="http://schemas.microsoft.com/office/drawing/2014/main" id="{F81DA964-3E3F-7245-87CC-29849621EB43}"/>
+              </a:ext>
+            </a:extLst>
+          </p:cNvPr>
+          <p:cNvSpPr>
+            <a:spLocks noGrp="1"/>
+          </p:cNvSpPr>
+          <p:nvPr>
+            <p:ph type="title"/>
+          </p:nvPr>
+        </p:nvSpPr>
+        <p:spPr/>
+        <p:txBody>
+          <a:bodyPr/>
+          <a:lstStyle/>
+          <a:p>
+            <a:r>
+              <a:rPr lang="ko-Kore-KR" altLang="en-US">
+                <a:ea typeface="맑은 고딕"/>
+              </a:rPr>
+              <a:t>더 맵게</a:t>
+            </a:r>
+            <a:endParaRPr kumimoji="1" lang="ko-Kore-KR" altLang="en-US" dirty="0"/>
+          </a:p>
+        </p:txBody>
+      </p:sp>
+    </p:spTree>
+    <p:extLst>
+      <p:ext uri="{BB962C8B-B14F-4D97-AF65-F5344CB8AC3E}">
+        <p14:creationId xmlns:p14="http://schemas.microsoft.com/office/powerpoint/2010/main" val="3573146800"/>
+      </p:ext>
+    </p:extLst>
+  </p:cSld>
+  <p:clrMapOvr>
+    <a:masterClrMapping/>
+  </p:clrMapOvr>
+</p:sld>
+</file>
+
+<file path=ppt/slides/slide3.xml><?xml version="1.0" encoding="utf-8"?>
+<p:sld xmlns:a="http://schemas.openxmlformats.org/drawingml/2006/main" xmlns:r="http://schemas.openxmlformats.org/officeDocument/2006/relationships" xmlns:p="http://schemas.openxmlformats.org/presentationml/2006/main">
+  <p:cSld>
+    <p:spTree>
+      <p:nvGrpSpPr>
+        <p:cNvPr id="1" name=""/>
+        <p:cNvGrpSpPr/>
+        <p:nvPr/>
+      </p:nvGrpSpPr>
+      <p:grpSpPr>
+        <a:xfrm>
+          <a:off x="0" y="0"/>
+          <a:ext cx="0" cy="0"/>
+          <a:chOff x="0" y="0"/>
+          <a:chExt cx="0" cy="0"/>
+        </a:xfrm>
+      </p:grpSpPr>
+      <p:sp>
+        <p:nvSpPr>
+          <p:cNvPr id="2" name="제목 1">
+            <a:extLst>
+              <a:ext uri="{FF2B5EF4-FFF2-40B4-BE49-F238E27FC236}">
                 <a16:creationId xmlns:a16="http://schemas.microsoft.com/office/drawing/2014/main" id="{C9148387-57D9-1341-8EAC-7B55E33DD944}"/>
               </a:ext>
             </a:extLst>
@@ -6519,62 +6577,26 @@
           <a:lstStyle/>
           <a:p>
             <a:r>
-              <a:rPr lang="ko-Kore-KR" altLang="en-US">
+              <a:rPr lang="en-US" altLang="en-US" dirty="0">
                 <a:ea typeface="맑은 고딕"/>
               </a:rPr>
-              <a:t>위장  </a:t>
-            </a:r>
-            <a:endParaRPr kumimoji="1" lang="ko-Kore-KR" altLang="en-US" dirty="0"/>
-          </a:p>
-        </p:txBody>
-      </p:sp>
-      <p:sp>
-        <p:nvSpPr>
-          <p:cNvPr id="4" name="텍스트 개체 틀 3">
+              <a:t>더 </a:t>
+            </a:r>
+            <a:r>
+              <a:rPr lang="en-US" altLang="en-US" dirty="0" err="1">
+                <a:ea typeface="맑은 고딕"/>
+              </a:rPr>
+              <a:t>맵게</a:t>
+            </a:r>
+          </a:p>
+        </p:txBody>
+      </p:sp>
+      <p:pic>
+        <p:nvPicPr>
+          <p:cNvPr id="5" name="Picture 5" descr="Text&#10;&#10;Description automatically generated">
             <a:extLst>
               <a:ext uri="{FF2B5EF4-FFF2-40B4-BE49-F238E27FC236}">
-                <a16:creationId xmlns:a16="http://schemas.microsoft.com/office/drawing/2014/main" id="{A813A557-3DB4-9146-8DD6-1CDB7C599F79}"/>
-              </a:ext>
-            </a:extLst>
-          </p:cNvPr>
-          <p:cNvSpPr>
-            <a:spLocks noGrp="1"/>
-          </p:cNvSpPr>
-          <p:nvPr>
-            <p:ph type="body" sz="quarter" idx="14"/>
-          </p:nvPr>
-        </p:nvSpPr>
-        <p:spPr/>
-        <p:txBody>
-          <a:bodyPr vert="horz" lIns="91440" tIns="45720" rIns="91440" bIns="45720" rtlCol="0" anchor="t">
-            <a:normAutofit/>
-          </a:bodyPr>
-          <a:lstStyle/>
-          <a:p>
-            <a:r>
-              <a:rPr lang="ko-Kore-KR" altLang="en-US" dirty="0" err="1">
-                <a:ea typeface="맑은 고딕"/>
-              </a:rPr>
-              <a:t>문제</a:t>
-            </a:r>
-            <a:r>
-              <a:rPr lang="ko-Kore-KR" altLang="en-US">
-                <a:ea typeface="맑은 고딕"/>
-              </a:rPr>
-              <a:t> 소개 </a:t>
-            </a:r>
-            <a:endParaRPr lang="en-US" altLang="en-US">
-              <a:ea typeface="맑은 고딕"/>
-            </a:endParaRPr>
-          </a:p>
-        </p:txBody>
-      </p:sp>
-      <p:pic>
-        <p:nvPicPr>
-          <p:cNvPr id="9" name="Picture 9">
-            <a:extLst>
-              <a:ext uri="{FF2B5EF4-FFF2-40B4-BE49-F238E27FC236}">
-                <a16:creationId xmlns:a16="http://schemas.microsoft.com/office/drawing/2014/main" id="{F17A49B2-A72A-9C4D-58EF-3997C28A84EE}"/>
+                <a16:creationId xmlns:a16="http://schemas.microsoft.com/office/drawing/2014/main" id="{6DCAF589-B59C-FE8A-457A-784DFCC09CD6}"/>
               </a:ext>
             </a:extLst>
           </p:cNvPr>
@@ -6593,17 +6615,62 @@
         </p:blipFill>
         <p:spPr>
           <a:xfrm>
-            <a:off x="403460" y="1786967"/>
-            <a:ext cx="4188412" cy="1386651"/>
+            <a:off x="594632" y="1621406"/>
+            <a:ext cx="6953250" cy="1000125"/>
           </a:xfrm>
         </p:spPr>
       </p:pic>
+      <p:sp>
+        <p:nvSpPr>
+          <p:cNvPr id="4" name="텍스트 개체 틀 3">
+            <a:extLst>
+              <a:ext uri="{FF2B5EF4-FFF2-40B4-BE49-F238E27FC236}">
+                <a16:creationId xmlns:a16="http://schemas.microsoft.com/office/drawing/2014/main" id="{A813A557-3DB4-9146-8DD6-1CDB7C599F79}"/>
+              </a:ext>
+            </a:extLst>
+          </p:cNvPr>
+          <p:cNvSpPr>
+            <a:spLocks noGrp="1"/>
+          </p:cNvSpPr>
+          <p:nvPr>
+            <p:ph type="body" sz="quarter" idx="14"/>
+          </p:nvPr>
+        </p:nvSpPr>
+        <p:spPr/>
+        <p:txBody>
+          <a:bodyPr vert="horz" lIns="91440" tIns="45720" rIns="91440" bIns="45720" rtlCol="0" anchor="t">
+            <a:normAutofit/>
+          </a:bodyPr>
+          <a:lstStyle/>
+          <a:p>
+            <a:r>
+              <a:rPr lang="ko-Kore-KR" altLang="en-US" dirty="0" err="1">
+                <a:ea typeface="맑은 고딕"/>
+              </a:rPr>
+              <a:t>문제</a:t>
+            </a:r>
+            <a:r>
+              <a:rPr lang="ko-Kore-KR" altLang="en-US" dirty="0">
+                <a:ea typeface="맑은 고딕"/>
+              </a:rPr>
+              <a:t> </a:t>
+            </a:r>
+            <a:r>
+              <a:rPr lang="ko-Kore-KR" altLang="en-US" dirty="0" err="1">
+                <a:ea typeface="맑은 고딕"/>
+              </a:rPr>
+              <a:t>설명</a:t>
+            </a:r>
+            <a:endParaRPr kumimoji="1" lang="ko-Kore-KR" altLang="en-US" dirty="0" err="1"/>
+          </a:p>
+        </p:txBody>
+      </p:sp>
       <p:pic>
         <p:nvPicPr>
-          <p:cNvPr id="10" name="Picture 11" descr="Text&#10;&#10;Description automatically generated">
+          <p:cNvPr id="6" name="Picture 6" descr="Text&#10;&#10;Description automatically generated">
             <a:extLst>
               <a:ext uri="{FF2B5EF4-FFF2-40B4-BE49-F238E27FC236}">
-                <a16:creationId xmlns:a16="http://schemas.microsoft.com/office/drawing/2014/main" id="{1648745F-1379-0EA0-4270-F5F7FF30AB2A}"/>
+                <a16:creationId xmlns:a16="http://schemas.microsoft.com/office/drawing/2014/main" id="{F0E88EF4-3F2D-F879-5E63-B6DDCE5C2B76}"/>
               </a:ext>
             </a:extLst>
           </p:cNvPr>
@@ -6620,8 +6687,8 @@
         </p:blipFill>
         <p:spPr>
           <a:xfrm>
-            <a:off x="4771437" y="1791239"/>
-            <a:ext cx="7127051" cy="1920856"/>
+            <a:off x="598715" y="3522306"/>
+            <a:ext cx="6945085" cy="836644"/>
           </a:xfrm>
           <a:prstGeom prst="rect">
             <a:avLst/>
@@ -6630,10 +6697,10 @@
       </p:pic>
       <p:sp>
         <p:nvSpPr>
-          <p:cNvPr id="12" name="Frame 11">
+          <p:cNvPr id="7" name="Frame 6">
             <a:extLst>
               <a:ext uri="{FF2B5EF4-FFF2-40B4-BE49-F238E27FC236}">
-                <a16:creationId xmlns:a16="http://schemas.microsoft.com/office/drawing/2014/main" id="{86D72E34-3507-D0D3-2618-2598E5A621DC}"/>
+                <a16:creationId xmlns:a16="http://schemas.microsoft.com/office/drawing/2014/main" id="{C3CBA0D0-41D4-0CEA-E6DF-2A15ECD0EC29}"/>
               </a:ext>
             </a:extLst>
           </p:cNvPr>
@@ -6642,8 +6709,8 @@
         </p:nvSpPr>
         <p:spPr>
           <a:xfrm>
-            <a:off x="498593" y="2276593"/>
-            <a:ext cx="3781777" cy="404518"/>
+            <a:off x="4615542" y="2275114"/>
+            <a:ext cx="2710542" cy="293914"/>
           </a:xfrm>
           <a:prstGeom prst="frame">
             <a:avLst/>
@@ -6686,10 +6753,10 @@
       </p:sp>
       <p:cxnSp>
         <p:nvCxnSpPr>
-          <p:cNvPr id="13" name="Straight Arrow Connector 12">
+          <p:cNvPr id="8" name="Straight Arrow Connector 7">
             <a:extLst>
               <a:ext uri="{FF2B5EF4-FFF2-40B4-BE49-F238E27FC236}">
-                <a16:creationId xmlns:a16="http://schemas.microsoft.com/office/drawing/2014/main" id="{09A30A01-E599-B1F0-A593-A2CECF7B9689}"/>
+                <a16:creationId xmlns:a16="http://schemas.microsoft.com/office/drawing/2014/main" id="{FA151546-5514-5B0E-FFFF-868191E05EE4}"/>
               </a:ext>
             </a:extLst>
           </p:cNvPr>
@@ -6698,8 +6765,8 @@
         </p:nvCxnSpPr>
         <p:spPr>
           <a:xfrm>
-            <a:off x="1099555" y="2740998"/>
-            <a:ext cx="11289" cy="1074325"/>
+            <a:off x="7260771" y="2558143"/>
+            <a:ext cx="1023258" cy="674914"/>
           </a:xfrm>
           <a:prstGeom prst="straightConnector1">
             <a:avLst/>
@@ -6728,10 +6795,10 @@
       </p:cxnSp>
       <p:sp>
         <p:nvSpPr>
-          <p:cNvPr id="15" name="TextBox 14">
+          <p:cNvPr id="9" name="TextBox 8">
             <a:extLst>
               <a:ext uri="{FF2B5EF4-FFF2-40B4-BE49-F238E27FC236}">
-                <a16:creationId xmlns:a16="http://schemas.microsoft.com/office/drawing/2014/main" id="{F844AF4C-75B6-1628-50D0-90F0F1C9843A}"/>
+                <a16:creationId xmlns:a16="http://schemas.microsoft.com/office/drawing/2014/main" id="{B108C19E-5F35-3581-4B7F-EE129AB9FDCD}"/>
               </a:ext>
             </a:extLst>
           </p:cNvPr>
@@ -6740,8 +6807,8 @@
         </p:nvSpPr>
         <p:spPr>
           <a:xfrm>
-            <a:off x="498592" y="3951111"/>
-            <a:ext cx="10658591" cy="1815882"/>
+            <a:off x="8316685" y="3211285"/>
+            <a:ext cx="3635828" cy="646331"/>
           </a:xfrm>
           <a:prstGeom prst="rect">
             <a:avLst/>
@@ -6758,1166 +6825,96 @@
           <a:lstStyle/>
           <a:p>
             <a:r>
-              <a:rPr lang="ko-KR" altLang="en-US" sz="1400" dirty="0" err="1">
+              <a:rPr lang="ko-KR" altLang="en-US" dirty="0">
                 <a:ea typeface="맑은 고딕"/>
               </a:rPr>
-              <a:t>Round</a:t>
-            </a:r>
-            <a:r>
-              <a:rPr lang="ko-KR" altLang="en-US" sz="1400" dirty="0">
-                <a:ea typeface="맑은 고딕"/>
-              </a:rPr>
-              <a:t> 1 : </a:t>
-            </a:r>
-            <a:r>
-              <a:rPr lang="ko-KR" altLang="en-US" sz="1400" dirty="0" err="1">
-                <a:ea typeface="맑은 고딕"/>
-              </a:rPr>
-              <a:t>N</a:t>
-            </a:r>
-            <a:r>
-              <a:rPr lang="ko-KR" altLang="en-US" sz="1400" dirty="0">
-                <a:ea typeface="맑은 고딕"/>
-              </a:rPr>
-              <a:t> : 7 &gt; </a:t>
-            </a:r>
-            <a:r>
-              <a:rPr lang="ko-KR" altLang="en-US" sz="1400" dirty="0" err="1">
-                <a:ea typeface="맑은 고딕"/>
-              </a:rPr>
-              <a:t>Enemy</a:t>
-            </a:r>
-            <a:r>
-              <a:rPr lang="ko-KR" altLang="en-US" sz="1400" dirty="0">
+              <a:t>가장</a:t>
+            </a:r>
+            <a:r>
+              <a:rPr lang="en-US" dirty="0">
                 <a:ea typeface="맑은 고딕"/>
               </a:rPr>
               <a:t> </a:t>
             </a:r>
             <a:r>
-              <a:rPr lang="ko-KR" altLang="en-US" sz="1400" dirty="0" err="1">
+              <a:rPr lang="ko-KR" altLang="en-US" dirty="0">
                 <a:ea typeface="맑은 고딕"/>
               </a:rPr>
-              <a:t>sum</a:t>
-            </a:r>
-            <a:r>
-              <a:rPr lang="ko-KR" altLang="en-US" sz="1400" dirty="0">
+              <a:t>맵지</a:t>
+            </a:r>
+            <a:r>
+              <a:rPr lang="en-US" dirty="0">
                 <a:ea typeface="맑은 고딕"/>
               </a:rPr>
-              <a:t> : 4 -&gt; </a:t>
-            </a:r>
-            <a:r>
-              <a:rPr lang="ko-KR" altLang="en-US" sz="1400" dirty="0" err="1">
+              <a:t> </a:t>
+            </a:r>
+            <a:r>
+              <a:rPr lang="ko-KR" altLang="en-US" dirty="0">
                 <a:ea typeface="맑은 고딕"/>
               </a:rPr>
-              <a:t>pass</a:t>
-            </a:r>
-            <a:r>
-              <a:rPr lang="ko-KR" altLang="en-US" sz="1400" dirty="0">
+              <a:t>않은</a:t>
+            </a:r>
+            <a:r>
+              <a:rPr lang="en-US" dirty="0">
                 <a:ea typeface="맑은 고딕"/>
               </a:rPr>
-              <a:t>  (K: 3)</a:t>
-            </a:r>
-          </a:p>
-          <a:p>
-            <a:r>
-              <a:rPr lang="ko-KR" sz="1400" dirty="0" err="1">
-                <a:latin typeface="Malgun Gothic"/>
-                <a:ea typeface="Malgun Gothic"/>
+              <a:t> </a:t>
+            </a:r>
+            <a:r>
+              <a:rPr lang="ko-KR" altLang="en-US" dirty="0" err="1">
+                <a:ea typeface="맑은 고딕"/>
               </a:rPr>
-              <a:t>Round</a:t>
-            </a:r>
-            <a:r>
-              <a:rPr lang="ko-KR" sz="1400" dirty="0">
-                <a:latin typeface="Malgun Gothic"/>
-                <a:ea typeface="Malgun Gothic"/>
+              <a:t>스코빌</a:t>
+            </a:r>
+            <a:r>
+              <a:rPr lang="en-US" altLang="ko-KR" dirty="0">
+                <a:ea typeface="맑은 고딕"/>
+              </a:rPr>
+              <a:t> + (</a:t>
+            </a:r>
+            <a:r>
+              <a:rPr lang="en-US" altLang="ko-KR" dirty="0" err="1">
+                <a:ea typeface="맑은 고딕"/>
+              </a:rPr>
+              <a:t>두번째로</a:t>
+            </a:r>
+            <a:r>
+              <a:rPr lang="en-US" altLang="ko-KR" dirty="0">
+                <a:ea typeface="맑은 고딕"/>
+              </a:rPr>
+              <a:t> </a:t>
+            </a:r>
+            <a:r>
+              <a:rPr lang="en-US" altLang="ko-KR" dirty="0" err="1">
+                <a:ea typeface="맑은 고딕"/>
+              </a:rPr>
+              <a:t>안매운</a:t>
+            </a:r>
+            <a:r>
+              <a:rPr lang="en-US" altLang="ko-KR" dirty="0">
+                <a:ea typeface="맑은 고딕"/>
               </a:rPr>
               <a:t> </a:t>
             </a:r>
             <a:r>
-              <a:rPr lang="en-US" altLang="ko-KR" sz="1400" dirty="0">
-                <a:latin typeface="Malgun Gothic"/>
-                <a:ea typeface="Malgun Gothic"/>
-              </a:rPr>
-              <a:t>2</a:t>
-            </a:r>
-            <a:r>
-              <a:rPr lang="ko-KR" sz="1400" dirty="0">
-                <a:latin typeface="Malgun Gothic"/>
-                <a:ea typeface="Malgun Gothic"/>
-              </a:rPr>
-              <a:t> : </a:t>
-            </a:r>
-            <a:r>
-              <a:rPr lang="ko-KR" sz="1400" dirty="0" err="1">
-                <a:latin typeface="Malgun Gothic"/>
-                <a:ea typeface="Malgun Gothic"/>
-              </a:rPr>
-              <a:t>N</a:t>
-            </a:r>
-            <a:r>
-              <a:rPr lang="ko-KR" sz="1400" dirty="0">
-                <a:latin typeface="Malgun Gothic"/>
-                <a:ea typeface="Malgun Gothic"/>
-              </a:rPr>
-              <a:t> : 7</a:t>
-            </a:r>
-            <a:r>
-              <a:rPr lang="ko-KR" altLang="en-US" sz="1400" dirty="0">
-                <a:latin typeface="Malgun Gothic"/>
-                <a:ea typeface="Malgun Gothic"/>
-              </a:rPr>
-              <a:t> </a:t>
-            </a:r>
-            <a:r>
-              <a:rPr lang="en-US" altLang="ko-KR" sz="1400" dirty="0">
-                <a:latin typeface="Malgun Gothic"/>
-                <a:ea typeface="Malgun Gothic"/>
-              </a:rPr>
-              <a:t>&gt;</a:t>
-            </a:r>
-            <a:r>
-              <a:rPr lang="ko-KR" altLang="en-US" sz="1400" dirty="0">
-                <a:latin typeface="Malgun Gothic"/>
-                <a:ea typeface="Malgun Gothic"/>
-              </a:rPr>
-              <a:t> </a:t>
-            </a:r>
-            <a:r>
-              <a:rPr lang="ko-KR" sz="1400" dirty="0" err="1">
-                <a:latin typeface="Malgun Gothic"/>
-                <a:ea typeface="Malgun Gothic"/>
-              </a:rPr>
-              <a:t>Enemy</a:t>
-            </a:r>
-            <a:r>
-              <a:rPr lang="ko-KR" sz="1400" dirty="0">
-                <a:latin typeface="Malgun Gothic"/>
-                <a:ea typeface="Malgun Gothic"/>
-              </a:rPr>
-              <a:t> </a:t>
-            </a:r>
-            <a:r>
-              <a:rPr lang="ko-KR" sz="1400" dirty="0" err="1">
-                <a:latin typeface="Malgun Gothic"/>
-                <a:ea typeface="Malgun Gothic"/>
-              </a:rPr>
-              <a:t>sum</a:t>
-            </a:r>
-            <a:r>
-              <a:rPr lang="ko-KR" sz="1400" dirty="0">
-                <a:latin typeface="Malgun Gothic"/>
-                <a:ea typeface="Malgun Gothic"/>
-              </a:rPr>
-              <a:t> : 4 </a:t>
-            </a:r>
-            <a:r>
-              <a:rPr lang="en-US" altLang="ko-KR" sz="1400" dirty="0">
-                <a:latin typeface="Malgun Gothic"/>
-                <a:ea typeface="Malgun Gothic"/>
-              </a:rPr>
-              <a:t>+</a:t>
-            </a:r>
-            <a:r>
-              <a:rPr lang="ko-KR" altLang="en-US" sz="1400" dirty="0">
-                <a:latin typeface="Malgun Gothic"/>
-                <a:ea typeface="Malgun Gothic"/>
-              </a:rPr>
-              <a:t> </a:t>
-            </a:r>
-            <a:r>
-              <a:rPr lang="en-US" altLang="ko-KR" sz="1400" dirty="0">
-                <a:latin typeface="Malgun Gothic"/>
-                <a:ea typeface="Malgun Gothic"/>
-              </a:rPr>
-              <a:t>2</a:t>
-            </a:r>
-            <a:r>
-              <a:rPr lang="ko-KR" sz="1400" dirty="0">
-                <a:latin typeface="Malgun Gothic"/>
-                <a:ea typeface="Malgun Gothic"/>
-              </a:rPr>
-              <a:t> -&gt; </a:t>
-            </a:r>
-            <a:r>
-              <a:rPr lang="ko-KR" sz="1400" dirty="0" err="1">
-                <a:latin typeface="Malgun Gothic"/>
-                <a:ea typeface="Malgun Gothic"/>
-              </a:rPr>
-              <a:t>pass</a:t>
-            </a:r>
-            <a:r>
-              <a:rPr lang="ko-KR" sz="1400" dirty="0">
-                <a:latin typeface="Malgun Gothic"/>
-                <a:ea typeface="Malgun Gothic"/>
-              </a:rPr>
-              <a:t> </a:t>
-            </a:r>
-            <a:r>
-              <a:rPr lang="en-US" altLang="ko-KR" sz="1400" dirty="0">
-                <a:latin typeface="Malgun Gothic"/>
-                <a:ea typeface="Malgun Gothic"/>
-              </a:rPr>
-              <a:t>(K:</a:t>
-            </a:r>
-            <a:r>
-              <a:rPr lang="ko-KR" altLang="en-US" sz="1400" dirty="0">
-                <a:latin typeface="Malgun Gothic"/>
-                <a:ea typeface="Malgun Gothic"/>
-              </a:rPr>
-              <a:t> </a:t>
-            </a:r>
-            <a:r>
-              <a:rPr lang="en-US" altLang="ko-KR" sz="1400" dirty="0">
-                <a:latin typeface="Malgun Gothic"/>
-                <a:ea typeface="Malgun Gothic"/>
-              </a:rPr>
-              <a:t>3)</a:t>
-            </a:r>
-            <a:endParaRPr lang="ko-KR" dirty="0"/>
-          </a:p>
-          <a:p>
-            <a:r>
-              <a:rPr lang="ko-KR" sz="1400" dirty="0" err="1">
-                <a:latin typeface="Malgun Gothic"/>
-                <a:ea typeface="Malgun Gothic"/>
-              </a:rPr>
-              <a:t>Round</a:t>
-            </a:r>
-            <a:r>
-              <a:rPr lang="ko-KR" sz="1400" dirty="0">
-                <a:latin typeface="Malgun Gothic"/>
-                <a:ea typeface="Malgun Gothic"/>
-              </a:rPr>
-              <a:t> </a:t>
-            </a:r>
-            <a:r>
-              <a:rPr lang="en-US" altLang="ko-KR" sz="1400" dirty="0">
-                <a:latin typeface="Malgun Gothic"/>
-                <a:ea typeface="Malgun Gothic"/>
-              </a:rPr>
-              <a:t>3</a:t>
-            </a:r>
-            <a:r>
-              <a:rPr lang="ko-KR" sz="1400" dirty="0">
-                <a:latin typeface="Malgun Gothic"/>
-                <a:ea typeface="Malgun Gothic"/>
-              </a:rPr>
-              <a:t> : </a:t>
-            </a:r>
-            <a:r>
-              <a:rPr lang="ko-KR" sz="1400" dirty="0" err="1">
-                <a:latin typeface="Malgun Gothic"/>
-                <a:ea typeface="Malgun Gothic"/>
-              </a:rPr>
-              <a:t>N</a:t>
-            </a:r>
-            <a:r>
-              <a:rPr lang="ko-KR" sz="1400" dirty="0">
-                <a:latin typeface="Malgun Gothic"/>
-                <a:ea typeface="Malgun Gothic"/>
-              </a:rPr>
-              <a:t> : 7</a:t>
-            </a:r>
-            <a:r>
-              <a:rPr lang="ko-KR" altLang="en-US" sz="1400" dirty="0">
-                <a:latin typeface="Malgun Gothic"/>
-                <a:ea typeface="Malgun Gothic"/>
-              </a:rPr>
-              <a:t> </a:t>
-            </a:r>
-            <a:r>
-              <a:rPr lang="en-US" altLang="ko-KR" sz="1400" dirty="0">
-                <a:latin typeface="Malgun Gothic"/>
-                <a:ea typeface="Malgun Gothic"/>
-              </a:rPr>
-              <a:t>&lt;</a:t>
-            </a:r>
-            <a:r>
-              <a:rPr lang="ko-KR" sz="1400" dirty="0">
-                <a:latin typeface="Malgun Gothic"/>
-                <a:ea typeface="Malgun Gothic"/>
-              </a:rPr>
-              <a:t> </a:t>
-            </a:r>
-            <a:r>
-              <a:rPr lang="ko-KR" sz="1400" dirty="0" err="1">
-                <a:latin typeface="Malgun Gothic"/>
-                <a:ea typeface="Malgun Gothic"/>
-              </a:rPr>
-              <a:t>Enemy</a:t>
-            </a:r>
-            <a:r>
-              <a:rPr lang="ko-KR" sz="1400" dirty="0">
-                <a:latin typeface="Malgun Gothic"/>
-                <a:ea typeface="Malgun Gothic"/>
-              </a:rPr>
-              <a:t> </a:t>
-            </a:r>
-            <a:r>
-              <a:rPr lang="ko-KR" sz="1400" dirty="0" err="1">
-                <a:latin typeface="Malgun Gothic"/>
-                <a:ea typeface="Malgun Gothic"/>
-              </a:rPr>
-              <a:t>sum</a:t>
-            </a:r>
-            <a:r>
-              <a:rPr lang="ko-KR" sz="1400" dirty="0">
-                <a:latin typeface="Malgun Gothic"/>
-                <a:ea typeface="Malgun Gothic"/>
-              </a:rPr>
-              <a:t> : 4 </a:t>
-            </a:r>
-            <a:r>
-              <a:rPr lang="en-US" altLang="ko-KR" sz="1400" dirty="0">
-                <a:latin typeface="Malgun Gothic"/>
-                <a:ea typeface="+mn-lt"/>
-              </a:rPr>
-              <a:t>+</a:t>
-            </a:r>
-            <a:r>
-              <a:rPr lang="ko-KR" sz="1400" dirty="0">
-                <a:latin typeface="Malgun Gothic"/>
-                <a:ea typeface="Malgun Gothic"/>
-              </a:rPr>
-              <a:t> </a:t>
-            </a:r>
-            <a:r>
-              <a:rPr lang="en-US" altLang="ko-KR" sz="1400" dirty="0">
-                <a:latin typeface="Malgun Gothic"/>
-                <a:ea typeface="+mn-lt"/>
-              </a:rPr>
-              <a:t>2</a:t>
-            </a:r>
-            <a:r>
-              <a:rPr lang="en-US" altLang="ko-KR" sz="1400" dirty="0">
-                <a:latin typeface="맑은 고딕"/>
+              <a:rPr lang="en-US" altLang="ko-KR" dirty="0" err="1">
                 <a:ea typeface="맑은 고딕"/>
               </a:rPr>
-              <a:t> + 4</a:t>
-            </a:r>
-            <a:r>
-              <a:rPr lang="ko-KR" sz="1400" dirty="0">
-                <a:latin typeface="Malgun Gothic"/>
-                <a:ea typeface="Malgun Gothic"/>
+              <a:t>스코빌</a:t>
+            </a:r>
+            <a:r>
+              <a:rPr lang="en-US" altLang="ko-KR" dirty="0">
+                <a:ea typeface="맑은 고딕"/>
               </a:rPr>
-              <a:t> -&gt; 가장 큰 </a:t>
-            </a:r>
-            <a:r>
-              <a:rPr lang="ko-KR" altLang="en-US" sz="1400" dirty="0">
-                <a:latin typeface="Malgun Gothic"/>
-                <a:ea typeface="Malgun Gothic"/>
-              </a:rPr>
-              <a:t>값에</a:t>
-            </a:r>
-            <a:r>
-              <a:rPr lang="ko-KR" sz="1400" dirty="0">
-                <a:latin typeface="Malgun Gothic"/>
-                <a:ea typeface="Malgun Gothic"/>
-              </a:rPr>
-              <a:t> </a:t>
-            </a:r>
-            <a:r>
-              <a:rPr lang="en-US" altLang="ko-KR" sz="1400" dirty="0">
-                <a:latin typeface="Malgun Gothic"/>
-                <a:ea typeface="Malgun Gothic"/>
-              </a:rPr>
-              <a:t>k </a:t>
-            </a:r>
-            <a:r>
-              <a:rPr lang="en-US" altLang="ko-KR" sz="1400" dirty="0" err="1">
-                <a:latin typeface="Malgun Gothic"/>
-                <a:ea typeface="Malgun Gothic"/>
-              </a:rPr>
-              <a:t>사용</a:t>
-            </a:r>
-            <a:r>
-              <a:rPr lang="en-US" altLang="ko-KR" sz="1400" dirty="0">
-                <a:latin typeface="Malgun Gothic"/>
-                <a:ea typeface="Malgun Gothic"/>
-              </a:rPr>
-              <a:t> -&gt; 4 + 2 + 0 pass </a:t>
-            </a:r>
-            <a:r>
-              <a:rPr lang="en-US" altLang="ko-KR" sz="1400" dirty="0">
-                <a:latin typeface="Malgun Gothic"/>
-                <a:ea typeface="+mn-lt"/>
-              </a:rPr>
-              <a:t>(K:</a:t>
-            </a:r>
-            <a:r>
-              <a:rPr lang="ko-KR" sz="1400" dirty="0">
-                <a:latin typeface="Malgun Gothic"/>
-                <a:ea typeface="Malgun Gothic"/>
-              </a:rPr>
-              <a:t> </a:t>
-            </a:r>
-            <a:r>
-              <a:rPr lang="en-US" altLang="ko-KR" sz="1400" dirty="0">
-                <a:latin typeface="Malgun Gothic"/>
-                <a:ea typeface="Malgun Gothic"/>
-              </a:rPr>
-              <a:t>2</a:t>
-            </a:r>
-            <a:r>
-              <a:rPr lang="en-US" altLang="ko-KR" sz="1400" dirty="0">
-                <a:latin typeface="Malgun Gothic"/>
-                <a:ea typeface="+mn-lt"/>
-              </a:rPr>
-              <a:t>)</a:t>
-            </a:r>
-          </a:p>
-          <a:p>
-            <a:r>
-              <a:rPr lang="en-US" altLang="ko-KR" sz="1400" dirty="0">
-                <a:latin typeface="Malgun Gothic"/>
-                <a:ea typeface="Malgun Gothic"/>
-              </a:rPr>
-              <a:t>Round</a:t>
-            </a:r>
-            <a:r>
-              <a:rPr lang="ko-KR" altLang="en-US" sz="1400" dirty="0">
-                <a:latin typeface="Malgun Gothic"/>
-                <a:ea typeface="Malgun Gothic"/>
-              </a:rPr>
-              <a:t> 4 </a:t>
-            </a:r>
-            <a:r>
-              <a:rPr lang="en-US" altLang="ko-KR" sz="1400" dirty="0">
-                <a:latin typeface="Malgun Gothic"/>
-                <a:ea typeface="Malgun Gothic"/>
-              </a:rPr>
-              <a:t>:</a:t>
-            </a:r>
-            <a:r>
-              <a:rPr lang="ko-KR" altLang="en-US" sz="1400" dirty="0">
-                <a:latin typeface="Malgun Gothic"/>
-                <a:ea typeface="Malgun Gothic"/>
-              </a:rPr>
-              <a:t> </a:t>
-            </a:r>
-            <a:r>
-              <a:rPr lang="en-US" altLang="ko-KR" sz="1400" dirty="0">
-                <a:latin typeface="Malgun Gothic"/>
-                <a:ea typeface="Malgun Gothic"/>
-              </a:rPr>
-              <a:t>N</a:t>
-            </a:r>
-            <a:r>
-              <a:rPr lang="ko-KR" altLang="en-US" sz="1400" dirty="0">
-                <a:latin typeface="Malgun Gothic"/>
-                <a:ea typeface="Malgun Gothic"/>
-              </a:rPr>
-              <a:t> </a:t>
-            </a:r>
-            <a:r>
-              <a:rPr lang="en-US" altLang="ko-KR" sz="1400" dirty="0">
-                <a:latin typeface="Malgun Gothic"/>
-                <a:ea typeface="Malgun Gothic"/>
-              </a:rPr>
-              <a:t>:</a:t>
-            </a:r>
-            <a:r>
-              <a:rPr lang="ko-KR" altLang="en-US" sz="1400" dirty="0">
-                <a:latin typeface="Malgun Gothic"/>
-                <a:ea typeface="Malgun Gothic"/>
-              </a:rPr>
-              <a:t> </a:t>
-            </a:r>
-            <a:r>
-              <a:rPr lang="en-US" altLang="ko-KR" sz="1400" dirty="0">
-                <a:latin typeface="Malgun Gothic"/>
-                <a:ea typeface="Malgun Gothic"/>
-              </a:rPr>
-              <a:t>7</a:t>
-            </a:r>
-            <a:r>
-              <a:rPr lang="ko-KR" altLang="en-US" sz="1400" dirty="0">
-                <a:latin typeface="Malgun Gothic"/>
-                <a:ea typeface="Malgun Gothic"/>
-              </a:rPr>
-              <a:t> </a:t>
-            </a:r>
-            <a:r>
-              <a:rPr lang="en-US" sz="1400" dirty="0">
-                <a:latin typeface="Malgun Gothic"/>
-                <a:ea typeface="Malgun Gothic"/>
-              </a:rPr>
-              <a:t>&lt;</a:t>
-            </a:r>
-            <a:r>
-              <a:rPr lang="ko-KR" altLang="en-US" sz="1400" dirty="0">
-                <a:latin typeface="Malgun Gothic"/>
-                <a:ea typeface="Malgun Gothic"/>
-              </a:rPr>
-              <a:t> </a:t>
-            </a:r>
-            <a:r>
-              <a:rPr lang="en-US" altLang="ko-KR" sz="1400" dirty="0">
-                <a:latin typeface="Malgun Gothic"/>
-                <a:ea typeface="Malgun Gothic"/>
-              </a:rPr>
-              <a:t>Enemy</a:t>
-            </a:r>
-            <a:r>
-              <a:rPr lang="ko-KR" altLang="en-US" sz="1400" dirty="0">
-                <a:latin typeface="Malgun Gothic"/>
-                <a:ea typeface="Malgun Gothic"/>
-              </a:rPr>
-              <a:t> </a:t>
-            </a:r>
-            <a:r>
-              <a:rPr lang="en-US" altLang="ko-KR" sz="1400" dirty="0">
-                <a:latin typeface="Malgun Gothic"/>
-                <a:ea typeface="Malgun Gothic"/>
-              </a:rPr>
-              <a:t>sum</a:t>
-            </a:r>
-            <a:r>
-              <a:rPr lang="ko-KR" altLang="en-US" sz="1400" dirty="0">
-                <a:latin typeface="Malgun Gothic"/>
-                <a:ea typeface="Malgun Gothic"/>
-              </a:rPr>
-              <a:t> </a:t>
-            </a:r>
-            <a:r>
-              <a:rPr lang="en-US" altLang="ko-KR" sz="1400" dirty="0">
-                <a:latin typeface="Malgun Gothic"/>
-                <a:ea typeface="Malgun Gothic"/>
-              </a:rPr>
-              <a:t>:</a:t>
-            </a:r>
-            <a:r>
-              <a:rPr lang="ko-KR" altLang="en-US" sz="1400" dirty="0">
-                <a:latin typeface="Malgun Gothic"/>
-                <a:ea typeface="Malgun Gothic"/>
-              </a:rPr>
-              <a:t> </a:t>
-            </a:r>
-            <a:r>
-              <a:rPr lang="en-US" altLang="ko-KR" sz="1400" dirty="0">
-                <a:latin typeface="Malgun Gothic"/>
-                <a:ea typeface="Malgun Gothic"/>
-              </a:rPr>
-              <a:t>4</a:t>
-            </a:r>
-            <a:r>
-              <a:rPr lang="ko-KR" altLang="en-US" sz="1400" dirty="0">
-                <a:latin typeface="Malgun Gothic"/>
-                <a:ea typeface="Malgun Gothic"/>
-              </a:rPr>
-              <a:t> </a:t>
-            </a:r>
-            <a:r>
-              <a:rPr lang="en-US" sz="1400" dirty="0">
-                <a:latin typeface="Malgun Gothic"/>
-                <a:ea typeface="Malgun Gothic"/>
-              </a:rPr>
-              <a:t>+</a:t>
-            </a:r>
-            <a:r>
-              <a:rPr lang="ko-KR" altLang="en-US" sz="1400" dirty="0">
-                <a:latin typeface="Malgun Gothic"/>
-                <a:ea typeface="Malgun Gothic"/>
-              </a:rPr>
-              <a:t> </a:t>
-            </a:r>
-            <a:r>
-              <a:rPr lang="en-US" sz="1400" dirty="0">
-                <a:latin typeface="Malgun Gothic"/>
-                <a:ea typeface="Malgun Gothic"/>
-              </a:rPr>
-              <a:t>2 + 0</a:t>
-            </a:r>
-            <a:r>
-              <a:rPr lang="en-US" altLang="ko-KR" sz="1400" dirty="0">
-                <a:latin typeface="Malgun Gothic"/>
-                <a:ea typeface="Malgun Gothic"/>
-              </a:rPr>
-              <a:t> + 5</a:t>
-            </a:r>
-            <a:r>
-              <a:rPr lang="ko-KR" altLang="en-US" sz="1400" dirty="0">
-                <a:latin typeface="Malgun Gothic"/>
-                <a:ea typeface="Malgun Gothic"/>
-              </a:rPr>
-              <a:t> </a:t>
-            </a:r>
-            <a:r>
-              <a:rPr lang="en-US" altLang="ko-KR" sz="1400" dirty="0">
-                <a:latin typeface="Malgun Gothic"/>
-                <a:ea typeface="Malgun Gothic"/>
-              </a:rPr>
-              <a:t>-&gt;</a:t>
-            </a:r>
-            <a:r>
-              <a:rPr lang="ko-KR" altLang="en-US" sz="1400" dirty="0">
-                <a:latin typeface="Malgun Gothic"/>
-                <a:ea typeface="Malgun Gothic"/>
-              </a:rPr>
-              <a:t> 가장 큰 값에 </a:t>
-            </a:r>
-            <a:r>
-              <a:rPr lang="en-US" sz="1400" dirty="0">
-                <a:latin typeface="Malgun Gothic"/>
-                <a:ea typeface="Malgun Gothic"/>
-              </a:rPr>
-              <a:t>k </a:t>
-            </a:r>
-            <a:r>
-              <a:rPr lang="en-US" sz="1400" dirty="0" err="1">
-                <a:latin typeface="Malgun Gothic"/>
-                <a:ea typeface="Malgun Gothic"/>
-              </a:rPr>
-              <a:t>사용</a:t>
-            </a:r>
-            <a:r>
-              <a:rPr lang="en-US" sz="1400" dirty="0">
-                <a:latin typeface="Malgun Gothic"/>
-                <a:ea typeface="Malgun Gothic"/>
-              </a:rPr>
-              <a:t> -&gt; 4 + 2 + 0 + 5 pass (K:</a:t>
-            </a:r>
-            <a:r>
-              <a:rPr lang="ko-KR" altLang="en-US" sz="1400" dirty="0">
-                <a:latin typeface="Malgun Gothic"/>
-                <a:ea typeface="Malgun Gothic"/>
-              </a:rPr>
-              <a:t> 1</a:t>
-            </a:r>
-            <a:r>
-              <a:rPr lang="en-US" sz="1400" dirty="0">
-                <a:latin typeface="Malgun Gothic"/>
-                <a:ea typeface="Malgun Gothic"/>
-              </a:rPr>
-              <a:t>)</a:t>
-            </a:r>
-          </a:p>
-          <a:p>
-            <a:r>
-              <a:rPr lang="en-US" altLang="ko-KR" sz="1400" dirty="0">
-                <a:latin typeface="Malgun Gothic"/>
-                <a:ea typeface="Malgun Gothic"/>
-              </a:rPr>
-              <a:t>Round</a:t>
-            </a:r>
-            <a:r>
-              <a:rPr lang="ko-KR" altLang="en-US" sz="1400" dirty="0">
-                <a:latin typeface="Malgun Gothic"/>
-                <a:ea typeface="Malgun Gothic"/>
-              </a:rPr>
-              <a:t> 5 </a:t>
-            </a:r>
-            <a:r>
-              <a:rPr lang="en-US" altLang="ko-KR" sz="1400" dirty="0">
-                <a:latin typeface="Malgun Gothic"/>
-                <a:ea typeface="Malgun Gothic"/>
-              </a:rPr>
-              <a:t>:</a:t>
-            </a:r>
-            <a:r>
-              <a:rPr lang="ko-KR" altLang="en-US" sz="1400" dirty="0">
-                <a:latin typeface="Malgun Gothic"/>
-                <a:ea typeface="Malgun Gothic"/>
-              </a:rPr>
-              <a:t> </a:t>
-            </a:r>
-            <a:r>
-              <a:rPr lang="en-US" altLang="ko-KR" sz="1400" dirty="0">
-                <a:latin typeface="Malgun Gothic"/>
-                <a:ea typeface="Malgun Gothic"/>
-              </a:rPr>
-              <a:t>N</a:t>
-            </a:r>
-            <a:r>
-              <a:rPr lang="ko-KR" altLang="en-US" sz="1400" dirty="0">
-                <a:latin typeface="Malgun Gothic"/>
-                <a:ea typeface="Malgun Gothic"/>
-              </a:rPr>
-              <a:t> </a:t>
-            </a:r>
-            <a:r>
-              <a:rPr lang="en-US" altLang="ko-KR" sz="1400" dirty="0">
-                <a:latin typeface="Malgun Gothic"/>
-                <a:ea typeface="Malgun Gothic"/>
-              </a:rPr>
-              <a:t>:</a:t>
-            </a:r>
-            <a:r>
-              <a:rPr lang="ko-KR" altLang="en-US" sz="1400" dirty="0">
-                <a:latin typeface="Malgun Gothic"/>
-                <a:ea typeface="Malgun Gothic"/>
-              </a:rPr>
-              <a:t> </a:t>
-            </a:r>
-            <a:r>
-              <a:rPr lang="en-US" altLang="ko-KR" sz="1400" dirty="0">
-                <a:latin typeface="Malgun Gothic"/>
-                <a:ea typeface="Malgun Gothic"/>
-              </a:rPr>
-              <a:t>7</a:t>
-            </a:r>
-            <a:r>
-              <a:rPr lang="ko-KR" altLang="en-US" sz="1400" dirty="0">
-                <a:latin typeface="Malgun Gothic"/>
-                <a:ea typeface="Malgun Gothic"/>
-              </a:rPr>
-              <a:t> </a:t>
-            </a:r>
-            <a:r>
-              <a:rPr lang="en-US" sz="1400" dirty="0">
-                <a:latin typeface="Malgun Gothic"/>
-                <a:ea typeface="Malgun Gothic"/>
-              </a:rPr>
-              <a:t>&lt;</a:t>
-            </a:r>
-            <a:r>
-              <a:rPr lang="ko-KR" altLang="en-US" sz="1400" dirty="0">
-                <a:latin typeface="Malgun Gothic"/>
-                <a:ea typeface="Malgun Gothic"/>
-              </a:rPr>
-              <a:t> </a:t>
-            </a:r>
-            <a:r>
-              <a:rPr lang="en-US" altLang="ko-KR" sz="1400" dirty="0">
-                <a:latin typeface="Malgun Gothic"/>
-                <a:ea typeface="Malgun Gothic"/>
-              </a:rPr>
-              <a:t>Enemy</a:t>
-            </a:r>
-            <a:r>
-              <a:rPr lang="ko-KR" altLang="en-US" sz="1400" dirty="0">
-                <a:latin typeface="Malgun Gothic"/>
-                <a:ea typeface="Malgun Gothic"/>
-              </a:rPr>
-              <a:t> </a:t>
-            </a:r>
-            <a:r>
-              <a:rPr lang="en-US" altLang="ko-KR" sz="1400" dirty="0">
-                <a:latin typeface="Malgun Gothic"/>
-                <a:ea typeface="Malgun Gothic"/>
-              </a:rPr>
-              <a:t>sum</a:t>
-            </a:r>
-            <a:r>
-              <a:rPr lang="ko-KR" altLang="en-US" sz="1400" dirty="0">
-                <a:latin typeface="Malgun Gothic"/>
-                <a:ea typeface="Malgun Gothic"/>
-              </a:rPr>
-              <a:t> </a:t>
-            </a:r>
-            <a:r>
-              <a:rPr lang="en-US" altLang="ko-KR" sz="1400" dirty="0">
-                <a:latin typeface="Malgun Gothic"/>
-                <a:ea typeface="Malgun Gothic"/>
-              </a:rPr>
-              <a:t>:</a:t>
-            </a:r>
-            <a:r>
-              <a:rPr lang="ko-KR" altLang="en-US" sz="1400" dirty="0">
-                <a:latin typeface="Malgun Gothic"/>
-                <a:ea typeface="Malgun Gothic"/>
-              </a:rPr>
-              <a:t> </a:t>
-            </a:r>
-            <a:r>
-              <a:rPr lang="en-US" altLang="ko-KR" sz="1400" dirty="0">
-                <a:latin typeface="Malgun Gothic"/>
-                <a:ea typeface="Malgun Gothic"/>
-              </a:rPr>
-              <a:t>4</a:t>
-            </a:r>
-            <a:r>
-              <a:rPr lang="ko-KR" altLang="en-US" sz="1400" dirty="0">
-                <a:latin typeface="Malgun Gothic"/>
-                <a:ea typeface="Malgun Gothic"/>
-              </a:rPr>
-              <a:t> </a:t>
-            </a:r>
-            <a:r>
-              <a:rPr lang="en-US" sz="1400" dirty="0">
-                <a:latin typeface="Malgun Gothic"/>
-                <a:ea typeface="Malgun Gothic"/>
-              </a:rPr>
-              <a:t>+</a:t>
-            </a:r>
-            <a:r>
-              <a:rPr lang="ko-KR" altLang="en-US" sz="1400" dirty="0">
-                <a:latin typeface="Malgun Gothic"/>
-                <a:ea typeface="Malgun Gothic"/>
-              </a:rPr>
-              <a:t> </a:t>
-            </a:r>
-            <a:r>
-              <a:rPr lang="en-US" sz="1400" dirty="0">
-                <a:latin typeface="Malgun Gothic"/>
-                <a:ea typeface="Malgun Gothic"/>
-              </a:rPr>
-              <a:t>2 + 0 + 0 + 3 </a:t>
-            </a:r>
-            <a:r>
-              <a:rPr lang="en-US" altLang="ko-KR" sz="1400" dirty="0">
-                <a:latin typeface="Malgun Gothic"/>
-                <a:ea typeface="Malgun Gothic"/>
-              </a:rPr>
-              <a:t>-&gt;</a:t>
-            </a:r>
-            <a:r>
-              <a:rPr lang="ko-KR" altLang="en-US" sz="1400" dirty="0">
-                <a:latin typeface="Malgun Gothic"/>
-                <a:ea typeface="Malgun Gothic"/>
-              </a:rPr>
-              <a:t> 가장 큰 값에 </a:t>
-            </a:r>
-            <a:r>
-              <a:rPr lang="en-US" sz="1400" dirty="0">
-                <a:latin typeface="Malgun Gothic"/>
-                <a:ea typeface="Malgun Gothic"/>
-              </a:rPr>
-              <a:t>k</a:t>
-            </a:r>
-            <a:r>
-              <a:rPr lang="en-US" altLang="ko-KR" sz="1400" dirty="0">
-                <a:latin typeface="Malgun Gothic"/>
-                <a:ea typeface="Malgun Gothic"/>
-              </a:rPr>
-              <a:t> </a:t>
-            </a:r>
-            <a:r>
-              <a:rPr lang="ko-KR" altLang="en-US" sz="1400" dirty="0">
-                <a:latin typeface="Malgun Gothic"/>
-                <a:ea typeface="Malgun Gothic"/>
-              </a:rPr>
-              <a:t>사용</a:t>
-            </a:r>
-            <a:r>
-              <a:rPr lang="en-US" sz="1400" dirty="0">
-                <a:latin typeface="Malgun Gothic"/>
-                <a:ea typeface="Malgun Gothic"/>
-              </a:rPr>
-              <a:t> -&gt; 0 + 2 + 0 + 0 + 0 + 3 pass (K:</a:t>
-            </a:r>
-            <a:r>
-              <a:rPr lang="ko-KR" altLang="en-US" sz="1400" dirty="0">
-                <a:latin typeface="Malgun Gothic"/>
-                <a:ea typeface="Malgun Gothic"/>
-              </a:rPr>
-              <a:t> 0</a:t>
-            </a:r>
-            <a:r>
-              <a:rPr lang="en-US" sz="1400" dirty="0">
-                <a:latin typeface="Malgun Gothic"/>
-                <a:ea typeface="Malgun Gothic"/>
-              </a:rPr>
-              <a:t>)</a:t>
-            </a:r>
-          </a:p>
-          <a:p>
-            <a:r>
-              <a:rPr lang="en-US" sz="1400" dirty="0">
-                <a:latin typeface="Malgun Gothic"/>
-                <a:ea typeface="Malgun Gothic"/>
-              </a:rPr>
-              <a:t>Round</a:t>
-            </a:r>
-            <a:r>
-              <a:rPr lang="ko-KR" altLang="en-US" sz="1400" dirty="0">
-                <a:latin typeface="Malgun Gothic"/>
-                <a:ea typeface="Malgun Gothic"/>
-              </a:rPr>
-              <a:t> 6 </a:t>
-            </a:r>
-            <a:r>
-              <a:rPr lang="en-US" sz="1400" dirty="0">
-                <a:latin typeface="Malgun Gothic"/>
-                <a:ea typeface="Malgun Gothic"/>
-              </a:rPr>
-              <a:t>:</a:t>
-            </a:r>
-            <a:r>
-              <a:rPr lang="ko-KR" altLang="en-US" sz="1400" dirty="0">
-                <a:latin typeface="Malgun Gothic"/>
-                <a:ea typeface="Malgun Gothic"/>
-              </a:rPr>
-              <a:t> </a:t>
-            </a:r>
-            <a:r>
-              <a:rPr lang="en-US" sz="1400" dirty="0">
-                <a:latin typeface="Malgun Gothic"/>
-                <a:ea typeface="Malgun Gothic"/>
-              </a:rPr>
-              <a:t>N</a:t>
-            </a:r>
-            <a:r>
-              <a:rPr lang="ko-KR" altLang="en-US" sz="1400" dirty="0">
-                <a:latin typeface="Malgun Gothic"/>
-                <a:ea typeface="Malgun Gothic"/>
-              </a:rPr>
-              <a:t> </a:t>
-            </a:r>
-            <a:r>
-              <a:rPr lang="en-US" sz="1400" dirty="0">
-                <a:latin typeface="Malgun Gothic"/>
-                <a:ea typeface="Malgun Gothic"/>
-              </a:rPr>
-              <a:t>:</a:t>
-            </a:r>
-            <a:r>
-              <a:rPr lang="ko-KR" altLang="en-US" sz="1400" dirty="0">
-                <a:latin typeface="Malgun Gothic"/>
-                <a:ea typeface="Malgun Gothic"/>
-              </a:rPr>
-              <a:t> </a:t>
-            </a:r>
-            <a:r>
-              <a:rPr lang="en-US" sz="1400" dirty="0">
-                <a:latin typeface="Malgun Gothic"/>
-                <a:ea typeface="Malgun Gothic"/>
-              </a:rPr>
-              <a:t>7</a:t>
-            </a:r>
-            <a:r>
-              <a:rPr lang="ko-KR" altLang="en-US" sz="1400" dirty="0">
-                <a:latin typeface="Malgun Gothic"/>
-                <a:ea typeface="Malgun Gothic"/>
-              </a:rPr>
-              <a:t> </a:t>
-            </a:r>
-            <a:r>
-              <a:rPr lang="en-US" sz="1400" dirty="0">
-                <a:latin typeface="Malgun Gothic"/>
-                <a:ea typeface="Malgun Gothic"/>
-              </a:rPr>
-              <a:t>&lt;</a:t>
-            </a:r>
-            <a:r>
-              <a:rPr lang="ko-KR" altLang="en-US" sz="1400" dirty="0">
-                <a:latin typeface="Malgun Gothic"/>
-                <a:ea typeface="Malgun Gothic"/>
-              </a:rPr>
-              <a:t> </a:t>
-            </a:r>
-            <a:r>
-              <a:rPr lang="en-US" sz="1400" dirty="0">
-                <a:latin typeface="Malgun Gothic"/>
-                <a:ea typeface="Malgun Gothic"/>
-              </a:rPr>
-              <a:t>Enemy</a:t>
-            </a:r>
-            <a:r>
-              <a:rPr lang="ko-KR" altLang="en-US" sz="1400" dirty="0">
-                <a:latin typeface="Malgun Gothic"/>
-                <a:ea typeface="Malgun Gothic"/>
-              </a:rPr>
-              <a:t> </a:t>
-            </a:r>
-            <a:r>
-              <a:rPr lang="en-US" sz="1400" dirty="0">
-                <a:latin typeface="Malgun Gothic"/>
-                <a:ea typeface="Malgun Gothic"/>
-              </a:rPr>
-              <a:t>sum</a:t>
-            </a:r>
-            <a:r>
-              <a:rPr lang="ko-KR" altLang="en-US" sz="1400" dirty="0">
-                <a:latin typeface="Malgun Gothic"/>
-                <a:ea typeface="Malgun Gothic"/>
-              </a:rPr>
-              <a:t> </a:t>
-            </a:r>
-            <a:r>
-              <a:rPr lang="en-US" sz="1400" dirty="0">
-                <a:latin typeface="Malgun Gothic"/>
-                <a:ea typeface="Malgun Gothic"/>
-              </a:rPr>
-              <a:t>:</a:t>
-            </a:r>
-            <a:r>
-              <a:rPr lang="ko-KR" altLang="en-US" sz="1400" dirty="0">
-                <a:latin typeface="Malgun Gothic"/>
-                <a:ea typeface="Malgun Gothic"/>
-              </a:rPr>
-              <a:t> 0 </a:t>
-            </a:r>
-            <a:r>
-              <a:rPr lang="en-US" sz="1400" dirty="0">
-                <a:latin typeface="Malgun Gothic"/>
-                <a:ea typeface="Malgun Gothic"/>
-              </a:rPr>
-              <a:t>+</a:t>
-            </a:r>
-            <a:r>
-              <a:rPr lang="ko-KR" altLang="en-US" sz="1400" dirty="0">
-                <a:latin typeface="Malgun Gothic"/>
-                <a:ea typeface="Malgun Gothic"/>
-              </a:rPr>
-              <a:t> </a:t>
-            </a:r>
-            <a:r>
-              <a:rPr lang="en-US" sz="1400" dirty="0">
-                <a:latin typeface="Malgun Gothic"/>
-                <a:ea typeface="Malgun Gothic"/>
-              </a:rPr>
-              <a:t>2 + 0 + 0 + 3 + 3 -&gt;</a:t>
-            </a:r>
-            <a:r>
-              <a:rPr lang="ko-KR" altLang="en-US" sz="1400" dirty="0">
-                <a:latin typeface="Malgun Gothic"/>
-                <a:ea typeface="Malgun Gothic"/>
-              </a:rPr>
-              <a:t> 가장 큰 값에 </a:t>
-            </a:r>
-            <a:r>
-              <a:rPr lang="en-US" sz="1400" dirty="0">
-                <a:latin typeface="Malgun Gothic"/>
-                <a:ea typeface="Malgun Gothic"/>
-              </a:rPr>
-              <a:t>k</a:t>
-            </a:r>
-            <a:r>
-              <a:rPr lang="en-US" altLang="ko-KR" sz="1400" dirty="0">
-                <a:latin typeface="Malgun Gothic"/>
-                <a:ea typeface="Malgun Gothic"/>
-              </a:rPr>
-              <a:t> </a:t>
-            </a:r>
-            <a:r>
-              <a:rPr lang="ko-KR" altLang="en-US" sz="1400" dirty="0">
-                <a:latin typeface="Malgun Gothic"/>
-                <a:ea typeface="Malgun Gothic"/>
-              </a:rPr>
-              <a:t>사용</a:t>
-            </a:r>
-            <a:r>
-              <a:rPr lang="en-US" sz="1400" dirty="0">
-                <a:latin typeface="Malgun Gothic"/>
-                <a:ea typeface="Malgun Gothic"/>
-              </a:rPr>
-              <a:t> -&gt; 0 + 2 + 0 + 0 + 0 + 3 + 3 None pass (K:</a:t>
-            </a:r>
-            <a:r>
-              <a:rPr lang="ko-KR" altLang="en-US" sz="1400" dirty="0">
-                <a:latin typeface="Malgun Gothic"/>
-                <a:ea typeface="Malgun Gothic"/>
-              </a:rPr>
-              <a:t> </a:t>
-            </a:r>
-            <a:r>
-              <a:rPr lang="en-US" altLang="ko-KR" sz="1400" dirty="0">
-                <a:latin typeface="Malgun Gothic"/>
-                <a:ea typeface="Malgun Gothic"/>
-              </a:rPr>
-              <a:t>0</a:t>
-            </a:r>
-            <a:r>
-              <a:rPr lang="en-US" sz="1400" dirty="0">
-                <a:latin typeface="Malgun Gothic"/>
-                <a:ea typeface="Malgun Gothic"/>
-              </a:rPr>
-              <a:t>)</a:t>
-            </a:r>
-            <a:endParaRPr lang="en-US" sz="1400" dirty="0">
-              <a:ea typeface="+mn-lt"/>
-              <a:cs typeface="+mn-lt"/>
-            </a:endParaRPr>
-          </a:p>
-          <a:p>
-            <a:r>
-              <a:rPr lang="en-US" sz="1400" dirty="0">
-                <a:latin typeface="Malgun Gothic"/>
-                <a:ea typeface="Malgun Gothic"/>
-              </a:rPr>
-              <a:t>End ( 6</a:t>
-            </a:r>
-            <a:r>
-              <a:rPr lang="ko-KR" altLang="en-US" sz="1400" dirty="0">
-                <a:latin typeface="Malgun Gothic"/>
-                <a:ea typeface="Malgun Gothic"/>
-              </a:rPr>
-              <a:t>라운드</a:t>
-            </a:r>
-            <a:r>
-              <a:rPr lang="en-US" sz="1400" dirty="0">
-                <a:latin typeface="Malgun Gothic"/>
-                <a:ea typeface="Malgun Gothic"/>
-              </a:rPr>
-              <a:t> </a:t>
-            </a:r>
-            <a:r>
-              <a:rPr lang="ko-KR" altLang="en-US" sz="1400" dirty="0">
-                <a:latin typeface="Malgun Gothic"/>
-                <a:ea typeface="Malgun Gothic"/>
-              </a:rPr>
-              <a:t>실패임으로</a:t>
-            </a:r>
-            <a:r>
-              <a:rPr lang="en-US" altLang="ko-KR" sz="1400" dirty="0">
-                <a:latin typeface="Malgun Gothic"/>
-                <a:ea typeface="Malgun Gothic"/>
-              </a:rPr>
-              <a:t> </a:t>
-            </a:r>
-            <a:r>
-              <a:rPr lang="en-US" altLang="ko-KR" sz="1400" dirty="0" err="1">
-                <a:latin typeface="Malgun Gothic"/>
-                <a:ea typeface="Malgun Gothic"/>
-              </a:rPr>
-              <a:t>최종적</a:t>
-            </a:r>
-            <a:r>
-              <a:rPr lang="en-US" altLang="ko-KR" sz="1400" dirty="0">
-                <a:latin typeface="Malgun Gothic"/>
-                <a:ea typeface="Malgun Gothic"/>
-              </a:rPr>
-              <a:t> </a:t>
-            </a:r>
-            <a:r>
-              <a:rPr lang="en-US" altLang="ko-KR" sz="1400" dirty="0" err="1">
-                <a:latin typeface="Malgun Gothic"/>
-                <a:ea typeface="Malgun Gothic"/>
-              </a:rPr>
-              <a:t>으로</a:t>
-            </a:r>
-            <a:r>
-              <a:rPr lang="en-US" altLang="ko-KR" sz="1400" dirty="0">
-                <a:latin typeface="Malgun Gothic"/>
-                <a:ea typeface="Malgun Gothic"/>
-              </a:rPr>
-              <a:t> 5라운드까지 </a:t>
-            </a:r>
-            <a:r>
-              <a:rPr lang="en-US" altLang="ko-KR" sz="1400" dirty="0" err="1">
-                <a:latin typeface="Malgun Gothic"/>
-                <a:ea typeface="Malgun Gothic"/>
-              </a:rPr>
-              <a:t>버팀</a:t>
-            </a:r>
-            <a:r>
-              <a:rPr lang="en-US" altLang="ko-KR" sz="1400" dirty="0">
-                <a:latin typeface="Malgun Gothic"/>
-                <a:ea typeface="Malgun Gothic"/>
-              </a:rPr>
-              <a:t> </a:t>
-            </a:r>
-            <a:r>
-              <a:rPr lang="en-US" sz="1400" dirty="0">
-                <a:latin typeface="Malgun Gothic"/>
-                <a:ea typeface="Malgun Gothic"/>
-              </a:rPr>
-              <a:t>)</a:t>
-            </a:r>
-          </a:p>
-          <a:p>
-            <a:endParaRPr lang="en-US" sz="1400" dirty="0">
-              <a:latin typeface="Malgun Gothic"/>
-              <a:ea typeface="Malgun Gothic"/>
-            </a:endParaRPr>
+              <a:t> x 2 )</a:t>
+            </a:r>
           </a:p>
         </p:txBody>
       </p:sp>
     </p:spTree>
     <p:extLst>
       <p:ext uri="{BB962C8B-B14F-4D97-AF65-F5344CB8AC3E}">
-        <p14:creationId xmlns:p14="http://schemas.microsoft.com/office/powerpoint/2010/main" val="1332766528"/>
+        <p14:creationId xmlns:p14="http://schemas.microsoft.com/office/powerpoint/2010/main" val="3512367599"/>
       </p:ext>
     </p:extLst>
   </p:cSld>
@@ -7927,7 +6924,7 @@
 </p:sld>
 </file>
 
-<file path=ppt/slides/slide2.xml><?xml version="1.0" encoding="utf-8"?>
+<file path=ppt/slides/slide4.xml><?xml version="1.0" encoding="utf-8"?>
 <p:sld xmlns:a="http://schemas.openxmlformats.org/drawingml/2006/main" xmlns:r="http://schemas.openxmlformats.org/officeDocument/2006/relationships" xmlns:p="http://schemas.openxmlformats.org/presentationml/2006/main">
   <p:cSld>
     <p:spTree>
@@ -7949,67 +6946,6 @@
           <p:cNvPr id="2" name="제목 1">
             <a:extLst>
               <a:ext uri="{FF2B5EF4-FFF2-40B4-BE49-F238E27FC236}">
-                <a16:creationId xmlns:a16="http://schemas.microsoft.com/office/drawing/2014/main" id="{F81DA964-3E3F-7245-87CC-29849621EB43}"/>
-              </a:ext>
-            </a:extLst>
-          </p:cNvPr>
-          <p:cNvSpPr>
-            <a:spLocks noGrp="1"/>
-          </p:cNvSpPr>
-          <p:nvPr>
-            <p:ph type="title"/>
-          </p:nvPr>
-        </p:nvSpPr>
-        <p:spPr/>
-        <p:txBody>
-          <a:bodyPr/>
-          <a:lstStyle/>
-          <a:p>
-            <a:r>
-              <a:rPr lang="ko-Kore-KR" altLang="en-US">
-                <a:ea typeface="맑은 고딕"/>
-              </a:rPr>
-              <a:t>H_index</a:t>
-            </a:r>
-            <a:endParaRPr kumimoji="1" lang="ko-Kore-KR" altLang="en-US" dirty="0"/>
-          </a:p>
-        </p:txBody>
-      </p:sp>
-    </p:spTree>
-    <p:extLst>
-      <p:ext uri="{BB962C8B-B14F-4D97-AF65-F5344CB8AC3E}">
-        <p14:creationId xmlns:p14="http://schemas.microsoft.com/office/powerpoint/2010/main" val="3798594751"/>
-      </p:ext>
-    </p:extLst>
-  </p:cSld>
-  <p:clrMapOvr>
-    <a:masterClrMapping/>
-  </p:clrMapOvr>
-</p:sld>
-</file>
-
-<file path=ppt/slides/slide3.xml><?xml version="1.0" encoding="utf-8"?>
-<p:sld xmlns:a="http://schemas.openxmlformats.org/drawingml/2006/main" xmlns:r="http://schemas.openxmlformats.org/officeDocument/2006/relationships" xmlns:p="http://schemas.openxmlformats.org/presentationml/2006/main">
-  <p:cSld>
-    <p:spTree>
-      <p:nvGrpSpPr>
-        <p:cNvPr id="1" name=""/>
-        <p:cNvGrpSpPr/>
-        <p:nvPr/>
-      </p:nvGrpSpPr>
-      <p:grpSpPr>
-        <a:xfrm>
-          <a:off x="0" y="0"/>
-          <a:ext cx="0" cy="0"/>
-          <a:chOff x="0" y="0"/>
-          <a:chExt cx="0" cy="0"/>
-        </a:xfrm>
-      </p:grpSpPr>
-      <p:sp>
-        <p:nvSpPr>
-          <p:cNvPr id="2" name="제목 1">
-            <a:extLst>
-              <a:ext uri="{FF2B5EF4-FFF2-40B4-BE49-F238E27FC236}">
                 <a16:creationId xmlns:a16="http://schemas.microsoft.com/office/drawing/2014/main" id="{C9148387-57D9-1341-8EAC-7B55E33DD944}"/>
               </a:ext>
             </a:extLst>
@@ -8027,23 +6963,71 @@
           <a:lstStyle/>
           <a:p>
             <a:r>
+              <a:rPr lang="en-US" altLang="en-US" dirty="0">
+                <a:ea typeface="맑은 고딕"/>
+              </a:rPr>
+              <a:t>더 </a:t>
+            </a:r>
+            <a:r>
+              <a:rPr lang="en-US" altLang="en-US" dirty="0" err="1">
+                <a:ea typeface="맑은 고딕"/>
+              </a:rPr>
+              <a:t>맵게</a:t>
+            </a:r>
+          </a:p>
+        </p:txBody>
+      </p:sp>
+      <p:sp>
+        <p:nvSpPr>
+          <p:cNvPr id="4" name="텍스트 개체 틀 3">
+            <a:extLst>
+              <a:ext uri="{FF2B5EF4-FFF2-40B4-BE49-F238E27FC236}">
+                <a16:creationId xmlns:a16="http://schemas.microsoft.com/office/drawing/2014/main" id="{A813A557-3DB4-9146-8DD6-1CDB7C599F79}"/>
+              </a:ext>
+            </a:extLst>
+          </p:cNvPr>
+          <p:cNvSpPr>
+            <a:spLocks noGrp="1"/>
+          </p:cNvSpPr>
+          <p:nvPr>
+            <p:ph type="body" sz="quarter" idx="14"/>
+          </p:nvPr>
+        </p:nvSpPr>
+        <p:spPr/>
+        <p:txBody>
+          <a:bodyPr vert="horz" lIns="91440" tIns="45720" rIns="91440" bIns="45720" rtlCol="0" anchor="t">
+            <a:normAutofit/>
+          </a:bodyPr>
+          <a:lstStyle/>
+          <a:p>
+            <a:r>
               <a:rPr lang="ko-Kore-KR" altLang="en-US" dirty="0" err="1">
                 <a:ea typeface="맑은 고딕"/>
               </a:rPr>
-              <a:t>H_Index</a:t>
-            </a:r>
-            <a:endParaRPr lang="en-US" altLang="en-US" dirty="0" err="1">
-              <a:ea typeface="맑은 고딕"/>
-            </a:endParaRPr>
+              <a:t>문제</a:t>
+            </a:r>
+            <a:r>
+              <a:rPr lang="ko-Kore-KR" altLang="en-US" dirty="0">
+                <a:ea typeface="맑은 고딕"/>
+              </a:rPr>
+              <a:t> </a:t>
+            </a:r>
+            <a:r>
+              <a:rPr lang="ko-Kore-KR" altLang="en-US" dirty="0" err="1">
+                <a:ea typeface="맑은 고딕"/>
+              </a:rPr>
+              <a:t>설명</a:t>
+            </a:r>
+            <a:endParaRPr kumimoji="1" lang="ko-Kore-KR" altLang="en-US" dirty="0" err="1"/>
           </a:p>
         </p:txBody>
       </p:sp>
       <p:pic>
         <p:nvPicPr>
-          <p:cNvPr id="5" name="Picture 5" descr="Text&#10;&#10;Description automatically generated">
+          <p:cNvPr id="11" name="Picture 11" descr="Table&#10;&#10;Description automatically generated">
             <a:extLst>
               <a:ext uri="{FF2B5EF4-FFF2-40B4-BE49-F238E27FC236}">
-                <a16:creationId xmlns:a16="http://schemas.microsoft.com/office/drawing/2014/main" id="{3FA07090-BC23-1E4A-697D-74B7FEF8CD4D}"/>
+                <a16:creationId xmlns:a16="http://schemas.microsoft.com/office/drawing/2014/main" id="{D434250B-CFDD-D8E7-0D40-6304892FFC35}"/>
               </a:ext>
             </a:extLst>
           </p:cNvPr>
@@ -8062,58 +7046,17 @@
         </p:blipFill>
         <p:spPr>
           <a:xfrm>
-            <a:off x="701208" y="1976952"/>
-            <a:ext cx="7096125" cy="1800225"/>
+            <a:off x="490537" y="1859531"/>
+            <a:ext cx="2828925" cy="1133475"/>
           </a:xfrm>
         </p:spPr>
       </p:pic>
       <p:sp>
         <p:nvSpPr>
-          <p:cNvPr id="4" name="텍스트 개체 틀 3">
+          <p:cNvPr id="12" name="Frame 11">
             <a:extLst>
               <a:ext uri="{FF2B5EF4-FFF2-40B4-BE49-F238E27FC236}">
-                <a16:creationId xmlns:a16="http://schemas.microsoft.com/office/drawing/2014/main" id="{A813A557-3DB4-9146-8DD6-1CDB7C599F79}"/>
-              </a:ext>
-            </a:extLst>
-          </p:cNvPr>
-          <p:cNvSpPr>
-            <a:spLocks noGrp="1"/>
-          </p:cNvSpPr>
-          <p:nvPr>
-            <p:ph type="body" sz="quarter" idx="14"/>
-          </p:nvPr>
-        </p:nvSpPr>
-        <p:spPr/>
-        <p:txBody>
-          <a:bodyPr vert="horz" lIns="91440" tIns="45720" rIns="91440" bIns="45720" rtlCol="0" anchor="t">
-            <a:normAutofit/>
-          </a:bodyPr>
-          <a:lstStyle/>
-          <a:p>
-            <a:r>
-              <a:rPr lang="ko-Kore-KR" altLang="en-US" dirty="0" err="1">
-                <a:ea typeface="맑은 고딕"/>
-              </a:rPr>
-              <a:t>문제</a:t>
-            </a:r>
-            <a:r>
-              <a:rPr lang="ko-Kore-KR" altLang="en-US">
-                <a:ea typeface="맑은 고딕"/>
-              </a:rPr>
-              <a:t> 소개 </a:t>
-            </a:r>
-            <a:endParaRPr lang="en-US" altLang="en-US">
-              <a:ea typeface="맑은 고딕"/>
-            </a:endParaRPr>
-          </a:p>
-        </p:txBody>
-      </p:sp>
-      <p:sp>
-        <p:nvSpPr>
-          <p:cNvPr id="7" name="Frame 6">
-            <a:extLst>
-              <a:ext uri="{FF2B5EF4-FFF2-40B4-BE49-F238E27FC236}">
-                <a16:creationId xmlns:a16="http://schemas.microsoft.com/office/drawing/2014/main" id="{2589F816-2200-7758-DA60-3506D362B859}"/>
+                <a16:creationId xmlns:a16="http://schemas.microsoft.com/office/drawing/2014/main" id="{8E557063-EB7C-9F0E-F2CD-FC75EAB086A9}"/>
               </a:ext>
             </a:extLst>
           </p:cNvPr>
@@ -8122,8 +7065,8 @@
         </p:nvSpPr>
         <p:spPr>
           <a:xfrm>
-            <a:off x="1515036" y="2492189"/>
-            <a:ext cx="5414682" cy="385482"/>
+            <a:off x="555171" y="2558142"/>
+            <a:ext cx="2318657" cy="293914"/>
           </a:xfrm>
           <a:prstGeom prst="frame">
             <a:avLst/>
@@ -8166,20 +7109,22 @@
       </p:sp>
       <p:cxnSp>
         <p:nvCxnSpPr>
-          <p:cNvPr id="8" name="Straight Arrow Connector 7">
+          <p:cNvPr id="13" name="Straight Arrow Connector 12">
             <a:extLst>
               <a:ext uri="{FF2B5EF4-FFF2-40B4-BE49-F238E27FC236}">
-                <a16:creationId xmlns:a16="http://schemas.microsoft.com/office/drawing/2014/main" id="{90BDA3F3-90C6-3819-5CBA-CCC60B76377B}"/>
+                <a16:creationId xmlns:a16="http://schemas.microsoft.com/office/drawing/2014/main" id="{D392347C-1800-0A66-8678-34CAD2B7D786}"/>
               </a:ext>
             </a:extLst>
           </p:cNvPr>
-          <p:cNvCxnSpPr/>
+          <p:cNvCxnSpPr>
+            <a:cxnSpLocks/>
+          </p:cNvCxnSpPr>
           <p:nvPr/>
         </p:nvCxnSpPr>
         <p:spPr>
           <a:xfrm>
-            <a:off x="6920753" y="2846294"/>
-            <a:ext cx="1335741" cy="1156447"/>
+            <a:off x="2841171" y="2819399"/>
+            <a:ext cx="870858" cy="783771"/>
           </a:xfrm>
           <a:prstGeom prst="straightConnector1">
             <a:avLst/>
@@ -8206,295 +7151,40 @@
           </a:fontRef>
         </p:style>
       </p:cxnSp>
-      <p:sp>
-        <p:nvSpPr>
-          <p:cNvPr id="9" name="TextBox 8">
+      <p:pic>
+        <p:nvPicPr>
+          <p:cNvPr id="14" name="Picture 14" descr="Text&#10;&#10;Description automatically generated">
             <a:extLst>
               <a:ext uri="{FF2B5EF4-FFF2-40B4-BE49-F238E27FC236}">
-                <a16:creationId xmlns:a16="http://schemas.microsoft.com/office/drawing/2014/main" id="{6F5A575E-60A0-3183-BEA6-249FDA317328}"/>
+                <a16:creationId xmlns:a16="http://schemas.microsoft.com/office/drawing/2014/main" id="{9F3002AE-CE52-B81A-4779-3EA127FF4FE4}"/>
               </a:ext>
             </a:extLst>
           </p:cNvPr>
-          <p:cNvSpPr txBox="1"/>
+          <p:cNvPicPr>
+            <a:picLocks noChangeAspect="1"/>
+          </p:cNvPicPr>
           <p:nvPr/>
-        </p:nvSpPr>
+        </p:nvPicPr>
+        <p:blipFill>
+          <a:blip r:embed="rId3"/>
+          <a:stretch>
+            <a:fillRect/>
+          </a:stretch>
+        </p:blipFill>
         <p:spPr>
           <a:xfrm>
-            <a:off x="5992408" y="4167702"/>
-            <a:ext cx="5567081" cy="923330"/>
+            <a:off x="3744686" y="3793884"/>
+            <a:ext cx="5050971" cy="2133174"/>
           </a:xfrm>
           <a:prstGeom prst="rect">
             <a:avLst/>
           </a:prstGeom>
-          <a:noFill/>
         </p:spPr>
-        <p:txBody>
-          <a:bodyPr rot="0" spcFirstLastPara="0" vertOverflow="overflow" horzOverflow="overflow" vert="horz" wrap="square" lIns="91440" tIns="45720" rIns="91440" bIns="45720" numCol="1" spcCol="0" rtlCol="0" fromWordArt="0" anchor="t" anchorCtr="0" forceAA="0" compatLnSpc="1">
-            <a:prstTxWarp prst="textNoShape">
-              <a:avLst/>
-            </a:prstTxWarp>
-            <a:spAutoFit/>
-          </a:bodyPr>
-          <a:lstStyle/>
-          <a:p>
-            <a:r>
-              <a:rPr lang="en-US" dirty="0">
-                <a:ea typeface="맑은 고딕"/>
-              </a:rPr>
-              <a:t>N</a:t>
-            </a:r>
-            <a:r>
-              <a:rPr lang="ko-KR" altLang="en-US" dirty="0">
-                <a:ea typeface="맑은 고딕"/>
-              </a:rPr>
-              <a:t>편의</a:t>
-            </a:r>
-            <a:r>
-              <a:rPr lang="en-US" dirty="0">
-                <a:ea typeface="맑은 고딕"/>
-              </a:rPr>
-              <a:t> </a:t>
-            </a:r>
-            <a:r>
-              <a:rPr lang="ko-KR" altLang="en-US" dirty="0" err="1">
-                <a:ea typeface="맑은 고딕"/>
-              </a:rPr>
-              <a:t>논문중</a:t>
-            </a:r>
-            <a:r>
-              <a:rPr lang="en-US" altLang="ko-KR" dirty="0">
-                <a:ea typeface="맑은 고딕"/>
-              </a:rPr>
-              <a:t> </a:t>
-            </a:r>
-            <a:r>
-              <a:rPr lang="en-US" altLang="ko-KR" dirty="0" err="1">
-                <a:ea typeface="맑은 고딕"/>
-              </a:rPr>
-              <a:t>H번</a:t>
-            </a:r>
-            <a:r>
-              <a:rPr lang="en-US" altLang="ko-KR" dirty="0">
-                <a:ea typeface="맑은 고딕"/>
-              </a:rPr>
-              <a:t> </a:t>
-            </a:r>
-            <a:r>
-              <a:rPr lang="en-US" altLang="ko-KR" dirty="0" err="1">
-                <a:ea typeface="맑은 고딕"/>
-              </a:rPr>
-              <a:t>이상</a:t>
-            </a:r>
-            <a:r>
-              <a:rPr lang="en-US" altLang="ko-KR" dirty="0">
-                <a:ea typeface="맑은 고딕"/>
-              </a:rPr>
-              <a:t> </a:t>
-            </a:r>
-            <a:r>
-              <a:rPr lang="en-US" altLang="ko-KR" dirty="0" err="1">
-                <a:ea typeface="맑은 고딕"/>
-              </a:rPr>
-              <a:t>인용된</a:t>
-            </a:r>
-            <a:r>
-              <a:rPr lang="en-US" altLang="ko-KR" dirty="0">
-                <a:ea typeface="맑은 고딕"/>
-              </a:rPr>
-              <a:t> </a:t>
-            </a:r>
-            <a:r>
-              <a:rPr lang="en-US" altLang="ko-KR" dirty="0" err="1">
-                <a:ea typeface="맑은 고딕"/>
-              </a:rPr>
-              <a:t>논문이</a:t>
-            </a:r>
-            <a:r>
-              <a:rPr lang="en-US" altLang="ko-KR" dirty="0">
-                <a:ea typeface="맑은 고딕"/>
-              </a:rPr>
-              <a:t> </a:t>
-            </a:r>
-            <a:r>
-              <a:rPr lang="en-US" altLang="ko-KR" dirty="0" err="1">
-                <a:ea typeface="맑은 고딕"/>
-              </a:rPr>
-              <a:t>H편</a:t>
-            </a:r>
-            <a:r>
-              <a:rPr lang="en-US" altLang="ko-KR" dirty="0">
-                <a:ea typeface="맑은 고딕"/>
-              </a:rPr>
-              <a:t> </a:t>
-            </a:r>
-            <a:r>
-              <a:rPr lang="en-US" altLang="ko-KR" dirty="0" err="1">
-                <a:ea typeface="맑은 고딕"/>
-              </a:rPr>
-              <a:t>이상</a:t>
-            </a:r>
-          </a:p>
-          <a:p>
-            <a:r>
-              <a:rPr lang="en-US" altLang="ko-KR" dirty="0" err="1">
-                <a:ea typeface="맑은 고딕"/>
-              </a:rPr>
-              <a:t>나머지</a:t>
-            </a:r>
-            <a:r>
-              <a:rPr lang="en-US" altLang="ko-KR" dirty="0">
-                <a:ea typeface="맑은 고딕"/>
-              </a:rPr>
-              <a:t> </a:t>
-            </a:r>
-            <a:r>
-              <a:rPr lang="en-US" altLang="ko-KR" dirty="0" err="1">
-                <a:ea typeface="맑은 고딕"/>
-              </a:rPr>
-              <a:t>논문의</a:t>
-            </a:r>
-            <a:r>
-              <a:rPr lang="en-US" altLang="ko-KR" dirty="0">
-                <a:ea typeface="맑은 고딕"/>
-              </a:rPr>
-              <a:t> </a:t>
-            </a:r>
-            <a:r>
-              <a:rPr lang="en-US" altLang="ko-KR" dirty="0" err="1">
-                <a:ea typeface="맑은 고딕"/>
-              </a:rPr>
-              <a:t>인용</a:t>
-            </a:r>
-            <a:r>
-              <a:rPr lang="en-US" altLang="ko-KR" dirty="0">
-                <a:ea typeface="맑은 고딕"/>
-              </a:rPr>
-              <a:t> </a:t>
-            </a:r>
-            <a:r>
-              <a:rPr lang="en-US" altLang="ko-KR" dirty="0" err="1">
-                <a:ea typeface="맑은 고딕"/>
-              </a:rPr>
-              <a:t>횟수가</a:t>
-            </a:r>
-            <a:r>
-              <a:rPr lang="en-US" altLang="ko-KR" dirty="0">
-                <a:ea typeface="맑은 고딕"/>
-              </a:rPr>
-              <a:t> </a:t>
-            </a:r>
-            <a:r>
-              <a:rPr lang="en-US" altLang="ko-KR" dirty="0" err="1">
-                <a:ea typeface="맑은 고딕"/>
-              </a:rPr>
-              <a:t>H번</a:t>
-            </a:r>
-            <a:r>
-              <a:rPr lang="en-US" altLang="ko-KR" dirty="0">
-                <a:ea typeface="맑은 고딕"/>
-              </a:rPr>
-              <a:t> </a:t>
-            </a:r>
-            <a:r>
-              <a:rPr lang="en-US" altLang="ko-KR" dirty="0" err="1">
-                <a:ea typeface="맑은 고딕"/>
-              </a:rPr>
-              <a:t>이하일</a:t>
-            </a:r>
-            <a:r>
-              <a:rPr lang="en-US" altLang="ko-KR" dirty="0">
-                <a:ea typeface="맑은 고딕"/>
-              </a:rPr>
-              <a:t> </a:t>
-            </a:r>
-            <a:r>
-              <a:rPr lang="en-US" altLang="ko-KR" dirty="0" err="1">
-                <a:ea typeface="맑은 고딕"/>
-              </a:rPr>
-              <a:t>경우</a:t>
-            </a:r>
-            <a:r>
-              <a:rPr lang="en-US" altLang="ko-KR" dirty="0">
-                <a:ea typeface="맑은 고딕"/>
-              </a:rPr>
-              <a:t> </a:t>
-            </a:r>
-            <a:r>
-              <a:rPr lang="en-US" altLang="ko-KR" dirty="0" err="1">
-                <a:ea typeface="맑은 고딕"/>
-              </a:rPr>
-              <a:t>H가</a:t>
-            </a:r>
-            <a:r>
-              <a:rPr lang="en-US" altLang="ko-KR" dirty="0">
-                <a:ea typeface="맑은 고딕"/>
-              </a:rPr>
-              <a:t> </a:t>
-            </a:r>
-            <a:r>
-              <a:rPr lang="en-US" altLang="ko-KR" dirty="0" err="1">
-                <a:ea typeface="맑은 고딕"/>
-              </a:rPr>
-              <a:t>가질</a:t>
-            </a:r>
-            <a:r>
-              <a:rPr lang="en-US" altLang="ko-KR" dirty="0">
-                <a:ea typeface="맑은 고딕"/>
-              </a:rPr>
-              <a:t> 수 </a:t>
-            </a:r>
-            <a:r>
-              <a:rPr lang="en-US" altLang="ko-KR" dirty="0" err="1">
-                <a:ea typeface="맑은 고딕"/>
-              </a:rPr>
-              <a:t>있는</a:t>
-            </a:r>
-            <a:r>
-              <a:rPr lang="en-US" altLang="ko-KR" dirty="0">
-                <a:ea typeface="맑은 고딕"/>
-              </a:rPr>
-              <a:t> </a:t>
-            </a:r>
-            <a:r>
-              <a:rPr lang="en-US" altLang="ko-KR" dirty="0" err="1">
-                <a:ea typeface="맑은 고딕"/>
-              </a:rPr>
-              <a:t>최대</a:t>
-            </a:r>
-            <a:r>
-              <a:rPr lang="en-US" altLang="ko-KR" dirty="0">
-                <a:ea typeface="맑은 고딕"/>
-              </a:rPr>
-              <a:t> </a:t>
-            </a:r>
-            <a:r>
-              <a:rPr lang="en-US" altLang="ko-KR" dirty="0" err="1">
-                <a:ea typeface="맑은 고딕"/>
-              </a:rPr>
-              <a:t>값이</a:t>
-            </a:r>
-            <a:r>
-              <a:rPr lang="en-US" altLang="ko-KR" dirty="0">
-                <a:ea typeface="맑은 고딕"/>
-              </a:rPr>
-              <a:t> </a:t>
-            </a:r>
-            <a:r>
-              <a:rPr lang="en-US" altLang="ko-KR" dirty="0" err="1">
-                <a:ea typeface="맑은 고딕"/>
-              </a:rPr>
-              <a:t>H_index값</a:t>
-            </a:r>
-            <a:endParaRPr lang="en-US" altLang="ko-KR" dirty="0">
-              <a:ea typeface="맑은 고딕"/>
-            </a:endParaRPr>
-          </a:p>
-        </p:txBody>
-      </p:sp>
+      </p:pic>
     </p:spTree>
     <p:extLst>
       <p:ext uri="{BB962C8B-B14F-4D97-AF65-F5344CB8AC3E}">
-        <p14:creationId xmlns:p14="http://schemas.microsoft.com/office/powerpoint/2010/main" val="592183638"/>
+        <p14:creationId xmlns:p14="http://schemas.microsoft.com/office/powerpoint/2010/main" val="2851603177"/>
       </p:ext>
     </p:extLst>
   </p:cSld>
@@ -8504,7 +7194,7 @@
 </p:sld>
 </file>
 
-<file path=ppt/slides/slide4.xml><?xml version="1.0" encoding="utf-8"?>
+<file path=ppt/slides/slide5.xml><?xml version="1.0" encoding="utf-8"?>
 <p:sld xmlns:a="http://schemas.openxmlformats.org/drawingml/2006/main" xmlns:r="http://schemas.openxmlformats.org/officeDocument/2006/relationships" xmlns:p="http://schemas.openxmlformats.org/presentationml/2006/main">
   <p:cSld>
     <p:spTree>
@@ -8526,6 +7216,66 @@
           <p:cNvPr id="2" name="제목 1">
             <a:extLst>
               <a:ext uri="{FF2B5EF4-FFF2-40B4-BE49-F238E27FC236}">
+                <a16:creationId xmlns:a16="http://schemas.microsoft.com/office/drawing/2014/main" id="{F81DA964-3E3F-7245-87CC-29849621EB43}"/>
+              </a:ext>
+            </a:extLst>
+          </p:cNvPr>
+          <p:cNvSpPr>
+            <a:spLocks noGrp="1"/>
+          </p:cNvSpPr>
+          <p:nvPr>
+            <p:ph type="title"/>
+          </p:nvPr>
+        </p:nvSpPr>
+        <p:spPr/>
+        <p:txBody>
+          <a:bodyPr/>
+          <a:lstStyle/>
+          <a:p>
+            <a:r>
+              <a:rPr lang="en-US" altLang="en-US" dirty="0" err="1">
+                <a:ea typeface="맑은 고딕"/>
+              </a:rPr>
+              <a:t>조이스틱</a:t>
+            </a:r>
+          </a:p>
+        </p:txBody>
+      </p:sp>
+    </p:spTree>
+    <p:extLst>
+      <p:ext uri="{BB962C8B-B14F-4D97-AF65-F5344CB8AC3E}">
+        <p14:creationId xmlns:p14="http://schemas.microsoft.com/office/powerpoint/2010/main" val="1791515287"/>
+      </p:ext>
+    </p:extLst>
+  </p:cSld>
+  <p:clrMapOvr>
+    <a:masterClrMapping/>
+  </p:clrMapOvr>
+</p:sld>
+</file>
+
+<file path=ppt/slides/slide6.xml><?xml version="1.0" encoding="utf-8"?>
+<p:sld xmlns:a="http://schemas.openxmlformats.org/drawingml/2006/main" xmlns:r="http://schemas.openxmlformats.org/officeDocument/2006/relationships" xmlns:p="http://schemas.openxmlformats.org/presentationml/2006/main">
+  <p:cSld>
+    <p:spTree>
+      <p:nvGrpSpPr>
+        <p:cNvPr id="1" name=""/>
+        <p:cNvGrpSpPr/>
+        <p:nvPr/>
+      </p:nvGrpSpPr>
+      <p:grpSpPr>
+        <a:xfrm>
+          <a:off x="0" y="0"/>
+          <a:ext cx="0" cy="0"/>
+          <a:chOff x="0" y="0"/>
+          <a:chExt cx="0" cy="0"/>
+        </a:xfrm>
+      </p:grpSpPr>
+      <p:sp>
+        <p:nvSpPr>
+          <p:cNvPr id="2" name="제목 1">
+            <a:extLst>
+              <a:ext uri="{FF2B5EF4-FFF2-40B4-BE49-F238E27FC236}">
                 <a16:creationId xmlns:a16="http://schemas.microsoft.com/office/drawing/2014/main" id="{C9148387-57D9-1341-8EAC-7B55E33DD944}"/>
               </a:ext>
             </a:extLst>
@@ -8543,12 +7293,11 @@
           <a:lstStyle/>
           <a:p>
             <a:r>
-              <a:rPr lang="ko-Kore-KR" altLang="en-US">
+              <a:rPr lang="en-US" altLang="en-US" dirty="0" err="1">
                 <a:ea typeface="맑은 고딕"/>
               </a:rPr>
-              <a:t>H_Index </a:t>
-            </a:r>
-            <a:endParaRPr kumimoji="1" lang="ko-Kore-KR" altLang="en-US" dirty="0"/>
+              <a:t>조이스틱</a:t>
+            </a:r>
           </a:p>
         </p:txBody>
       </p:sp>
@@ -8576,267 +7325,33 @@
           <a:lstStyle/>
           <a:p>
             <a:r>
-              <a:rPr lang="en-US" altLang="en-US" dirty="0" err="1">
+              <a:rPr lang="ko-Kore-KR" altLang="en-US" dirty="0" err="1">
                 <a:ea typeface="맑은 고딕"/>
               </a:rPr>
-              <a:t>입출력</a:t>
-            </a:r>
-            <a:r>
-              <a:rPr lang="en-US" altLang="en-US" dirty="0">
+              <a:t>문제</a:t>
+            </a:r>
+            <a:r>
+              <a:rPr lang="ko-Kore-KR" altLang="en-US" dirty="0">
                 <a:ea typeface="맑은 고딕"/>
               </a:rPr>
               <a:t> </a:t>
             </a:r>
             <a:r>
-              <a:rPr lang="en-US" altLang="en-US" dirty="0" err="1">
-                <a:ea typeface="맑은 고딕"/>
-              </a:rPr>
-              <a:t>예시</a:t>
-            </a:r>
-            <a:r>
-              <a:rPr lang="en-US" altLang="en-US" dirty="0">
-                <a:ea typeface="맑은 고딕"/>
-              </a:rPr>
-              <a:t> </a:t>
-            </a:r>
-            <a:r>
-              <a:rPr lang="en-US" altLang="en-US" dirty="0" err="1">
+              <a:rPr lang="ko-Kore-KR" altLang="en-US" dirty="0" err="1">
                 <a:ea typeface="맑은 고딕"/>
               </a:rPr>
               <a:t>설명</a:t>
             </a:r>
-            <a:r>
-              <a:rPr lang="en-US" altLang="en-US" dirty="0">
-                <a:ea typeface="맑은 고딕"/>
-              </a:rPr>
-              <a:t>  </a:t>
-            </a:r>
-          </a:p>
-        </p:txBody>
-      </p:sp>
-      <p:sp>
-        <p:nvSpPr>
-          <p:cNvPr id="9" name="TextBox 8">
+            <a:endParaRPr kumimoji="1" lang="ko-Kore-KR" altLang="en-US" dirty="0" err="1"/>
+          </a:p>
+        </p:txBody>
+      </p:sp>
+      <p:pic>
+        <p:nvPicPr>
+          <p:cNvPr id="11" name="Picture 11" descr="A picture containing text&#10;&#10;Description automatically generated">
             <a:extLst>
               <a:ext uri="{FF2B5EF4-FFF2-40B4-BE49-F238E27FC236}">
-                <a16:creationId xmlns:a16="http://schemas.microsoft.com/office/drawing/2014/main" id="{6F5A575E-60A0-3183-BEA6-249FDA317328}"/>
-              </a:ext>
-            </a:extLst>
-          </p:cNvPr>
-          <p:cNvSpPr txBox="1"/>
-          <p:nvPr/>
-        </p:nvSpPr>
-        <p:spPr>
-          <a:xfrm>
-            <a:off x="6460011" y="4211198"/>
-            <a:ext cx="5567081" cy="1200329"/>
-          </a:xfrm>
-          <a:prstGeom prst="rect">
-            <a:avLst/>
-          </a:prstGeom>
-          <a:noFill/>
-        </p:spPr>
-        <p:txBody>
-          <a:bodyPr rot="0" spcFirstLastPara="0" vertOverflow="overflow" horzOverflow="overflow" vert="horz" wrap="square" lIns="91440" tIns="45720" rIns="91440" bIns="45720" numCol="1" spcCol="0" rtlCol="0" fromWordArt="0" anchor="t" anchorCtr="0" forceAA="0" compatLnSpc="1">
-            <a:prstTxWarp prst="textNoShape">
-              <a:avLst/>
-            </a:prstTxWarp>
-            <a:spAutoFit/>
-          </a:bodyPr>
-          <a:lstStyle/>
-          <a:p>
-            <a:r>
-              <a:rPr lang="en-US" altLang="ko-KR" dirty="0">
-                <a:ea typeface="맑은 고딕"/>
-              </a:rPr>
-              <a:t>N : 5 </a:t>
-            </a:r>
-            <a:r>
-              <a:rPr lang="en-US" altLang="ko-KR" dirty="0" err="1">
-                <a:ea typeface="맑은 고딕"/>
-              </a:rPr>
-              <a:t>편의</a:t>
-            </a:r>
-            <a:r>
-              <a:rPr lang="en-US" altLang="ko-KR" dirty="0">
-                <a:ea typeface="맑은 고딕"/>
-              </a:rPr>
-              <a:t> </a:t>
-            </a:r>
-            <a:r>
-              <a:rPr lang="en-US" altLang="ko-KR" dirty="0" err="1">
-                <a:ea typeface="맑은 고딕"/>
-              </a:rPr>
-              <a:t>논문</a:t>
-            </a:r>
-            <a:r>
-              <a:rPr lang="en-US" altLang="ko-KR" dirty="0">
-                <a:ea typeface="맑은 고딕"/>
-              </a:rPr>
-              <a:t> 중</a:t>
-            </a:r>
-            <a:br>
-              <a:rPr lang="en-US" altLang="ko-KR" dirty="0">
-                <a:ea typeface="맑은 고딕"/>
-              </a:rPr>
-            </a:br>
-            <a:r>
-              <a:rPr lang="en-US" altLang="ko-KR" dirty="0">
-                <a:ea typeface="맑은 고딕"/>
-              </a:rPr>
-              <a:t>3번 </a:t>
-            </a:r>
-            <a:r>
-              <a:rPr lang="en-US" altLang="ko-KR" dirty="0" err="1">
-                <a:ea typeface="맑은 고딕"/>
-              </a:rPr>
-              <a:t>이상</a:t>
-            </a:r>
-            <a:r>
-              <a:rPr lang="en-US" altLang="ko-KR" dirty="0">
-                <a:ea typeface="맑은 고딕"/>
-              </a:rPr>
-              <a:t> </a:t>
-            </a:r>
-            <a:r>
-              <a:rPr lang="en-US" altLang="ko-KR" dirty="0" err="1">
-                <a:ea typeface="맑은 고딕"/>
-              </a:rPr>
-              <a:t>인용된</a:t>
-            </a:r>
-            <a:r>
-              <a:rPr lang="en-US" altLang="ko-KR" dirty="0">
-                <a:ea typeface="맑은 고딕"/>
-              </a:rPr>
-              <a:t> </a:t>
-            </a:r>
-            <a:r>
-              <a:rPr lang="en-US" altLang="ko-KR" dirty="0" err="1">
-                <a:ea typeface="맑은 고딕"/>
-              </a:rPr>
-              <a:t>논문이</a:t>
-            </a:r>
-            <a:r>
-              <a:rPr lang="en-US" altLang="ko-KR" dirty="0">
-                <a:ea typeface="맑은 고딕"/>
-              </a:rPr>
-              <a:t> 3개이상  </a:t>
-            </a:r>
-            <a:br>
-              <a:rPr lang="en-US" altLang="ko-KR" dirty="0">
-                <a:ea typeface="맑은 고딕"/>
-              </a:rPr>
-            </a:br>
-            <a:r>
-              <a:rPr lang="en-US" altLang="ko-KR" dirty="0" err="1">
-                <a:ea typeface="맑은 고딕"/>
-              </a:rPr>
-              <a:t>나머지</a:t>
-            </a:r>
-            <a:r>
-              <a:rPr lang="en-US" altLang="ko-KR" dirty="0">
-                <a:ea typeface="맑은 고딕"/>
-              </a:rPr>
-              <a:t> </a:t>
-            </a:r>
-            <a:r>
-              <a:rPr lang="en-US" altLang="ko-KR" dirty="0" err="1">
-                <a:ea typeface="맑은 고딕"/>
-              </a:rPr>
-              <a:t>논문들을</a:t>
-            </a:r>
-            <a:r>
-              <a:rPr lang="en-US" altLang="ko-KR" dirty="0">
-                <a:ea typeface="맑은 고딕"/>
-              </a:rPr>
-              <a:t> 3회 </a:t>
-            </a:r>
-            <a:r>
-              <a:rPr lang="en-US" altLang="ko-KR" dirty="0" err="1">
-                <a:ea typeface="맑은 고딕"/>
-              </a:rPr>
-              <a:t>이하</a:t>
-            </a:r>
-            <a:r>
-              <a:rPr lang="en-US" altLang="ko-KR" dirty="0">
-                <a:ea typeface="맑은 고딕"/>
-              </a:rPr>
-              <a:t> </a:t>
-            </a:r>
-            <a:r>
-              <a:rPr lang="en-US" altLang="ko-KR" dirty="0" err="1">
-                <a:ea typeface="맑은 고딕"/>
-              </a:rPr>
-              <a:t>인용되었음</a:t>
-            </a:r>
-            <a:r>
-              <a:rPr lang="en-US" altLang="ko-KR" dirty="0">
-                <a:ea typeface="맑은 고딕"/>
-              </a:rPr>
-              <a:t> </a:t>
-            </a:r>
-            <a:br>
-              <a:rPr lang="en-US" altLang="ko-KR" dirty="0">
-                <a:ea typeface="맑은 고딕"/>
-              </a:rPr>
-            </a:br>
-            <a:r>
-              <a:rPr lang="en-US" altLang="ko-KR" dirty="0" err="1">
-                <a:ea typeface="맑은 고딕"/>
-              </a:rPr>
-              <a:t>따라서</a:t>
-            </a:r>
-            <a:r>
-              <a:rPr lang="en-US" altLang="ko-KR" dirty="0">
-                <a:ea typeface="맑은 고딕"/>
-              </a:rPr>
-              <a:t> 이 </a:t>
-            </a:r>
-            <a:r>
-              <a:rPr lang="en-US" altLang="ko-KR" dirty="0" err="1">
-                <a:ea typeface="맑은 고딕"/>
-              </a:rPr>
-              <a:t>예시의</a:t>
-            </a:r>
-            <a:r>
-              <a:rPr lang="en-US" altLang="ko-KR" dirty="0">
-                <a:ea typeface="맑은 고딕"/>
-              </a:rPr>
-              <a:t> </a:t>
-            </a:r>
-            <a:r>
-              <a:rPr lang="en-US" altLang="ko-KR" dirty="0" err="1">
-                <a:ea typeface="맑은 고딕"/>
-              </a:rPr>
-              <a:t>H_index는</a:t>
-            </a:r>
-            <a:r>
-              <a:rPr lang="en-US" altLang="ko-KR" dirty="0">
-                <a:ea typeface="맑은 고딕"/>
-              </a:rPr>
-              <a:t> "</a:t>
-            </a:r>
-            <a:r>
-              <a:rPr lang="en-US" altLang="ko-KR" b="1" dirty="0">
-                <a:ea typeface="맑은 고딕"/>
-              </a:rPr>
-              <a:t>3</a:t>
-            </a:r>
-            <a:r>
-              <a:rPr lang="en-US" altLang="ko-KR" dirty="0">
-                <a:ea typeface="맑은 고딕"/>
-              </a:rPr>
-              <a:t>"</a:t>
-            </a:r>
-          </a:p>
-        </p:txBody>
-      </p:sp>
-      <p:pic>
-        <p:nvPicPr>
-          <p:cNvPr id="10" name="Picture 10" descr="Graphical user interface&#10;&#10;Description automatically generated">
-            <a:extLst>
-              <a:ext uri="{FF2B5EF4-FFF2-40B4-BE49-F238E27FC236}">
-                <a16:creationId xmlns:a16="http://schemas.microsoft.com/office/drawing/2014/main" id="{21D83A9F-9685-0613-70DB-3F00816B4452}"/>
+                <a16:creationId xmlns:a16="http://schemas.microsoft.com/office/drawing/2014/main" id="{086CAAE9-F199-85A7-4419-9AA04BBBED53}"/>
               </a:ext>
             </a:extLst>
           </p:cNvPr>
@@ -8855,91 +7370,269 @@
         </p:blipFill>
         <p:spPr>
           <a:xfrm>
-            <a:off x="726929" y="1838839"/>
-            <a:ext cx="2705100" cy="1502708"/>
+            <a:off x="370795" y="1709851"/>
+            <a:ext cx="7988753" cy="4850946"/>
           </a:xfrm>
         </p:spPr>
       </p:pic>
+      <p:sp>
+        <p:nvSpPr>
+          <p:cNvPr id="14" name="TextBox 13">
+            <a:extLst>
+              <a:ext uri="{FF2B5EF4-FFF2-40B4-BE49-F238E27FC236}">
+                <a16:creationId xmlns:a16="http://schemas.microsoft.com/office/drawing/2014/main" id="{95876952-B709-3C05-F00A-A8615A65A8A1}"/>
+              </a:ext>
+            </a:extLst>
+          </p:cNvPr>
+          <p:cNvSpPr txBox="1"/>
+          <p:nvPr/>
+        </p:nvSpPr>
+        <p:spPr>
+          <a:xfrm>
+            <a:off x="8817428" y="4136571"/>
+            <a:ext cx="3635828" cy="646331"/>
+          </a:xfrm>
+          <a:prstGeom prst="rect">
+            <a:avLst/>
+          </a:prstGeom>
+          <a:noFill/>
+        </p:spPr>
+        <p:txBody>
+          <a:bodyPr rot="0" spcFirstLastPara="0" vertOverflow="overflow" horzOverflow="overflow" vert="horz" wrap="square" lIns="91440" tIns="45720" rIns="91440" bIns="45720" numCol="1" spcCol="0" rtlCol="0" fromWordArt="0" anchor="t" anchorCtr="0" forceAA="0" compatLnSpc="1">
+            <a:prstTxWarp prst="textNoShape">
+              <a:avLst/>
+            </a:prstTxWarp>
+            <a:spAutoFit/>
+          </a:bodyPr>
+          <a:lstStyle/>
+          <a:p>
+            <a:r>
+              <a:rPr lang="ko-KR" altLang="en-US" dirty="0">
+                <a:ea typeface="맑은 고딕"/>
+              </a:rPr>
+              <a:t>가장</a:t>
+            </a:r>
+            <a:r>
+              <a:rPr lang="en-US" dirty="0">
+                <a:ea typeface="맑은 고딕"/>
+              </a:rPr>
+              <a:t> </a:t>
+            </a:r>
+            <a:r>
+              <a:rPr lang="ko-KR" altLang="en-US" dirty="0">
+                <a:ea typeface="맑은 고딕"/>
+              </a:rPr>
+              <a:t>맵지</a:t>
+            </a:r>
+            <a:r>
+              <a:rPr lang="en-US" dirty="0">
+                <a:ea typeface="맑은 고딕"/>
+              </a:rPr>
+              <a:t> </a:t>
+            </a:r>
+            <a:r>
+              <a:rPr lang="ko-KR" altLang="en-US" dirty="0">
+                <a:ea typeface="맑은 고딕"/>
+              </a:rPr>
+              <a:t>않은</a:t>
+            </a:r>
+            <a:r>
+              <a:rPr lang="en-US" dirty="0">
+                <a:ea typeface="맑은 고딕"/>
+              </a:rPr>
+              <a:t> </a:t>
+            </a:r>
+            <a:r>
+              <a:rPr lang="ko-KR" altLang="en-US" dirty="0" err="1">
+                <a:ea typeface="맑은 고딕"/>
+              </a:rPr>
+              <a:t>스코빌</a:t>
+            </a:r>
+            <a:r>
+              <a:rPr lang="en-US" altLang="ko-KR" dirty="0">
+                <a:ea typeface="맑은 고딕"/>
+              </a:rPr>
+              <a:t> + (</a:t>
+            </a:r>
+            <a:r>
+              <a:rPr lang="en-US" altLang="ko-KR" dirty="0" err="1">
+                <a:ea typeface="맑은 고딕"/>
+              </a:rPr>
+              <a:t>두번째로</a:t>
+            </a:r>
+            <a:r>
+              <a:rPr lang="en-US" altLang="ko-KR" dirty="0">
+                <a:ea typeface="맑은 고딕"/>
+              </a:rPr>
+              <a:t> </a:t>
+            </a:r>
+            <a:r>
+              <a:rPr lang="en-US" altLang="ko-KR" dirty="0" err="1">
+                <a:ea typeface="맑은 고딕"/>
+              </a:rPr>
+              <a:t>안매운</a:t>
+            </a:r>
+            <a:r>
+              <a:rPr lang="en-US" altLang="ko-KR" dirty="0">
+                <a:ea typeface="맑은 고딕"/>
+              </a:rPr>
+              <a:t> </a:t>
+            </a:r>
+            <a:r>
+              <a:rPr lang="en-US" altLang="ko-KR" dirty="0" err="1">
+                <a:ea typeface="맑은 고딕"/>
+              </a:rPr>
+              <a:t>스코빌</a:t>
+            </a:r>
+            <a:r>
+              <a:rPr lang="en-US" altLang="ko-KR" dirty="0">
+                <a:ea typeface="맑은 고딕"/>
+              </a:rPr>
+              <a:t> x 2 )</a:t>
+            </a:r>
+          </a:p>
+        </p:txBody>
+      </p:sp>
+    </p:spTree>
+    <p:extLst>
+      <p:ext uri="{BB962C8B-B14F-4D97-AF65-F5344CB8AC3E}">
+        <p14:creationId xmlns:p14="http://schemas.microsoft.com/office/powerpoint/2010/main" val="376448121"/>
+      </p:ext>
+    </p:extLst>
+  </p:cSld>
+  <p:clrMapOvr>
+    <a:masterClrMapping/>
+  </p:clrMapOvr>
+</p:sld>
+</file>
+
+<file path=ppt/slides/slide7.xml><?xml version="1.0" encoding="utf-8"?>
+<p:sld xmlns:a="http://schemas.openxmlformats.org/drawingml/2006/main" xmlns:r="http://schemas.openxmlformats.org/officeDocument/2006/relationships" xmlns:p="http://schemas.openxmlformats.org/presentationml/2006/main">
+  <p:cSld>
+    <p:spTree>
+      <p:nvGrpSpPr>
+        <p:cNvPr id="1" name=""/>
+        <p:cNvGrpSpPr/>
+        <p:nvPr/>
+      </p:nvGrpSpPr>
+      <p:grpSpPr>
+        <a:xfrm>
+          <a:off x="0" y="0"/>
+          <a:ext cx="0" cy="0"/>
+          <a:chOff x="0" y="0"/>
+          <a:chExt cx="0" cy="0"/>
+        </a:xfrm>
+      </p:grpSpPr>
+      <p:sp>
+        <p:nvSpPr>
+          <p:cNvPr id="2" name="제목 1">
+            <a:extLst>
+              <a:ext uri="{FF2B5EF4-FFF2-40B4-BE49-F238E27FC236}">
+                <a16:creationId xmlns:a16="http://schemas.microsoft.com/office/drawing/2014/main" id="{C9148387-57D9-1341-8EAC-7B55E33DD944}"/>
+              </a:ext>
+            </a:extLst>
+          </p:cNvPr>
+          <p:cNvSpPr>
+            <a:spLocks noGrp="1"/>
+          </p:cNvSpPr>
+          <p:nvPr>
+            <p:ph type="title"/>
+          </p:nvPr>
+        </p:nvSpPr>
+        <p:spPr/>
+        <p:txBody>
+          <a:bodyPr/>
+          <a:lstStyle/>
+          <a:p>
+            <a:r>
+              <a:rPr lang="en-US" altLang="en-US" dirty="0" err="1">
+                <a:ea typeface="맑은 고딕"/>
+              </a:rPr>
+              <a:t>조이스틱</a:t>
+            </a:r>
+          </a:p>
+        </p:txBody>
+      </p:sp>
+      <p:sp>
+        <p:nvSpPr>
+          <p:cNvPr id="4" name="텍스트 개체 틀 3">
+            <a:extLst>
+              <a:ext uri="{FF2B5EF4-FFF2-40B4-BE49-F238E27FC236}">
+                <a16:creationId xmlns:a16="http://schemas.microsoft.com/office/drawing/2014/main" id="{A813A557-3DB4-9146-8DD6-1CDB7C599F79}"/>
+              </a:ext>
+            </a:extLst>
+          </p:cNvPr>
+          <p:cNvSpPr>
+            <a:spLocks noGrp="1"/>
+          </p:cNvSpPr>
+          <p:nvPr>
+            <p:ph type="body" sz="quarter" idx="14"/>
+          </p:nvPr>
+        </p:nvSpPr>
+        <p:spPr/>
+        <p:txBody>
+          <a:bodyPr vert="horz" lIns="91440" tIns="45720" rIns="91440" bIns="45720" rtlCol="0" anchor="t">
+            <a:normAutofit/>
+          </a:bodyPr>
+          <a:lstStyle/>
+          <a:p>
+            <a:r>
+              <a:rPr lang="ko-Kore-KR" altLang="en-US" dirty="0" err="1">
+                <a:ea typeface="맑은 고딕"/>
+              </a:rPr>
+              <a:t>문제</a:t>
+            </a:r>
+            <a:r>
+              <a:rPr lang="ko-Kore-KR" altLang="en-US" dirty="0">
+                <a:ea typeface="맑은 고딕"/>
+              </a:rPr>
+              <a:t> </a:t>
+            </a:r>
+            <a:r>
+              <a:rPr lang="ko-Kore-KR" altLang="en-US" dirty="0" err="1">
+                <a:ea typeface="맑은 고딕"/>
+              </a:rPr>
+              <a:t>설명</a:t>
+            </a:r>
+            <a:endParaRPr kumimoji="1" lang="ko-Kore-KR" altLang="en-US" dirty="0" err="1"/>
+          </a:p>
+        </p:txBody>
+      </p:sp>
       <p:pic>
         <p:nvPicPr>
-          <p:cNvPr id="11" name="Picture 11" descr="Text&#10;&#10;Description automatically generated">
+          <p:cNvPr id="11" name="Picture 11">
             <a:extLst>
               <a:ext uri="{FF2B5EF4-FFF2-40B4-BE49-F238E27FC236}">
-                <a16:creationId xmlns:a16="http://schemas.microsoft.com/office/drawing/2014/main" id="{28BBA96C-000A-04E5-D0E9-B061248EA0DA}"/>
+                <a16:creationId xmlns:a16="http://schemas.microsoft.com/office/drawing/2014/main" id="{C57094D0-0D6E-E4AB-80B3-FE0269452CEB}"/>
               </a:ext>
             </a:extLst>
           </p:cNvPr>
           <p:cNvPicPr>
-            <a:picLocks noChangeAspect="1"/>
+            <a:picLocks noGrp="1" noChangeAspect="1"/>
           </p:cNvPicPr>
-          <p:nvPr/>
+          <p:nvPr>
+            <p:ph idx="1"/>
+          </p:nvPr>
         </p:nvPicPr>
         <p:blipFill>
-          <a:blip r:embed="rId3"/>
+          <a:blip r:embed="rId2"/>
           <a:stretch>
             <a:fillRect/>
           </a:stretch>
         </p:blipFill>
         <p:spPr>
           <a:xfrm>
-            <a:off x="4169474" y="1843425"/>
-            <a:ext cx="6822141" cy="922893"/>
+            <a:off x="650421" y="1906475"/>
+            <a:ext cx="1997528" cy="1747157"/>
           </a:xfrm>
-          <a:prstGeom prst="rect">
-            <a:avLst/>
-          </a:prstGeom>
         </p:spPr>
       </p:pic>
-      <p:cxnSp>
-        <p:nvCxnSpPr>
-          <p:cNvPr id="13" name="Straight Arrow Connector 12">
+      <p:sp>
+        <p:nvSpPr>
+          <p:cNvPr id="12" name="Frame 11">
             <a:extLst>
               <a:ext uri="{FF2B5EF4-FFF2-40B4-BE49-F238E27FC236}">
-                <a16:creationId xmlns:a16="http://schemas.microsoft.com/office/drawing/2014/main" id="{55275A43-F8AE-A945-38A4-7EC5C4CB2349}"/>
-              </a:ext>
-            </a:extLst>
-          </p:cNvPr>
-          <p:cNvCxnSpPr>
-            <a:cxnSpLocks/>
-          </p:cNvCxnSpPr>
-          <p:nvPr/>
-        </p:nvCxnSpPr>
-        <p:spPr>
-          <a:xfrm>
-            <a:off x="8130407" y="2550450"/>
-            <a:ext cx="46927" cy="1589187"/>
-          </a:xfrm>
-          <a:prstGeom prst="straightConnector1">
-            <a:avLst/>
-          </a:prstGeom>
-          <a:ln>
-            <a:solidFill>
-              <a:srgbClr val="FF0000"/>
-            </a:solidFill>
-            <a:tailEnd type="triangle"/>
-          </a:ln>
-        </p:spPr>
-        <p:style>
-          <a:lnRef idx="1">
-            <a:schemeClr val="accent1"/>
-          </a:lnRef>
-          <a:fillRef idx="0">
-            <a:schemeClr val="accent1"/>
-          </a:fillRef>
-          <a:effectRef idx="0">
-            <a:schemeClr val="accent1"/>
-          </a:effectRef>
-          <a:fontRef idx="minor">
-            <a:schemeClr val="tx1"/>
-          </a:fontRef>
-        </p:style>
-      </p:cxnSp>
-      <p:sp>
-        <p:nvSpPr>
-          <p:cNvPr id="14" name="Frame 13">
-            <a:extLst>
-              <a:ext uri="{FF2B5EF4-FFF2-40B4-BE49-F238E27FC236}">
-                <a16:creationId xmlns:a16="http://schemas.microsoft.com/office/drawing/2014/main" id="{5538A64C-4272-62C4-C960-EDAFFA0AA819}"/>
+                <a16:creationId xmlns:a16="http://schemas.microsoft.com/office/drawing/2014/main" id="{391E1300-D2BF-997F-56EC-3CD4E81C8C9F}"/>
               </a:ext>
             </a:extLst>
           </p:cNvPr>
@@ -8948,8 +7641,8 @@
         </p:nvSpPr>
         <p:spPr>
           <a:xfrm>
-            <a:off x="5906744" y="2081141"/>
-            <a:ext cx="5066608" cy="385482"/>
+            <a:off x="827313" y="2743200"/>
+            <a:ext cx="1382485" cy="380999"/>
           </a:xfrm>
           <a:prstGeom prst="frame">
             <a:avLst/>
@@ -8992,10 +7685,10 @@
       </p:sp>
       <p:sp>
         <p:nvSpPr>
-          <p:cNvPr id="3" name="Frame 2">
+          <p:cNvPr id="13" name="Frame 12">
             <a:extLst>
               <a:ext uri="{FF2B5EF4-FFF2-40B4-BE49-F238E27FC236}">
-                <a16:creationId xmlns:a16="http://schemas.microsoft.com/office/drawing/2014/main" id="{5F1F4250-8770-BE16-66BD-7222234E4963}"/>
+                <a16:creationId xmlns:a16="http://schemas.microsoft.com/office/drawing/2014/main" id="{2353F319-6A9D-B3F4-A6A9-8292BBC93026}"/>
               </a:ext>
             </a:extLst>
           </p:cNvPr>
@@ -9004,8 +7697,8 @@
         </p:nvSpPr>
         <p:spPr>
           <a:xfrm>
-            <a:off x="914400" y="2680447"/>
-            <a:ext cx="2043952" cy="403411"/>
+            <a:off x="827313" y="3124200"/>
+            <a:ext cx="1338942" cy="348342"/>
           </a:xfrm>
           <a:prstGeom prst="frame">
             <a:avLst/>
@@ -9048,745 +7741,10 @@
       </p:sp>
       <p:cxnSp>
         <p:nvCxnSpPr>
-          <p:cNvPr id="6" name="Straight Arrow Connector 5">
+          <p:cNvPr id="14" name="Straight Arrow Connector 13">
             <a:extLst>
               <a:ext uri="{FF2B5EF4-FFF2-40B4-BE49-F238E27FC236}">
-                <a16:creationId xmlns:a16="http://schemas.microsoft.com/office/drawing/2014/main" id="{A76C2843-09DD-7DC5-DD33-0E9356F42C68}"/>
-              </a:ext>
-            </a:extLst>
-          </p:cNvPr>
-          <p:cNvCxnSpPr/>
-          <p:nvPr/>
-        </p:nvCxnSpPr>
-        <p:spPr>
-          <a:xfrm>
-            <a:off x="2231651" y="3087780"/>
-            <a:ext cx="8965" cy="1129553"/>
-          </a:xfrm>
-          <a:prstGeom prst="straightConnector1">
-            <a:avLst/>
-          </a:prstGeom>
-          <a:ln>
-            <a:solidFill>
-              <a:srgbClr val="FF0000"/>
-            </a:solidFill>
-            <a:tailEnd type="triangle"/>
-          </a:ln>
-        </p:spPr>
-        <p:style>
-          <a:lnRef idx="1">
-            <a:schemeClr val="accent1"/>
-          </a:lnRef>
-          <a:fillRef idx="0">
-            <a:schemeClr val="accent1"/>
-          </a:fillRef>
-          <a:effectRef idx="0">
-            <a:schemeClr val="accent1"/>
-          </a:effectRef>
-          <a:fontRef idx="minor">
-            <a:schemeClr val="tx1"/>
-          </a:fontRef>
-        </p:style>
-      </p:cxnSp>
-      <p:sp>
-        <p:nvSpPr>
-          <p:cNvPr id="8" name="TextBox 7">
-            <a:extLst>
-              <a:ext uri="{FF2B5EF4-FFF2-40B4-BE49-F238E27FC236}">
-                <a16:creationId xmlns:a16="http://schemas.microsoft.com/office/drawing/2014/main" id="{53F1EC5E-40CA-CFFD-F9E9-EEAD6819CDCD}"/>
-              </a:ext>
-            </a:extLst>
-          </p:cNvPr>
-          <p:cNvSpPr txBox="1"/>
-          <p:nvPr/>
-        </p:nvSpPr>
-        <p:spPr>
-          <a:xfrm>
-            <a:off x="364011" y="4354632"/>
-            <a:ext cx="5540187" cy="923330"/>
-          </a:xfrm>
-          <a:prstGeom prst="rect">
-            <a:avLst/>
-          </a:prstGeom>
-          <a:noFill/>
-        </p:spPr>
-        <p:txBody>
-          <a:bodyPr rot="0" spcFirstLastPara="0" vertOverflow="overflow" horzOverflow="overflow" vert="horz" wrap="square" lIns="91440" tIns="45720" rIns="91440" bIns="45720" numCol="1" spcCol="0" rtlCol="0" fromWordArt="0" anchor="t" anchorCtr="0" forceAA="0" compatLnSpc="1">
-            <a:prstTxWarp prst="textNoShape">
-              <a:avLst/>
-            </a:prstTxWarp>
-            <a:spAutoFit/>
-          </a:bodyPr>
-          <a:lstStyle/>
-          <a:p>
-            <a:r>
-              <a:rPr lang="en-US" altLang="ko-KR" dirty="0" err="1">
-                <a:ea typeface="맑은 고딕"/>
-              </a:rPr>
-              <a:t>만약</a:t>
-            </a:r>
-            <a:r>
-              <a:rPr lang="en-US" altLang="ko-KR" dirty="0">
-                <a:ea typeface="맑은 고딕"/>
-              </a:rPr>
-              <a:t> </a:t>
-            </a:r>
-            <a:r>
-              <a:rPr lang="en-US" altLang="ko-KR" dirty="0" err="1">
-                <a:ea typeface="맑은 고딕"/>
-              </a:rPr>
-              <a:t>input이</a:t>
-            </a:r>
-            <a:r>
-              <a:rPr lang="en-US" altLang="ko-KR" dirty="0">
-                <a:ea typeface="맑은 고딕"/>
-              </a:rPr>
-              <a:t> [3,2,0,6,1,5] </a:t>
-            </a:r>
-            <a:r>
-              <a:rPr lang="en-US" altLang="ko-KR" dirty="0" err="1">
-                <a:ea typeface="맑은 고딕"/>
-              </a:rPr>
-              <a:t>라고한다면</a:t>
-            </a:r>
-            <a:r>
-              <a:rPr lang="en-US" altLang="ko-KR" dirty="0">
-                <a:ea typeface="맑은 고딕"/>
-              </a:rPr>
-              <a:t> </a:t>
-            </a:r>
-          </a:p>
-          <a:p>
-            <a:r>
-              <a:rPr lang="en-US" altLang="ko-KR" dirty="0">
-                <a:ea typeface="맑은 고딕"/>
-              </a:rPr>
-              <a:t>2도 </a:t>
-            </a:r>
-            <a:r>
-              <a:rPr lang="en-US" altLang="ko-KR" dirty="0" err="1">
-                <a:ea typeface="맑은 고딕"/>
-              </a:rPr>
-              <a:t>h의</a:t>
-            </a:r>
-            <a:r>
-              <a:rPr lang="en-US" altLang="ko-KR" dirty="0">
-                <a:ea typeface="맑은 고딕"/>
-              </a:rPr>
-              <a:t> </a:t>
-            </a:r>
-            <a:r>
-              <a:rPr lang="en-US" altLang="ko-KR" dirty="0" err="1">
-                <a:ea typeface="맑은 고딕"/>
-              </a:rPr>
-              <a:t>조건에는</a:t>
-            </a:r>
-            <a:r>
-              <a:rPr lang="en-US" altLang="ko-KR" dirty="0">
-                <a:ea typeface="맑은 고딕"/>
-              </a:rPr>
-              <a:t> </a:t>
-            </a:r>
-            <a:r>
-              <a:rPr lang="en-US" altLang="ko-KR" dirty="0" err="1">
-                <a:ea typeface="맑은 고딕"/>
-              </a:rPr>
-              <a:t>부합</a:t>
-            </a:r>
-            <a:r>
-              <a:rPr lang="en-US" altLang="ko-KR" dirty="0">
-                <a:ea typeface="맑은 고딕"/>
-              </a:rPr>
-              <a:t> </a:t>
-            </a:r>
-            <a:r>
-              <a:rPr lang="en-US" altLang="ko-KR" dirty="0" err="1">
-                <a:ea typeface="맑은 고딕"/>
-              </a:rPr>
-              <a:t>하지만</a:t>
-            </a:r>
-            <a:r>
-              <a:rPr lang="en-US" altLang="ko-KR" dirty="0">
-                <a:ea typeface="맑은 고딕"/>
-              </a:rPr>
-              <a:t> </a:t>
-            </a:r>
-            <a:r>
-              <a:rPr lang="en-US" altLang="ko-KR" dirty="0" err="1">
-                <a:ea typeface="맑은 고딕"/>
-              </a:rPr>
-              <a:t>h가</a:t>
-            </a:r>
-            <a:r>
-              <a:rPr lang="en-US" altLang="ko-KR" dirty="0">
-                <a:ea typeface="맑은 고딕"/>
-              </a:rPr>
-              <a:t> </a:t>
-            </a:r>
-            <a:r>
-              <a:rPr lang="en-US" altLang="ko-KR" dirty="0" err="1">
-                <a:ea typeface="맑은 고딕"/>
-              </a:rPr>
-              <a:t>만족하는</a:t>
-            </a:r>
-            <a:r>
-              <a:rPr lang="en-US" altLang="ko-KR" dirty="0">
-                <a:ea typeface="맑은 고딕"/>
-              </a:rPr>
-              <a:t> </a:t>
-            </a:r>
-            <a:r>
-              <a:rPr lang="en-US" altLang="ko-KR" dirty="0" err="1">
-                <a:ea typeface="맑은 고딕"/>
-              </a:rPr>
-              <a:t>최대값은</a:t>
-            </a:r>
-            <a:r>
-              <a:rPr lang="en-US" altLang="ko-KR" dirty="0">
-                <a:ea typeface="맑은 고딕"/>
-              </a:rPr>
-              <a:t> 3임으로 </a:t>
-            </a:r>
-            <a:r>
-              <a:rPr lang="en-US" altLang="ko-KR" dirty="0" err="1">
-                <a:ea typeface="맑은 고딕"/>
-              </a:rPr>
-              <a:t>결국</a:t>
-            </a:r>
-            <a:r>
-              <a:rPr lang="en-US" altLang="ko-KR" dirty="0">
-                <a:ea typeface="맑은 고딕"/>
-              </a:rPr>
-              <a:t> h = 3이 </a:t>
-            </a:r>
-            <a:r>
-              <a:rPr lang="en-US" altLang="ko-KR" dirty="0" err="1">
-                <a:ea typeface="맑은 고딕"/>
-              </a:rPr>
-              <a:t>된다</a:t>
-            </a:r>
-          </a:p>
-        </p:txBody>
-      </p:sp>
-    </p:spTree>
-    <p:extLst>
-      <p:ext uri="{BB962C8B-B14F-4D97-AF65-F5344CB8AC3E}">
-        <p14:creationId xmlns:p14="http://schemas.microsoft.com/office/powerpoint/2010/main" val="2259970701"/>
-      </p:ext>
-    </p:extLst>
-  </p:cSld>
-  <p:clrMapOvr>
-    <a:masterClrMapping/>
-  </p:clrMapOvr>
-</p:sld>
-</file>
-
-<file path=ppt/slides/slide5.xml><?xml version="1.0" encoding="utf-8"?>
-<p:sld xmlns:a="http://schemas.openxmlformats.org/drawingml/2006/main" xmlns:r="http://schemas.openxmlformats.org/officeDocument/2006/relationships" xmlns:p="http://schemas.openxmlformats.org/presentationml/2006/main">
-  <p:cSld>
-    <p:spTree>
-      <p:nvGrpSpPr>
-        <p:cNvPr id="1" name=""/>
-        <p:cNvGrpSpPr/>
-        <p:nvPr/>
-      </p:nvGrpSpPr>
-      <p:grpSpPr>
-        <a:xfrm>
-          <a:off x="0" y="0"/>
-          <a:ext cx="0" cy="0"/>
-          <a:chOff x="0" y="0"/>
-          <a:chExt cx="0" cy="0"/>
-        </a:xfrm>
-      </p:grpSpPr>
-      <p:sp>
-        <p:nvSpPr>
-          <p:cNvPr id="2" name="제목 1">
-            <a:extLst>
-              <a:ext uri="{FF2B5EF4-FFF2-40B4-BE49-F238E27FC236}">
-                <a16:creationId xmlns:a16="http://schemas.microsoft.com/office/drawing/2014/main" id="{F81DA964-3E3F-7245-87CC-29849621EB43}"/>
-              </a:ext>
-            </a:extLst>
-          </p:cNvPr>
-          <p:cNvSpPr>
-            <a:spLocks noGrp="1"/>
-          </p:cNvSpPr>
-          <p:nvPr>
-            <p:ph type="title"/>
-          </p:nvPr>
-        </p:nvSpPr>
-        <p:spPr/>
-        <p:txBody>
-          <a:bodyPr/>
-          <a:lstStyle/>
-          <a:p>
-            <a:r>
-              <a:rPr lang="en-US" altLang="en-US" dirty="0" err="1">
-                <a:ea typeface="맑은 고딕"/>
-              </a:rPr>
-              <a:t>위장</a:t>
-            </a:r>
-          </a:p>
-        </p:txBody>
-      </p:sp>
-    </p:spTree>
-    <p:extLst>
-      <p:ext uri="{BB962C8B-B14F-4D97-AF65-F5344CB8AC3E}">
-        <p14:creationId xmlns:p14="http://schemas.microsoft.com/office/powerpoint/2010/main" val="160042322"/>
-      </p:ext>
-    </p:extLst>
-  </p:cSld>
-  <p:clrMapOvr>
-    <a:masterClrMapping/>
-  </p:clrMapOvr>
-</p:sld>
-</file>
-
-<file path=ppt/slides/slide6.xml><?xml version="1.0" encoding="utf-8"?>
-<p:sld xmlns:a="http://schemas.openxmlformats.org/drawingml/2006/main" xmlns:r="http://schemas.openxmlformats.org/officeDocument/2006/relationships" xmlns:p="http://schemas.openxmlformats.org/presentationml/2006/main">
-  <p:cSld>
-    <p:spTree>
-      <p:nvGrpSpPr>
-        <p:cNvPr id="1" name=""/>
-        <p:cNvGrpSpPr/>
-        <p:nvPr/>
-      </p:nvGrpSpPr>
-      <p:grpSpPr>
-        <a:xfrm>
-          <a:off x="0" y="0"/>
-          <a:ext cx="0" cy="0"/>
-          <a:chOff x="0" y="0"/>
-          <a:chExt cx="0" cy="0"/>
-        </a:xfrm>
-      </p:grpSpPr>
-      <p:sp>
-        <p:nvSpPr>
-          <p:cNvPr id="2" name="제목 1">
-            <a:extLst>
-              <a:ext uri="{FF2B5EF4-FFF2-40B4-BE49-F238E27FC236}">
-                <a16:creationId xmlns:a16="http://schemas.microsoft.com/office/drawing/2014/main" id="{C9148387-57D9-1341-8EAC-7B55E33DD944}"/>
-              </a:ext>
-            </a:extLst>
-          </p:cNvPr>
-          <p:cNvSpPr>
-            <a:spLocks noGrp="1"/>
-          </p:cNvSpPr>
-          <p:nvPr>
-            <p:ph type="title"/>
-          </p:nvPr>
-        </p:nvSpPr>
-        <p:spPr/>
-        <p:txBody>
-          <a:bodyPr/>
-          <a:lstStyle/>
-          <a:p>
-            <a:r>
-              <a:rPr lang="ko-Kore-KR" altLang="en-US">
-                <a:ea typeface="맑은 고딕"/>
-              </a:rPr>
-              <a:t>위장  </a:t>
-            </a:r>
-            <a:endParaRPr kumimoji="1" lang="ko-Kore-KR" altLang="en-US" dirty="0"/>
-          </a:p>
-        </p:txBody>
-      </p:sp>
-      <p:sp>
-        <p:nvSpPr>
-          <p:cNvPr id="4" name="텍스트 개체 틀 3">
-            <a:extLst>
-              <a:ext uri="{FF2B5EF4-FFF2-40B4-BE49-F238E27FC236}">
-                <a16:creationId xmlns:a16="http://schemas.microsoft.com/office/drawing/2014/main" id="{A813A557-3DB4-9146-8DD6-1CDB7C599F79}"/>
-              </a:ext>
-            </a:extLst>
-          </p:cNvPr>
-          <p:cNvSpPr>
-            <a:spLocks noGrp="1"/>
-          </p:cNvSpPr>
-          <p:nvPr>
-            <p:ph type="body" sz="quarter" idx="14"/>
-          </p:nvPr>
-        </p:nvSpPr>
-        <p:spPr/>
-        <p:txBody>
-          <a:bodyPr vert="horz" lIns="91440" tIns="45720" rIns="91440" bIns="45720" rtlCol="0" anchor="t">
-            <a:normAutofit/>
-          </a:bodyPr>
-          <a:lstStyle/>
-          <a:p>
-            <a:r>
-              <a:rPr lang="ko-Kore-KR" altLang="en-US" dirty="0" err="1">
-                <a:ea typeface="맑은 고딕"/>
-              </a:rPr>
-              <a:t>문제</a:t>
-            </a:r>
-            <a:r>
-              <a:rPr lang="ko-Kore-KR" altLang="en-US">
-                <a:ea typeface="맑은 고딕"/>
-              </a:rPr>
-              <a:t> 소개 </a:t>
-            </a:r>
-            <a:endParaRPr lang="en-US" altLang="en-US">
-              <a:ea typeface="맑은 고딕"/>
-            </a:endParaRPr>
-          </a:p>
-        </p:txBody>
-      </p:sp>
-      <p:sp>
-        <p:nvSpPr>
-          <p:cNvPr id="9" name="TextBox 8">
-            <a:extLst>
-              <a:ext uri="{FF2B5EF4-FFF2-40B4-BE49-F238E27FC236}">
-                <a16:creationId xmlns:a16="http://schemas.microsoft.com/office/drawing/2014/main" id="{6F5A575E-60A0-3183-BEA6-249FDA317328}"/>
-              </a:ext>
-            </a:extLst>
-          </p:cNvPr>
-          <p:cNvSpPr txBox="1"/>
-          <p:nvPr/>
-        </p:nvSpPr>
-        <p:spPr>
-          <a:xfrm>
-            <a:off x="6434555" y="5748146"/>
-            <a:ext cx="5567081" cy="923330"/>
-          </a:xfrm>
-          <a:prstGeom prst="rect">
-            <a:avLst/>
-          </a:prstGeom>
-          <a:noFill/>
-        </p:spPr>
-        <p:txBody>
-          <a:bodyPr rot="0" spcFirstLastPara="0" vertOverflow="overflow" horzOverflow="overflow" vert="horz" wrap="square" lIns="91440" tIns="45720" rIns="91440" bIns="45720" numCol="1" spcCol="0" rtlCol="0" fromWordArt="0" anchor="t" anchorCtr="0" forceAA="0" compatLnSpc="1">
-            <a:prstTxWarp prst="textNoShape">
-              <a:avLst/>
-            </a:prstTxWarp>
-            <a:spAutoFit/>
-          </a:bodyPr>
-          <a:lstStyle/>
-          <a:p>
-            <a:r>
-              <a:rPr lang="en-US" altLang="ko-KR" dirty="0" err="1">
-                <a:ea typeface="맑은 고딕"/>
-              </a:rPr>
-              <a:t>각각의</a:t>
-            </a:r>
-            <a:r>
-              <a:rPr lang="en-US" altLang="ko-KR" dirty="0">
-                <a:ea typeface="맑은 고딕"/>
-              </a:rPr>
-              <a:t> key </a:t>
-            </a:r>
-            <a:r>
-              <a:rPr lang="en-US" altLang="ko-KR" dirty="0" err="1">
-                <a:ea typeface="맑은 고딕"/>
-              </a:rPr>
-              <a:t>값에</a:t>
-            </a:r>
-            <a:r>
-              <a:rPr lang="en-US" altLang="ko-KR" dirty="0">
-                <a:ea typeface="맑은 고딕"/>
-              </a:rPr>
-              <a:t> </a:t>
-            </a:r>
-            <a:r>
-              <a:rPr lang="en-US" altLang="ko-KR" dirty="0" err="1">
-                <a:ea typeface="맑은 고딕"/>
-              </a:rPr>
-              <a:t>해당</a:t>
-            </a:r>
-            <a:r>
-              <a:rPr lang="en-US" altLang="ko-KR" dirty="0">
-                <a:ea typeface="맑은 고딕"/>
-              </a:rPr>
-              <a:t> </a:t>
-            </a:r>
-            <a:r>
-              <a:rPr lang="en-US" altLang="ko-KR" dirty="0" err="1">
-                <a:ea typeface="맑은 고딕"/>
-              </a:rPr>
-              <a:t>하는</a:t>
-            </a:r>
-            <a:r>
-              <a:rPr lang="en-US" altLang="ko-KR" dirty="0">
-                <a:ea typeface="맑은 고딕"/>
-              </a:rPr>
-              <a:t> </a:t>
-            </a:r>
-            <a:r>
-              <a:rPr lang="en-US" altLang="ko-KR" dirty="0" err="1">
-                <a:ea typeface="맑은 고딕"/>
-              </a:rPr>
-              <a:t>모든</a:t>
-            </a:r>
-            <a:r>
-              <a:rPr lang="en-US" altLang="ko-KR" dirty="0">
-                <a:ea typeface="맑은 고딕"/>
-              </a:rPr>
-              <a:t> </a:t>
-            </a:r>
-            <a:r>
-              <a:rPr lang="en-US" altLang="ko-KR" dirty="0" err="1">
-                <a:ea typeface="맑은 고딕"/>
-              </a:rPr>
-              <a:t>경우의</a:t>
-            </a:r>
-            <a:r>
-              <a:rPr lang="en-US" altLang="ko-KR" dirty="0">
-                <a:ea typeface="맑은 고딕"/>
-              </a:rPr>
-              <a:t> </a:t>
-            </a:r>
-            <a:r>
-              <a:rPr lang="en-US" altLang="ko-KR" dirty="0" err="1">
-                <a:ea typeface="맑은 고딕"/>
-              </a:rPr>
-              <a:t>수를</a:t>
-            </a:r>
-            <a:r>
-              <a:rPr lang="en-US" altLang="ko-KR" dirty="0">
-                <a:ea typeface="맑은 고딕"/>
-              </a:rPr>
-              <a:t> </a:t>
-            </a:r>
-            <a:r>
-              <a:rPr lang="en-US" altLang="ko-KR" dirty="0" err="1">
-                <a:ea typeface="맑은 고딕"/>
-              </a:rPr>
-              <a:t>곱하면</a:t>
-            </a:r>
-            <a:endParaRPr lang="en-US" altLang="ko-KR" dirty="0">
-              <a:ea typeface="맑은 고딕"/>
-            </a:endParaRPr>
-          </a:p>
-          <a:p>
-            <a:r>
-              <a:rPr lang="en-US" altLang="ko-KR" dirty="0" err="1">
-                <a:ea typeface="맑은 고딕"/>
-              </a:rPr>
-              <a:t>스파이가</a:t>
-            </a:r>
-            <a:r>
-              <a:rPr lang="en-US" altLang="ko-KR" dirty="0">
-                <a:ea typeface="맑은 고딕"/>
-              </a:rPr>
-              <a:t> </a:t>
-            </a:r>
-            <a:r>
-              <a:rPr lang="en-US" altLang="ko-KR" dirty="0" err="1">
-                <a:ea typeface="맑은 고딕"/>
-              </a:rPr>
-              <a:t>입을</a:t>
-            </a:r>
-            <a:r>
-              <a:rPr lang="en-US" altLang="ko-KR" dirty="0">
-                <a:ea typeface="맑은 고딕"/>
-              </a:rPr>
-              <a:t> 수 </a:t>
-            </a:r>
-            <a:r>
-              <a:rPr lang="en-US" altLang="ko-KR" dirty="0" err="1">
-                <a:ea typeface="맑은 고딕"/>
-              </a:rPr>
-              <a:t>있는</a:t>
-            </a:r>
-            <a:r>
-              <a:rPr lang="en-US" altLang="ko-KR" dirty="0">
-                <a:ea typeface="맑은 고딕"/>
-              </a:rPr>
-              <a:t> </a:t>
-            </a:r>
-            <a:r>
-              <a:rPr lang="en-US" altLang="ko-KR" dirty="0" err="1">
-                <a:ea typeface="맑은 고딕"/>
-              </a:rPr>
-              <a:t>옷의</a:t>
-            </a:r>
-            <a:r>
-              <a:rPr lang="en-US" altLang="ko-KR" dirty="0">
-                <a:ea typeface="맑은 고딕"/>
-              </a:rPr>
-              <a:t> </a:t>
-            </a:r>
-            <a:r>
-              <a:rPr lang="en-US" altLang="ko-KR" dirty="0" err="1">
-                <a:ea typeface="맑은 고딕"/>
-              </a:rPr>
-              <a:t>조합의</a:t>
-            </a:r>
-            <a:r>
-              <a:rPr lang="en-US" altLang="ko-KR" dirty="0">
-                <a:ea typeface="맑은 고딕"/>
-              </a:rPr>
-              <a:t> 수 와 </a:t>
-            </a:r>
-            <a:r>
-              <a:rPr lang="en-US" altLang="ko-KR" dirty="0" err="1">
-                <a:ea typeface="맑은 고딕"/>
-              </a:rPr>
-              <a:t>같다</a:t>
-            </a:r>
-            <a:endParaRPr lang="en-US" altLang="ko-KR" dirty="0">
-              <a:ea typeface="맑은 고딕"/>
-            </a:endParaRPr>
-          </a:p>
-          <a:p>
-            <a:r>
-              <a:rPr lang="en-US" altLang="ko-KR" dirty="0" err="1">
-                <a:ea typeface="맑은 고딕"/>
-              </a:rPr>
-              <a:t>하지만</a:t>
-            </a:r>
-            <a:r>
-              <a:rPr lang="en-US" altLang="ko-KR" dirty="0">
-                <a:ea typeface="맑은 고딕"/>
-              </a:rPr>
-              <a:t> </a:t>
-            </a:r>
-            <a:r>
-              <a:rPr lang="en-US" altLang="ko-KR" dirty="0" err="1">
-                <a:ea typeface="맑은 고딕"/>
-              </a:rPr>
-              <a:t>제한사항에</a:t>
-            </a:r>
-            <a:r>
-              <a:rPr lang="en-US" altLang="ko-KR" dirty="0">
-                <a:ea typeface="맑은 고딕"/>
-              </a:rPr>
-              <a:t> </a:t>
-            </a:r>
-            <a:r>
-              <a:rPr lang="en-US" altLang="ko-KR" dirty="0" err="1">
-                <a:ea typeface="맑은 고딕"/>
-              </a:rPr>
-              <a:t>아무것도</a:t>
-            </a:r>
-            <a:r>
-              <a:rPr lang="en-US" altLang="ko-KR" dirty="0">
-                <a:ea typeface="맑은 고딕"/>
-              </a:rPr>
-              <a:t> </a:t>
-            </a:r>
-            <a:r>
-              <a:rPr lang="en-US" altLang="ko-KR" dirty="0" err="1">
-                <a:ea typeface="맑은 고딕"/>
-              </a:rPr>
-              <a:t>입지</a:t>
-            </a:r>
-            <a:r>
-              <a:rPr lang="en-US" altLang="ko-KR" dirty="0">
-                <a:ea typeface="맑은 고딕"/>
-              </a:rPr>
-              <a:t> </a:t>
-            </a:r>
-            <a:r>
-              <a:rPr lang="en-US" altLang="ko-KR" dirty="0" err="1">
-                <a:ea typeface="맑은 고딕"/>
-              </a:rPr>
-              <a:t>않는것은</a:t>
-            </a:r>
-            <a:r>
-              <a:rPr lang="en-US" altLang="ko-KR" dirty="0">
-                <a:ea typeface="맑은 고딕"/>
-              </a:rPr>
-              <a:t> </a:t>
-            </a:r>
-            <a:r>
-              <a:rPr lang="en-US" altLang="ko-KR" dirty="0" err="1">
-                <a:ea typeface="맑은 고딕"/>
-              </a:rPr>
-              <a:t>불가능</a:t>
-            </a:r>
-          </a:p>
-        </p:txBody>
-      </p:sp>
-      <p:pic>
-        <p:nvPicPr>
-          <p:cNvPr id="10" name="Picture 10" descr="Graphical user interface, text&#10;&#10;Description automatically generated">
-            <a:extLst>
-              <a:ext uri="{FF2B5EF4-FFF2-40B4-BE49-F238E27FC236}">
-                <a16:creationId xmlns:a16="http://schemas.microsoft.com/office/drawing/2014/main" id="{913BB1FF-52E6-D162-93D5-9489876A88AF}"/>
-              </a:ext>
-            </a:extLst>
-          </p:cNvPr>
-          <p:cNvPicPr>
-            <a:picLocks noGrp="1" noChangeAspect="1"/>
-          </p:cNvPicPr>
-          <p:nvPr>
-            <p:ph idx="1"/>
-          </p:nvPr>
-        </p:nvPicPr>
-        <p:blipFill>
-          <a:blip r:embed="rId2"/>
-          <a:stretch>
-            <a:fillRect/>
-          </a:stretch>
-        </p:blipFill>
-        <p:spPr>
-          <a:xfrm>
-            <a:off x="182504" y="1712943"/>
-            <a:ext cx="8393288" cy="3773663"/>
-          </a:xfrm>
-        </p:spPr>
-      </p:pic>
-      <p:sp>
-        <p:nvSpPr>
-          <p:cNvPr id="12" name="Frame 11">
-            <a:extLst>
-              <a:ext uri="{FF2B5EF4-FFF2-40B4-BE49-F238E27FC236}">
-                <a16:creationId xmlns:a16="http://schemas.microsoft.com/office/drawing/2014/main" id="{E4530FD9-0E75-542E-78BA-F97AE949AF07}"/>
-              </a:ext>
-            </a:extLst>
-          </p:cNvPr>
-          <p:cNvSpPr/>
-          <p:nvPr/>
-        </p:nvSpPr>
-        <p:spPr>
-          <a:xfrm>
-            <a:off x="179184" y="4768782"/>
-            <a:ext cx="6731719" cy="385482"/>
-          </a:xfrm>
-          <a:prstGeom prst="frame">
-            <a:avLst/>
-          </a:prstGeom>
-          <a:solidFill>
-            <a:srgbClr val="FF0000"/>
-          </a:solidFill>
-          <a:ln>
-            <a:noFill/>
-          </a:ln>
-        </p:spPr>
-        <p:style>
-          <a:lnRef idx="2">
-            <a:schemeClr val="accent1">
-              <a:shade val="50000"/>
-            </a:schemeClr>
-          </a:lnRef>
-          <a:fillRef idx="1">
-            <a:schemeClr val="accent1"/>
-          </a:fillRef>
-          <a:effectRef idx="0">
-            <a:schemeClr val="accent1"/>
-          </a:effectRef>
-          <a:fontRef idx="minor">
-            <a:schemeClr val="lt1"/>
-          </a:fontRef>
-        </p:style>
-        <p:txBody>
-          <a:bodyPr rtlCol="0" anchor="ctr"/>
-          <a:lstStyle/>
-          <a:p>
-            <a:pPr algn="ctr"/>
-            <a:endParaRPr lang="en-US">
-              <a:solidFill>
-                <a:schemeClr val="tx1"/>
-              </a:solidFill>
-            </a:endParaRPr>
-          </a:p>
-        </p:txBody>
-      </p:sp>
-      <p:cxnSp>
-        <p:nvCxnSpPr>
-          <p:cNvPr id="13" name="Straight Arrow Connector 12">
-            <a:extLst>
-              <a:ext uri="{FF2B5EF4-FFF2-40B4-BE49-F238E27FC236}">
-                <a16:creationId xmlns:a16="http://schemas.microsoft.com/office/drawing/2014/main" id="{819A43D8-03FD-1A4F-3667-E8BB1CF5A09D}"/>
+                <a16:creationId xmlns:a16="http://schemas.microsoft.com/office/drawing/2014/main" id="{01F58CA5-2D86-5208-C5BD-6323248F2A52}"/>
               </a:ext>
             </a:extLst>
           </p:cNvPr>
@@ -9796,9 +7754,9 @@
           <p:nvPr/>
         </p:nvCxnSpPr>
         <p:spPr>
-          <a:xfrm>
-            <a:off x="6864145" y="5179177"/>
-            <a:ext cx="526705" cy="507336"/>
+          <a:xfrm flipV="1">
+            <a:off x="2220686" y="2786742"/>
+            <a:ext cx="1142998" cy="152399"/>
           </a:xfrm>
           <a:prstGeom prst="straightConnector1">
             <a:avLst/>
@@ -9830,17 +7788,19 @@
           <p:cNvPr id="15" name="Straight Arrow Connector 14">
             <a:extLst>
               <a:ext uri="{FF2B5EF4-FFF2-40B4-BE49-F238E27FC236}">
-                <a16:creationId xmlns:a16="http://schemas.microsoft.com/office/drawing/2014/main" id="{3BE77290-BFAF-B8E4-D1AD-4B908D29E1B6}"/>
+                <a16:creationId xmlns:a16="http://schemas.microsoft.com/office/drawing/2014/main" id="{CA7EB463-2C78-D162-3D1B-E89707D343CF}"/>
               </a:ext>
             </a:extLst>
           </p:cNvPr>
-          <p:cNvCxnSpPr/>
+          <p:cNvCxnSpPr>
+            <a:cxnSpLocks/>
+          </p:cNvCxnSpPr>
           <p:nvPr/>
         </p:nvCxnSpPr>
         <p:spPr>
-          <a:xfrm flipV="1">
-            <a:off x="3019849" y="3816164"/>
-            <a:ext cx="989659" cy="7525"/>
+          <a:xfrm>
+            <a:off x="2159306" y="3392456"/>
+            <a:ext cx="1143000" cy="533400"/>
           </a:xfrm>
           <a:prstGeom prst="straightConnector1">
             <a:avLst/>
@@ -9872,7 +7832,7 @@
           <p:cNvPr id="16" name="TextBox 15">
             <a:extLst>
               <a:ext uri="{FF2B5EF4-FFF2-40B4-BE49-F238E27FC236}">
-                <a16:creationId xmlns:a16="http://schemas.microsoft.com/office/drawing/2014/main" id="{022BE823-EE4D-CB13-DAA1-350FB8AC0EA6}"/>
+                <a16:creationId xmlns:a16="http://schemas.microsoft.com/office/drawing/2014/main" id="{33F0F36B-EB2C-7DE0-0F33-F5DE1FA5AE37}"/>
               </a:ext>
             </a:extLst>
           </p:cNvPr>
@@ -9881,15 +7841,13 @@
         </p:nvSpPr>
         <p:spPr>
           <a:xfrm>
-            <a:off x="4092222" y="3678297"/>
-            <a:ext cx="2144889" cy="523220"/>
+            <a:off x="3526971" y="2427513"/>
+            <a:ext cx="6988626" cy="369332"/>
           </a:xfrm>
           <a:prstGeom prst="rect">
             <a:avLst/>
           </a:prstGeom>
-          <a:solidFill>
-            <a:schemeClr val="bg1"/>
-          </a:solidFill>
+          <a:noFill/>
         </p:spPr>
         <p:txBody>
           <a:bodyPr rot="0" spcFirstLastPara="0" vertOverflow="overflow" horzOverflow="overflow" vert="horz" wrap="square" lIns="91440" tIns="45720" rIns="91440" bIns="45720" numCol="1" spcCol="0" rtlCol="0" fromWordArt="0" anchor="t" anchorCtr="0" forceAA="0" compatLnSpc="1">
@@ -9901,288 +7859,32 @@
           <a:lstStyle/>
           <a:p>
             <a:r>
-              <a:rPr lang="ko-KR" altLang="en-US" sz="1400" dirty="0" err="1">
+              <a:rPr lang="en-US" altLang="ko-KR" dirty="0">
                 <a:ea typeface="맑은 고딕"/>
               </a:rPr>
-              <a:t>Dictionary</a:t>
-            </a:r>
-            <a:r>
-              <a:rPr lang="ko-KR" altLang="en-US" sz="1400" dirty="0">
+              <a:t>J : 9, E : 4 , R : 9, O : 12, E : 4, N : 13, 순방향5칸 </a:t>
+            </a:r>
+            <a:r>
+              <a:rPr lang="en-US" altLang="ko-KR" dirty="0" err="1">
                 <a:ea typeface="맑은 고딕"/>
               </a:rPr>
-              <a:t> (</a:t>
-            </a:r>
-            <a:r>
-              <a:rPr lang="ko-KR" altLang="en-US" sz="1400" dirty="0" err="1">
+              <a:t>이동</a:t>
+            </a:r>
+            <a:r>
+              <a:rPr lang="en-US" altLang="ko-KR" dirty="0">
                 <a:ea typeface="맑은 고딕"/>
               </a:rPr>
-              <a:t>Key</a:t>
-            </a:r>
-            <a:r>
-              <a:rPr lang="ko-KR" altLang="en-US" sz="1400" dirty="0">
-                <a:ea typeface="맑은 고딕"/>
-              </a:rPr>
-              <a:t>, </a:t>
-            </a:r>
-            <a:r>
-              <a:rPr lang="ko-KR" altLang="en-US" sz="1400" dirty="0" err="1">
-                <a:ea typeface="맑은 고딕"/>
-              </a:rPr>
-              <a:t>Value</a:t>
-            </a:r>
-            <a:r>
-              <a:rPr lang="ko-KR" altLang="en-US" sz="1400" dirty="0">
-                <a:ea typeface="맑은 고딕"/>
-              </a:rPr>
-              <a:t>)</a:t>
-            </a:r>
-            <a:endParaRPr lang="en-US" altLang="ko-KR" dirty="0"/>
-          </a:p>
-          <a:p>
-            <a:r>
-              <a:rPr lang="ko-KR" altLang="en-US" sz="1400" dirty="0">
-                <a:ea typeface="맑은 고딕"/>
-              </a:rPr>
-              <a:t>형태로 관리</a:t>
-            </a:r>
-          </a:p>
-        </p:txBody>
-      </p:sp>
-      <p:pic>
-        <p:nvPicPr>
-          <p:cNvPr id="17" name="Picture 17" descr="Text&#10;&#10;Description automatically generated">
+              <a:t> = 56</a:t>
+            </a:r>
+          </a:p>
+        </p:txBody>
+      </p:sp>
+      <p:sp>
+        <p:nvSpPr>
+          <p:cNvPr id="17" name="TextBox 16">
             <a:extLst>
               <a:ext uri="{FF2B5EF4-FFF2-40B4-BE49-F238E27FC236}">
-                <a16:creationId xmlns:a16="http://schemas.microsoft.com/office/drawing/2014/main" id="{F695DB89-A1C1-F9CF-5B23-29DF64CCC08E}"/>
-              </a:ext>
-            </a:extLst>
-          </p:cNvPr>
-          <p:cNvPicPr>
-            <a:picLocks noChangeAspect="1"/>
-          </p:cNvPicPr>
-          <p:nvPr/>
-        </p:nvPicPr>
-        <p:blipFill>
-          <a:blip r:embed="rId3"/>
-          <a:stretch>
-            <a:fillRect/>
-          </a:stretch>
-        </p:blipFill>
-        <p:spPr>
-          <a:xfrm>
-            <a:off x="6916326" y="2735921"/>
-            <a:ext cx="4775200" cy="1602529"/>
-          </a:xfrm>
-          <a:prstGeom prst="rect">
-            <a:avLst/>
-          </a:prstGeom>
-        </p:spPr>
-      </p:pic>
-      <p:sp>
-        <p:nvSpPr>
-          <p:cNvPr id="18" name="Frame 17">
-            <a:extLst>
-              <a:ext uri="{FF2B5EF4-FFF2-40B4-BE49-F238E27FC236}">
-                <a16:creationId xmlns:a16="http://schemas.microsoft.com/office/drawing/2014/main" id="{2058D8F7-7F88-543D-B2C8-D59C9EC8C1D9}"/>
-              </a:ext>
-            </a:extLst>
-          </p:cNvPr>
-          <p:cNvSpPr/>
-          <p:nvPr/>
-        </p:nvSpPr>
-        <p:spPr>
-          <a:xfrm>
-            <a:off x="7159479" y="4053819"/>
-            <a:ext cx="2056238" cy="282001"/>
-          </a:xfrm>
-          <a:prstGeom prst="frame">
-            <a:avLst/>
-          </a:prstGeom>
-          <a:solidFill>
-            <a:srgbClr val="FF0000"/>
-          </a:solidFill>
-        </p:spPr>
-        <p:style>
-          <a:lnRef idx="2">
-            <a:schemeClr val="accent1">
-              <a:shade val="50000"/>
-            </a:schemeClr>
-          </a:lnRef>
-          <a:fillRef idx="1">
-            <a:schemeClr val="accent1"/>
-          </a:fillRef>
-          <a:effectRef idx="0">
-            <a:schemeClr val="accent1"/>
-          </a:effectRef>
-          <a:fontRef idx="minor">
-            <a:schemeClr val="lt1"/>
-          </a:fontRef>
-        </p:style>
-        <p:txBody>
-          <a:bodyPr rtlCol="0" anchor="ctr"/>
-          <a:lstStyle/>
-          <a:p>
-            <a:pPr algn="ctr"/>
-            <a:endParaRPr lang="en-US">
-              <a:solidFill>
-                <a:schemeClr val="tx1"/>
-              </a:solidFill>
-            </a:endParaRPr>
-          </a:p>
-        </p:txBody>
-      </p:sp>
-      <p:cxnSp>
-        <p:nvCxnSpPr>
-          <p:cNvPr id="19" name="Straight Arrow Connector 18">
-            <a:extLst>
-              <a:ext uri="{FF2B5EF4-FFF2-40B4-BE49-F238E27FC236}">
-                <a16:creationId xmlns:a16="http://schemas.microsoft.com/office/drawing/2014/main" id="{9006527C-BFB2-33C3-7C83-DF660D992EE7}"/>
-              </a:ext>
-            </a:extLst>
-          </p:cNvPr>
-          <p:cNvCxnSpPr>
-            <a:cxnSpLocks/>
-          </p:cNvCxnSpPr>
-          <p:nvPr/>
-        </p:nvCxnSpPr>
-        <p:spPr>
-          <a:xfrm>
-            <a:off x="9108346" y="4373732"/>
-            <a:ext cx="9299" cy="1372816"/>
-          </a:xfrm>
-          <a:prstGeom prst="straightConnector1">
-            <a:avLst/>
-          </a:prstGeom>
-          <a:ln>
-            <a:solidFill>
-              <a:srgbClr val="FF0000"/>
-            </a:solidFill>
-            <a:tailEnd type="triangle"/>
-          </a:ln>
-        </p:spPr>
-        <p:style>
-          <a:lnRef idx="1">
-            <a:schemeClr val="accent1"/>
-          </a:lnRef>
-          <a:fillRef idx="0">
-            <a:schemeClr val="accent1"/>
-          </a:fillRef>
-          <a:effectRef idx="0">
-            <a:schemeClr val="accent1"/>
-          </a:effectRef>
-          <a:fontRef idx="minor">
-            <a:schemeClr val="tx1"/>
-          </a:fontRef>
-        </p:style>
-      </p:cxnSp>
-    </p:spTree>
-    <p:extLst>
-      <p:ext uri="{BB962C8B-B14F-4D97-AF65-F5344CB8AC3E}">
-        <p14:creationId xmlns:p14="http://schemas.microsoft.com/office/powerpoint/2010/main" val="1447174452"/>
-      </p:ext>
-    </p:extLst>
-  </p:cSld>
-  <p:clrMapOvr>
-    <a:masterClrMapping/>
-  </p:clrMapOvr>
-</p:sld>
-</file>
-
-<file path=ppt/slides/slide7.xml><?xml version="1.0" encoding="utf-8"?>
-<p:sld xmlns:a="http://schemas.openxmlformats.org/drawingml/2006/main" xmlns:r="http://schemas.openxmlformats.org/officeDocument/2006/relationships" xmlns:p="http://schemas.openxmlformats.org/presentationml/2006/main">
-  <p:cSld>
-    <p:spTree>
-      <p:nvGrpSpPr>
-        <p:cNvPr id="1" name=""/>
-        <p:cNvGrpSpPr/>
-        <p:nvPr/>
-      </p:nvGrpSpPr>
-      <p:grpSpPr>
-        <a:xfrm>
-          <a:off x="0" y="0"/>
-          <a:ext cx="0" cy="0"/>
-          <a:chOff x="0" y="0"/>
-          <a:chExt cx="0" cy="0"/>
-        </a:xfrm>
-      </p:grpSpPr>
-      <p:sp>
-        <p:nvSpPr>
-          <p:cNvPr id="2" name="제목 1">
-            <a:extLst>
-              <a:ext uri="{FF2B5EF4-FFF2-40B4-BE49-F238E27FC236}">
-                <a16:creationId xmlns:a16="http://schemas.microsoft.com/office/drawing/2014/main" id="{C9148387-57D9-1341-8EAC-7B55E33DD944}"/>
-              </a:ext>
-            </a:extLst>
-          </p:cNvPr>
-          <p:cNvSpPr>
-            <a:spLocks noGrp="1"/>
-          </p:cNvSpPr>
-          <p:nvPr>
-            <p:ph type="title"/>
-          </p:nvPr>
-        </p:nvSpPr>
-        <p:spPr/>
-        <p:txBody>
-          <a:bodyPr/>
-          <a:lstStyle/>
-          <a:p>
-            <a:r>
-              <a:rPr lang="ko-Kore-KR" altLang="en-US">
-                <a:ea typeface="맑은 고딕"/>
-              </a:rPr>
-              <a:t>위장  </a:t>
-            </a:r>
-            <a:endParaRPr kumimoji="1" lang="ko-Kore-KR" altLang="en-US" dirty="0"/>
-          </a:p>
-        </p:txBody>
-      </p:sp>
-      <p:sp>
-        <p:nvSpPr>
-          <p:cNvPr id="4" name="텍스트 개체 틀 3">
-            <a:extLst>
-              <a:ext uri="{FF2B5EF4-FFF2-40B4-BE49-F238E27FC236}">
-                <a16:creationId xmlns:a16="http://schemas.microsoft.com/office/drawing/2014/main" id="{A813A557-3DB4-9146-8DD6-1CDB7C599F79}"/>
-              </a:ext>
-            </a:extLst>
-          </p:cNvPr>
-          <p:cNvSpPr>
-            <a:spLocks noGrp="1"/>
-          </p:cNvSpPr>
-          <p:nvPr>
-            <p:ph type="body" sz="quarter" idx="14"/>
-          </p:nvPr>
-        </p:nvSpPr>
-        <p:spPr/>
-        <p:txBody>
-          <a:bodyPr vert="horz" lIns="91440" tIns="45720" rIns="91440" bIns="45720" rtlCol="0" anchor="t">
-            <a:normAutofit/>
-          </a:bodyPr>
-          <a:lstStyle/>
-          <a:p>
-            <a:r>
-              <a:rPr lang="ko-Kore-KR" altLang="en-US" dirty="0" err="1">
-                <a:ea typeface="맑은 고딕"/>
-              </a:rPr>
-              <a:t>문제</a:t>
-            </a:r>
-            <a:r>
-              <a:rPr lang="ko-Kore-KR" altLang="en-US">
-                <a:ea typeface="맑은 고딕"/>
-              </a:rPr>
-              <a:t> 소개 </a:t>
-            </a:r>
-            <a:endParaRPr lang="en-US" altLang="en-US">
-              <a:ea typeface="맑은 고딕"/>
-            </a:endParaRPr>
-          </a:p>
-        </p:txBody>
-      </p:sp>
-      <p:sp>
-        <p:nvSpPr>
-          <p:cNvPr id="9" name="TextBox 8">
-            <a:extLst>
-              <a:ext uri="{FF2B5EF4-FFF2-40B4-BE49-F238E27FC236}">
-                <a16:creationId xmlns:a16="http://schemas.microsoft.com/office/drawing/2014/main" id="{6F5A575E-60A0-3183-BEA6-249FDA317328}"/>
+                <a16:creationId xmlns:a16="http://schemas.microsoft.com/office/drawing/2014/main" id="{8E6013E0-8255-C4A5-7925-0603A4935C92}"/>
               </a:ext>
             </a:extLst>
           </p:cNvPr>
@@ -10191,8 +7893,8 @@
         </p:nvSpPr>
         <p:spPr>
           <a:xfrm>
-            <a:off x="6491001" y="3067035"/>
-            <a:ext cx="5698784" cy="923330"/>
+            <a:off x="3374571" y="4060371"/>
+            <a:ext cx="3635828" cy="369332"/>
           </a:xfrm>
           <a:prstGeom prst="rect">
             <a:avLst/>
@@ -10212,527 +7914,31 @@
               <a:rPr lang="en-US" altLang="ko-KR" dirty="0">
                 <a:ea typeface="맑은 고딕"/>
               </a:rPr>
-              <a:t>Headgear : 2종류, </a:t>
+              <a:t>J : 9 </a:t>
             </a:r>
             <a:r>
               <a:rPr lang="en-US" altLang="ko-KR" dirty="0" err="1">
                 <a:ea typeface="맑은 고딕"/>
               </a:rPr>
-              <a:t>eyewaer</a:t>
+              <a:t>역방향</a:t>
             </a:r>
             <a:r>
               <a:rPr lang="en-US" altLang="ko-KR" dirty="0">
                 <a:ea typeface="맑은 고딕"/>
               </a:rPr>
-              <a:t> : 1종류 </a:t>
-            </a:r>
-          </a:p>
-          <a:p>
+              <a:t> 1회 </a:t>
+            </a:r>
             <a:r>
               <a:rPr lang="en-US" altLang="ko-KR" dirty="0" err="1">
                 <a:ea typeface="맑은 고딕"/>
               </a:rPr>
-              <a:t>각각</a:t>
+              <a:t>이동</a:t>
             </a:r>
             <a:r>
               <a:rPr lang="en-US" altLang="ko-KR" dirty="0">
                 <a:ea typeface="맑은 고딕"/>
               </a:rPr>
-              <a:t> </a:t>
-            </a:r>
-            <a:r>
-              <a:rPr lang="en-US" altLang="ko-KR" dirty="0" err="1">
-                <a:ea typeface="맑은 고딕"/>
-              </a:rPr>
-              <a:t>따로입을</a:t>
-            </a:r>
-            <a:r>
-              <a:rPr lang="en-US" altLang="ko-KR" dirty="0">
-                <a:ea typeface="맑은 고딕"/>
-              </a:rPr>
-              <a:t> 수 </a:t>
-            </a:r>
-            <a:r>
-              <a:rPr lang="en-US" altLang="ko-KR" dirty="0" err="1">
-                <a:ea typeface="맑은 고딕"/>
-              </a:rPr>
-              <a:t>있는</a:t>
-            </a:r>
-            <a:r>
-              <a:rPr lang="en-US" altLang="ko-KR" dirty="0">
-                <a:ea typeface="맑은 고딕"/>
-              </a:rPr>
-              <a:t> </a:t>
-            </a:r>
-            <a:r>
-              <a:rPr lang="en-US" altLang="ko-KR" dirty="0" err="1">
-                <a:ea typeface="맑은 고딕"/>
-              </a:rPr>
-              <a:t>경우의</a:t>
-            </a:r>
-            <a:r>
-              <a:rPr lang="en-US" altLang="ko-KR" dirty="0">
-                <a:ea typeface="맑은 고딕"/>
-              </a:rPr>
-              <a:t> 수 3, </a:t>
-            </a:r>
-            <a:r>
-              <a:rPr lang="en-US" altLang="ko-KR" dirty="0" err="1">
-                <a:ea typeface="맑은 고딕"/>
-              </a:rPr>
-              <a:t>섞어</a:t>
-            </a:r>
-            <a:r>
-              <a:rPr lang="en-US" altLang="ko-KR" dirty="0">
-                <a:ea typeface="맑은 고딕"/>
-              </a:rPr>
-              <a:t> </a:t>
-            </a:r>
-            <a:r>
-              <a:rPr lang="en-US" altLang="ko-KR" dirty="0" err="1">
-                <a:ea typeface="맑은 고딕"/>
-              </a:rPr>
-              <a:t>입는</a:t>
-            </a:r>
-            <a:r>
-              <a:rPr lang="en-US" altLang="ko-KR" dirty="0">
-                <a:ea typeface="맑은 고딕"/>
-              </a:rPr>
-              <a:t> </a:t>
-            </a:r>
-            <a:r>
-              <a:rPr lang="en-US" altLang="ko-KR" dirty="0" err="1">
-                <a:ea typeface="맑은 고딕"/>
-              </a:rPr>
-              <a:t>경우</a:t>
-            </a:r>
-            <a:r>
-              <a:rPr lang="en-US" altLang="ko-KR" dirty="0">
-                <a:ea typeface="맑은 고딕"/>
-              </a:rPr>
-              <a:t> 2</a:t>
-            </a:r>
-          </a:p>
-          <a:p>
-            <a:r>
-              <a:rPr lang="en-US" altLang="ko-KR" dirty="0">
-                <a:ea typeface="맑은 고딕"/>
-              </a:rPr>
-              <a:t>총 5가지의 </a:t>
-            </a:r>
-            <a:r>
-              <a:rPr lang="en-US" altLang="ko-KR" dirty="0" err="1">
-                <a:ea typeface="맑은 고딕"/>
-              </a:rPr>
-              <a:t>조합이</a:t>
-            </a:r>
-            <a:r>
-              <a:rPr lang="en-US" altLang="ko-KR" dirty="0">
-                <a:ea typeface="맑은 고딕"/>
-              </a:rPr>
-              <a:t> </a:t>
-            </a:r>
-            <a:r>
-              <a:rPr lang="en-US" altLang="ko-KR" dirty="0" err="1">
-                <a:ea typeface="맑은 고딕"/>
-              </a:rPr>
-              <a:t>발생</a:t>
-            </a:r>
-            <a:r>
-              <a:rPr lang="en-US" altLang="ko-KR" dirty="0">
-                <a:ea typeface="맑은 고딕"/>
-              </a:rPr>
-              <a:t> </a:t>
-            </a:r>
-          </a:p>
-        </p:txBody>
-      </p:sp>
-      <p:pic>
-        <p:nvPicPr>
-          <p:cNvPr id="6" name="Picture 6" descr="Text&#10;&#10;Description automatically generated">
-            <a:extLst>
-              <a:ext uri="{FF2B5EF4-FFF2-40B4-BE49-F238E27FC236}">
-                <a16:creationId xmlns:a16="http://schemas.microsoft.com/office/drawing/2014/main" id="{EC184495-CFE6-D8D0-6C9B-EC34F3E702DD}"/>
-              </a:ext>
-            </a:extLst>
-          </p:cNvPr>
-          <p:cNvPicPr>
-            <a:picLocks noGrp="1" noChangeAspect="1"/>
-          </p:cNvPicPr>
-          <p:nvPr>
-            <p:ph idx="1"/>
-          </p:nvPr>
-        </p:nvPicPr>
-        <p:blipFill>
-          <a:blip r:embed="rId2"/>
-          <a:stretch>
-            <a:fillRect/>
-          </a:stretch>
-        </p:blipFill>
-        <p:spPr>
-          <a:xfrm>
-            <a:off x="181538" y="1600202"/>
-            <a:ext cx="6193887" cy="5090407"/>
-          </a:xfrm>
-        </p:spPr>
-      </p:pic>
-      <p:sp>
-        <p:nvSpPr>
-          <p:cNvPr id="7" name="Frame 6">
-            <a:extLst>
-              <a:ext uri="{FF2B5EF4-FFF2-40B4-BE49-F238E27FC236}">
-                <a16:creationId xmlns:a16="http://schemas.microsoft.com/office/drawing/2014/main" id="{A4CAC0B4-31D6-BB4C-5BA6-BA097D790B69}"/>
-              </a:ext>
-            </a:extLst>
-          </p:cNvPr>
-          <p:cNvSpPr/>
-          <p:nvPr/>
-        </p:nvSpPr>
-        <p:spPr>
-          <a:xfrm>
-            <a:off x="253999" y="2229556"/>
-            <a:ext cx="5625629" cy="235184"/>
-          </a:xfrm>
-          <a:prstGeom prst="frame">
-            <a:avLst/>
-          </a:prstGeom>
-          <a:solidFill>
-            <a:srgbClr val="FF0000"/>
-          </a:solidFill>
-          <a:ln>
-            <a:noFill/>
-          </a:ln>
-        </p:spPr>
-        <p:style>
-          <a:lnRef idx="2">
-            <a:schemeClr val="accent2"/>
-          </a:lnRef>
-          <a:fillRef idx="1">
-            <a:schemeClr val="lt1"/>
-          </a:fillRef>
-          <a:effectRef idx="0">
-            <a:schemeClr val="accent2"/>
-          </a:effectRef>
-          <a:fontRef idx="minor">
-            <a:schemeClr val="dk1"/>
-          </a:fontRef>
-        </p:style>
-        <p:txBody>
-          <a:bodyPr rtlCol="0" anchor="ctr"/>
-          <a:lstStyle/>
-          <a:p>
-            <a:pPr algn="ctr"/>
-            <a:endParaRPr lang="en-US">
-              <a:solidFill>
-                <a:schemeClr val="tx1"/>
-              </a:solidFill>
-            </a:endParaRPr>
-          </a:p>
-        </p:txBody>
-      </p:sp>
-      <p:sp>
-        <p:nvSpPr>
-          <p:cNvPr id="8" name="Frame 7">
-            <a:extLst>
-              <a:ext uri="{FF2B5EF4-FFF2-40B4-BE49-F238E27FC236}">
-                <a16:creationId xmlns:a16="http://schemas.microsoft.com/office/drawing/2014/main" id="{A1C1D2A0-EB0A-7426-98CB-D5BDD4D1CDCF}"/>
-              </a:ext>
-            </a:extLst>
-          </p:cNvPr>
-          <p:cNvSpPr/>
-          <p:nvPr/>
-        </p:nvSpPr>
-        <p:spPr>
-          <a:xfrm>
-            <a:off x="253999" y="2530593"/>
-            <a:ext cx="5625629" cy="235184"/>
-          </a:xfrm>
-          <a:prstGeom prst="frame">
-            <a:avLst/>
-          </a:prstGeom>
-          <a:solidFill>
-            <a:srgbClr val="FF0000"/>
-          </a:solidFill>
-          <a:ln>
-            <a:noFill/>
-          </a:ln>
-        </p:spPr>
-        <p:style>
-          <a:lnRef idx="2">
-            <a:schemeClr val="accent2"/>
-          </a:lnRef>
-          <a:fillRef idx="1">
-            <a:schemeClr val="lt1"/>
-          </a:fillRef>
-          <a:effectRef idx="0">
-            <a:schemeClr val="accent2"/>
-          </a:effectRef>
-          <a:fontRef idx="minor">
-            <a:schemeClr val="dk1"/>
-          </a:fontRef>
-        </p:style>
-        <p:txBody>
-          <a:bodyPr rtlCol="0" anchor="ctr"/>
-          <a:lstStyle/>
-          <a:p>
-            <a:pPr algn="ctr"/>
-            <a:endParaRPr lang="en-US">
-              <a:solidFill>
-                <a:schemeClr val="tx1"/>
-              </a:solidFill>
-            </a:endParaRPr>
-          </a:p>
-        </p:txBody>
-      </p:sp>
-      <p:cxnSp>
-        <p:nvCxnSpPr>
-          <p:cNvPr id="11" name="Straight Arrow Connector 10">
-            <a:extLst>
-              <a:ext uri="{FF2B5EF4-FFF2-40B4-BE49-F238E27FC236}">
-                <a16:creationId xmlns:a16="http://schemas.microsoft.com/office/drawing/2014/main" id="{09084F0A-746D-3635-F7BE-30A90A9414E9}"/>
-              </a:ext>
-            </a:extLst>
-          </p:cNvPr>
-          <p:cNvCxnSpPr/>
-          <p:nvPr/>
-        </p:nvCxnSpPr>
-        <p:spPr>
-          <a:xfrm>
-            <a:off x="5902208" y="2341504"/>
-            <a:ext cx="970843" cy="575734"/>
-          </a:xfrm>
-          <a:prstGeom prst="straightConnector1">
-            <a:avLst/>
-          </a:prstGeom>
-          <a:ln>
-            <a:solidFill>
-              <a:srgbClr val="FF0000"/>
-            </a:solidFill>
-            <a:tailEnd type="triangle"/>
-          </a:ln>
-        </p:spPr>
-        <p:style>
-          <a:lnRef idx="1">
-            <a:schemeClr val="accent1"/>
-          </a:lnRef>
-          <a:fillRef idx="0">
-            <a:schemeClr val="accent1"/>
-          </a:fillRef>
-          <a:effectRef idx="0">
-            <a:schemeClr val="accent1"/>
-          </a:effectRef>
-          <a:fontRef idx="minor">
-            <a:schemeClr val="tx1"/>
-          </a:fontRef>
-        </p:style>
-      </p:cxnSp>
-      <p:cxnSp>
-        <p:nvCxnSpPr>
-          <p:cNvPr id="14" name="Straight Arrow Connector 13">
-            <a:extLst>
-              <a:ext uri="{FF2B5EF4-FFF2-40B4-BE49-F238E27FC236}">
-                <a16:creationId xmlns:a16="http://schemas.microsoft.com/office/drawing/2014/main" id="{24CF280A-9F1B-739A-51B0-CB469E76B196}"/>
-              </a:ext>
-            </a:extLst>
-          </p:cNvPr>
-          <p:cNvCxnSpPr>
-            <a:cxnSpLocks/>
-          </p:cNvCxnSpPr>
-          <p:nvPr/>
-        </p:nvCxnSpPr>
-        <p:spPr>
-          <a:xfrm>
-            <a:off x="5836356" y="2783652"/>
-            <a:ext cx="848547" cy="1648178"/>
-          </a:xfrm>
-          <a:prstGeom prst="straightConnector1">
-            <a:avLst/>
-          </a:prstGeom>
-          <a:ln>
-            <a:solidFill>
-              <a:srgbClr val="FF0000"/>
-            </a:solidFill>
-            <a:tailEnd type="triangle"/>
-          </a:ln>
-        </p:spPr>
-        <p:style>
-          <a:lnRef idx="1">
-            <a:schemeClr val="accent1"/>
-          </a:lnRef>
-          <a:fillRef idx="0">
-            <a:schemeClr val="accent1"/>
-          </a:fillRef>
-          <a:effectRef idx="0">
-            <a:schemeClr val="accent1"/>
-          </a:effectRef>
-          <a:fontRef idx="minor">
-            <a:schemeClr val="tx1"/>
-          </a:fontRef>
-        </p:style>
-      </p:cxnSp>
-      <p:sp>
-        <p:nvSpPr>
-          <p:cNvPr id="20" name="TextBox 19">
-            <a:extLst>
-              <a:ext uri="{FF2B5EF4-FFF2-40B4-BE49-F238E27FC236}">
-                <a16:creationId xmlns:a16="http://schemas.microsoft.com/office/drawing/2014/main" id="{402F90D9-CC2F-CC6B-4973-028209475845}"/>
-              </a:ext>
-            </a:extLst>
-          </p:cNvPr>
-          <p:cNvSpPr txBox="1"/>
-          <p:nvPr/>
-        </p:nvSpPr>
-        <p:spPr>
-          <a:xfrm>
-            <a:off x="6519223" y="4515776"/>
-            <a:ext cx="5698784" cy="923330"/>
-          </a:xfrm>
-          <a:prstGeom prst="rect">
-            <a:avLst/>
-          </a:prstGeom>
-          <a:noFill/>
-        </p:spPr>
-        <p:txBody>
-          <a:bodyPr rot="0" spcFirstLastPara="0" vertOverflow="overflow" horzOverflow="overflow" vert="horz" wrap="square" lIns="91440" tIns="45720" rIns="91440" bIns="45720" numCol="1" spcCol="0" rtlCol="0" fromWordArt="0" anchor="t" anchorCtr="0" forceAA="0" compatLnSpc="1">
-            <a:prstTxWarp prst="textNoShape">
-              <a:avLst/>
-            </a:prstTxWarp>
-            <a:spAutoFit/>
-          </a:bodyPr>
-          <a:lstStyle/>
-          <a:p>
-            <a:r>
-              <a:rPr lang="en-US" altLang="ko-KR" dirty="0">
-                <a:ea typeface="맑은 고딕"/>
-              </a:rPr>
-              <a:t>Face : 3종류</a:t>
-            </a:r>
-            <a:endParaRPr lang="en-US" dirty="0">
-              <a:ea typeface="맑은 고딕"/>
-            </a:endParaRPr>
-          </a:p>
-          <a:p>
-            <a:r>
-              <a:rPr lang="en-US" altLang="ko-KR" dirty="0" err="1">
-                <a:ea typeface="맑은 고딕"/>
-              </a:rPr>
-              <a:t>각각</a:t>
-            </a:r>
-            <a:r>
-              <a:rPr lang="en-US" altLang="ko-KR" dirty="0">
-                <a:ea typeface="맑은 고딕"/>
-              </a:rPr>
-              <a:t> </a:t>
-            </a:r>
-            <a:r>
-              <a:rPr lang="en-US" altLang="ko-KR" dirty="0" err="1">
-                <a:ea typeface="맑은 고딕"/>
-              </a:rPr>
-              <a:t>따로</a:t>
-            </a:r>
-            <a:r>
-              <a:rPr lang="en-US" altLang="ko-KR" dirty="0">
-                <a:ea typeface="맑은 고딕"/>
-              </a:rPr>
-              <a:t> </a:t>
-            </a:r>
-            <a:r>
-              <a:rPr lang="en-US" altLang="ko-KR" dirty="0" err="1">
-                <a:ea typeface="맑은 고딕"/>
-              </a:rPr>
-              <a:t>입을</a:t>
-            </a:r>
-            <a:r>
-              <a:rPr lang="en-US" altLang="ko-KR" dirty="0">
-                <a:ea typeface="맑은 고딕"/>
-              </a:rPr>
-              <a:t> 수 </a:t>
-            </a:r>
-            <a:r>
-              <a:rPr lang="en-US" altLang="ko-KR" dirty="0" err="1">
-                <a:ea typeface="맑은 고딕"/>
-              </a:rPr>
-              <a:t>있는</a:t>
-            </a:r>
-            <a:r>
-              <a:rPr lang="en-US" altLang="ko-KR" dirty="0">
-                <a:ea typeface="맑은 고딕"/>
-              </a:rPr>
-              <a:t> </a:t>
-            </a:r>
-            <a:r>
-              <a:rPr lang="en-US" altLang="ko-KR" dirty="0" err="1">
-                <a:ea typeface="맑은 고딕"/>
-              </a:rPr>
-              <a:t>경우의</a:t>
-            </a:r>
-            <a:r>
-              <a:rPr lang="en-US" altLang="ko-KR" dirty="0">
-                <a:ea typeface="맑은 고딕"/>
-              </a:rPr>
-              <a:t> 수 3</a:t>
-            </a:r>
-          </a:p>
-          <a:p>
-            <a:r>
-              <a:rPr lang="en-US" altLang="ko-KR" dirty="0" err="1">
-                <a:ea typeface="맑은 고딕"/>
-              </a:rPr>
-              <a:t>밖에</a:t>
-            </a:r>
-            <a:r>
-              <a:rPr lang="en-US" altLang="ko-KR" dirty="0">
-                <a:ea typeface="맑은 고딕"/>
-              </a:rPr>
-              <a:t> </a:t>
-            </a:r>
-            <a:r>
-              <a:rPr lang="en-US" altLang="ko-KR" dirty="0" err="1">
-                <a:ea typeface="맑은 고딕"/>
-              </a:rPr>
-              <a:t>존제</a:t>
-            </a:r>
-            <a:r>
-              <a:rPr lang="en-US" altLang="ko-KR" dirty="0">
-                <a:ea typeface="맑은 고딕"/>
-              </a:rPr>
-              <a:t> 할 수 </a:t>
-            </a:r>
-            <a:r>
-              <a:rPr lang="en-US" altLang="ko-KR" dirty="0" err="1">
-                <a:ea typeface="맑은 고딕"/>
-              </a:rPr>
-              <a:t>없음</a:t>
-            </a:r>
-            <a:r>
-              <a:rPr lang="en-US" altLang="ko-KR" dirty="0">
-                <a:ea typeface="맑은 고딕"/>
-              </a:rPr>
-              <a:t> </a:t>
-            </a:r>
-            <a:r>
-              <a:rPr lang="en-US" altLang="ko-KR" dirty="0" err="1">
-                <a:ea typeface="맑은 고딕"/>
-              </a:rPr>
-              <a:t>따라서</a:t>
-            </a:r>
-            <a:r>
-              <a:rPr lang="en-US" altLang="ko-KR" dirty="0">
-                <a:ea typeface="맑은 고딕"/>
-              </a:rPr>
-              <a:t> 총 </a:t>
-            </a:r>
-            <a:r>
-              <a:rPr lang="en-US" altLang="ko-KR" dirty="0" err="1">
-                <a:ea typeface="맑은 고딕"/>
-              </a:rPr>
-              <a:t>경우의</a:t>
-            </a:r>
-            <a:r>
-              <a:rPr lang="en-US" altLang="ko-KR" dirty="0">
-                <a:ea typeface="맑은 고딕"/>
-              </a:rPr>
-              <a:t> 수 3</a:t>
+              <a:t> N : 13 = 23</a:t>
             </a:r>
           </a:p>
         </p:txBody>
@@ -10740,853 +7946,7 @@
     </p:spTree>
     <p:extLst>
       <p:ext uri="{BB962C8B-B14F-4D97-AF65-F5344CB8AC3E}">
-        <p14:creationId xmlns:p14="http://schemas.microsoft.com/office/powerpoint/2010/main" val="2791344995"/>
-      </p:ext>
-    </p:extLst>
-  </p:cSld>
-  <p:clrMapOvr>
-    <a:masterClrMapping/>
-  </p:clrMapOvr>
-</p:sld>
-</file>
-
-<file path=ppt/slides/slide8.xml><?xml version="1.0" encoding="utf-8"?>
-<p:sld xmlns:a="http://schemas.openxmlformats.org/drawingml/2006/main" xmlns:r="http://schemas.openxmlformats.org/officeDocument/2006/relationships" xmlns:p="http://schemas.openxmlformats.org/presentationml/2006/main">
-  <p:cSld>
-    <p:spTree>
-      <p:nvGrpSpPr>
-        <p:cNvPr id="1" name=""/>
-        <p:cNvGrpSpPr/>
-        <p:nvPr/>
-      </p:nvGrpSpPr>
-      <p:grpSpPr>
-        <a:xfrm>
-          <a:off x="0" y="0"/>
-          <a:ext cx="0" cy="0"/>
-          <a:chOff x="0" y="0"/>
-          <a:chExt cx="0" cy="0"/>
-        </a:xfrm>
-      </p:grpSpPr>
-      <p:sp>
-        <p:nvSpPr>
-          <p:cNvPr id="2" name="제목 1">
-            <a:extLst>
-              <a:ext uri="{FF2B5EF4-FFF2-40B4-BE49-F238E27FC236}">
-                <a16:creationId xmlns:a16="http://schemas.microsoft.com/office/drawing/2014/main" id="{F81DA964-3E3F-7245-87CC-29849621EB43}"/>
-              </a:ext>
-            </a:extLst>
-          </p:cNvPr>
-          <p:cNvSpPr>
-            <a:spLocks noGrp="1"/>
-          </p:cNvSpPr>
-          <p:nvPr>
-            <p:ph type="title"/>
-          </p:nvPr>
-        </p:nvSpPr>
-        <p:spPr/>
-        <p:txBody>
-          <a:bodyPr/>
-          <a:lstStyle/>
-          <a:p>
-            <a:r>
-              <a:rPr lang="en-US" altLang="en-US" dirty="0" err="1">
-                <a:ea typeface="맑은 고딕"/>
-              </a:rPr>
-              <a:t>디팬스</a:t>
-            </a:r>
-            <a:r>
-              <a:rPr lang="en-US" altLang="en-US" dirty="0">
-                <a:ea typeface="맑은 고딕"/>
-              </a:rPr>
-              <a:t> </a:t>
-            </a:r>
-            <a:r>
-              <a:rPr lang="en-US" altLang="en-US" dirty="0" err="1">
-                <a:ea typeface="맑은 고딕"/>
-              </a:rPr>
-              <a:t>게임</a:t>
-            </a:r>
-          </a:p>
-        </p:txBody>
-      </p:sp>
-    </p:spTree>
-    <p:extLst>
-      <p:ext uri="{BB962C8B-B14F-4D97-AF65-F5344CB8AC3E}">
-        <p14:creationId xmlns:p14="http://schemas.microsoft.com/office/powerpoint/2010/main" val="1998044065"/>
-      </p:ext>
-    </p:extLst>
-  </p:cSld>
-  <p:clrMapOvr>
-    <a:masterClrMapping/>
-  </p:clrMapOvr>
-</p:sld>
-</file>
-
-<file path=ppt/slides/slide9.xml><?xml version="1.0" encoding="utf-8"?>
-<p:sld xmlns:a="http://schemas.openxmlformats.org/drawingml/2006/main" xmlns:r="http://schemas.openxmlformats.org/officeDocument/2006/relationships" xmlns:p="http://schemas.openxmlformats.org/presentationml/2006/main">
-  <p:cSld>
-    <p:spTree>
-      <p:nvGrpSpPr>
-        <p:cNvPr id="1" name=""/>
-        <p:cNvGrpSpPr/>
-        <p:nvPr/>
-      </p:nvGrpSpPr>
-      <p:grpSpPr>
-        <a:xfrm>
-          <a:off x="0" y="0"/>
-          <a:ext cx="0" cy="0"/>
-          <a:chOff x="0" y="0"/>
-          <a:chExt cx="0" cy="0"/>
-        </a:xfrm>
-      </p:grpSpPr>
-      <p:sp>
-        <p:nvSpPr>
-          <p:cNvPr id="2" name="제목 1">
-            <a:extLst>
-              <a:ext uri="{FF2B5EF4-FFF2-40B4-BE49-F238E27FC236}">
-                <a16:creationId xmlns:a16="http://schemas.microsoft.com/office/drawing/2014/main" id="{C9148387-57D9-1341-8EAC-7B55E33DD944}"/>
-              </a:ext>
-            </a:extLst>
-          </p:cNvPr>
-          <p:cNvSpPr>
-            <a:spLocks noGrp="1"/>
-          </p:cNvSpPr>
-          <p:nvPr>
-            <p:ph type="title"/>
-          </p:nvPr>
-        </p:nvSpPr>
-        <p:spPr/>
-        <p:txBody>
-          <a:bodyPr/>
-          <a:lstStyle/>
-          <a:p>
-            <a:r>
-              <a:rPr lang="ko-Kore-KR" altLang="en-US">
-                <a:ea typeface="맑은 고딕"/>
-              </a:rPr>
-              <a:t>위장  </a:t>
-            </a:r>
-            <a:endParaRPr kumimoji="1" lang="ko-Kore-KR" altLang="en-US" dirty="0"/>
-          </a:p>
-        </p:txBody>
-      </p:sp>
-      <p:sp>
-        <p:nvSpPr>
-          <p:cNvPr id="4" name="텍스트 개체 틀 3">
-            <a:extLst>
-              <a:ext uri="{FF2B5EF4-FFF2-40B4-BE49-F238E27FC236}">
-                <a16:creationId xmlns:a16="http://schemas.microsoft.com/office/drawing/2014/main" id="{A813A557-3DB4-9146-8DD6-1CDB7C599F79}"/>
-              </a:ext>
-            </a:extLst>
-          </p:cNvPr>
-          <p:cNvSpPr>
-            <a:spLocks noGrp="1"/>
-          </p:cNvSpPr>
-          <p:nvPr>
-            <p:ph type="body" sz="quarter" idx="14"/>
-          </p:nvPr>
-        </p:nvSpPr>
-        <p:spPr/>
-        <p:txBody>
-          <a:bodyPr vert="horz" lIns="91440" tIns="45720" rIns="91440" bIns="45720" rtlCol="0" anchor="t">
-            <a:normAutofit/>
-          </a:bodyPr>
-          <a:lstStyle/>
-          <a:p>
-            <a:r>
-              <a:rPr lang="ko-Kore-KR" altLang="en-US" dirty="0" err="1">
-                <a:ea typeface="맑은 고딕"/>
-              </a:rPr>
-              <a:t>문제</a:t>
-            </a:r>
-            <a:r>
-              <a:rPr lang="ko-Kore-KR" altLang="en-US">
-                <a:ea typeface="맑은 고딕"/>
-              </a:rPr>
-              <a:t> 소개 </a:t>
-            </a:r>
-            <a:endParaRPr lang="en-US" altLang="en-US">
-              <a:ea typeface="맑은 고딕"/>
-            </a:endParaRPr>
-          </a:p>
-        </p:txBody>
-      </p:sp>
-      <p:pic>
-        <p:nvPicPr>
-          <p:cNvPr id="6" name="Picture 6">
-            <a:extLst>
-              <a:ext uri="{FF2B5EF4-FFF2-40B4-BE49-F238E27FC236}">
-                <a16:creationId xmlns:a16="http://schemas.microsoft.com/office/drawing/2014/main" id="{0ED5B3C3-5167-CCCA-ACE1-84FF5E08E349}"/>
-              </a:ext>
-            </a:extLst>
-          </p:cNvPr>
-          <p:cNvPicPr>
-            <a:picLocks noGrp="1" noChangeAspect="1"/>
-          </p:cNvPicPr>
-          <p:nvPr>
-            <p:ph idx="1"/>
-          </p:nvPr>
-        </p:nvPicPr>
-        <p:blipFill>
-          <a:blip r:embed="rId2"/>
-          <a:stretch>
-            <a:fillRect/>
-          </a:stretch>
-        </p:blipFill>
-        <p:spPr>
-          <a:xfrm>
-            <a:off x="79022" y="1606699"/>
-            <a:ext cx="9719732" cy="5133856"/>
-          </a:xfrm>
-        </p:spPr>
-      </p:pic>
-      <p:sp>
-        <p:nvSpPr>
-          <p:cNvPr id="7" name="TextBox 6">
-            <a:extLst>
-              <a:ext uri="{FF2B5EF4-FFF2-40B4-BE49-F238E27FC236}">
-                <a16:creationId xmlns:a16="http://schemas.microsoft.com/office/drawing/2014/main" id="{E43689AD-BC5D-676A-0993-B6609D5CF251}"/>
-              </a:ext>
-            </a:extLst>
-          </p:cNvPr>
-          <p:cNvSpPr txBox="1"/>
-          <p:nvPr/>
-        </p:nvSpPr>
-        <p:spPr>
-          <a:xfrm>
-            <a:off x="5945480" y="2163703"/>
-            <a:ext cx="1458149" cy="307777"/>
-          </a:xfrm>
-          <a:prstGeom prst="rect">
-            <a:avLst/>
-          </a:prstGeom>
-          <a:solidFill>
-            <a:schemeClr val="bg1"/>
-          </a:solidFill>
-        </p:spPr>
-        <p:txBody>
-          <a:bodyPr rot="0" spcFirstLastPara="0" vertOverflow="overflow" horzOverflow="overflow" vert="horz" wrap="square" lIns="91440" tIns="45720" rIns="91440" bIns="45720" numCol="1" spcCol="0" rtlCol="0" fromWordArt="0" anchor="t" anchorCtr="0" forceAA="0" compatLnSpc="1">
-            <a:prstTxWarp prst="textNoShape">
-              <a:avLst/>
-            </a:prstTxWarp>
-            <a:spAutoFit/>
-          </a:bodyPr>
-          <a:lstStyle/>
-          <a:p>
-            <a:r>
-              <a:rPr lang="en-US" sz="1400" dirty="0" err="1">
-                <a:ea typeface="맑은 고딕"/>
-              </a:rPr>
-              <a:t>N:enemy</a:t>
-            </a:r>
-            <a:r>
-              <a:rPr lang="en-US" sz="1400" dirty="0">
-                <a:ea typeface="맑은 고딕"/>
-              </a:rPr>
-              <a:t> = 1:1</a:t>
-            </a:r>
-            <a:endParaRPr lang="en-US" sz="1400" dirty="0"/>
-          </a:p>
-        </p:txBody>
-      </p:sp>
-      <p:sp>
-        <p:nvSpPr>
-          <p:cNvPr id="8" name="Frame 7">
-            <a:extLst>
-              <a:ext uri="{FF2B5EF4-FFF2-40B4-BE49-F238E27FC236}">
-                <a16:creationId xmlns:a16="http://schemas.microsoft.com/office/drawing/2014/main" id="{2025BE0E-C101-9EE3-B55B-9D31A4BE2B9C}"/>
-              </a:ext>
-            </a:extLst>
-          </p:cNvPr>
-          <p:cNvSpPr/>
-          <p:nvPr/>
-        </p:nvSpPr>
-        <p:spPr>
-          <a:xfrm>
-            <a:off x="1721557" y="3066814"/>
-            <a:ext cx="5747925" cy="319850"/>
-          </a:xfrm>
-          <a:prstGeom prst="frame">
-            <a:avLst/>
-          </a:prstGeom>
-          <a:solidFill>
-            <a:srgbClr val="FF0000"/>
-          </a:solidFill>
-          <a:ln>
-            <a:noFill/>
-          </a:ln>
-        </p:spPr>
-        <p:style>
-          <a:lnRef idx="2">
-            <a:schemeClr val="accent1">
-              <a:shade val="50000"/>
-            </a:schemeClr>
-          </a:lnRef>
-          <a:fillRef idx="1">
-            <a:schemeClr val="accent1"/>
-          </a:fillRef>
-          <a:effectRef idx="0">
-            <a:schemeClr val="accent1"/>
-          </a:effectRef>
-          <a:fontRef idx="minor">
-            <a:schemeClr val="lt1"/>
-          </a:fontRef>
-        </p:style>
-        <p:txBody>
-          <a:bodyPr rtlCol="0" anchor="ctr"/>
-          <a:lstStyle/>
-          <a:p>
-            <a:pPr algn="ctr"/>
-            <a:endParaRPr lang="en-US">
-              <a:solidFill>
-                <a:schemeClr val="tx1"/>
-              </a:solidFill>
-            </a:endParaRPr>
-          </a:p>
-        </p:txBody>
-      </p:sp>
-      <p:cxnSp>
-        <p:nvCxnSpPr>
-          <p:cNvPr id="11" name="Straight Arrow Connector 10">
-            <a:extLst>
-              <a:ext uri="{FF2B5EF4-FFF2-40B4-BE49-F238E27FC236}">
-                <a16:creationId xmlns:a16="http://schemas.microsoft.com/office/drawing/2014/main" id="{9611E4D9-FA30-F588-BB62-1AB35AB2AC4A}"/>
-              </a:ext>
-            </a:extLst>
-          </p:cNvPr>
-          <p:cNvCxnSpPr/>
-          <p:nvPr/>
-        </p:nvCxnSpPr>
-        <p:spPr>
-          <a:xfrm flipV="1">
-            <a:off x="5638800" y="2578571"/>
-            <a:ext cx="1102548" cy="440265"/>
-          </a:xfrm>
-          <a:prstGeom prst="straightConnector1">
-            <a:avLst/>
-          </a:prstGeom>
-          <a:ln>
-            <a:solidFill>
-              <a:srgbClr val="FF0000"/>
-            </a:solidFill>
-            <a:tailEnd type="triangle"/>
-          </a:ln>
-        </p:spPr>
-        <p:style>
-          <a:lnRef idx="1">
-            <a:schemeClr val="accent1"/>
-          </a:lnRef>
-          <a:fillRef idx="0">
-            <a:schemeClr val="accent1"/>
-          </a:fillRef>
-          <a:effectRef idx="0">
-            <a:schemeClr val="accent1"/>
-          </a:effectRef>
-          <a:fontRef idx="minor">
-            <a:schemeClr val="tx1"/>
-          </a:fontRef>
-        </p:style>
-      </p:cxnSp>
-      <p:sp>
-        <p:nvSpPr>
-          <p:cNvPr id="14" name="Frame 13">
-            <a:extLst>
-              <a:ext uri="{FF2B5EF4-FFF2-40B4-BE49-F238E27FC236}">
-                <a16:creationId xmlns:a16="http://schemas.microsoft.com/office/drawing/2014/main" id="{BE71158E-C93C-1B7A-CDCE-DBA06D001010}"/>
-              </a:ext>
-            </a:extLst>
-          </p:cNvPr>
-          <p:cNvSpPr/>
-          <p:nvPr/>
-        </p:nvSpPr>
-        <p:spPr>
-          <a:xfrm>
-            <a:off x="3951112" y="4393258"/>
-            <a:ext cx="5747925" cy="319850"/>
-          </a:xfrm>
-          <a:prstGeom prst="frame">
-            <a:avLst/>
-          </a:prstGeom>
-          <a:solidFill>
-            <a:srgbClr val="FF0000"/>
-          </a:solidFill>
-          <a:ln>
-            <a:noFill/>
-          </a:ln>
-        </p:spPr>
-        <p:style>
-          <a:lnRef idx="2">
-            <a:schemeClr val="accent1">
-              <a:shade val="50000"/>
-            </a:schemeClr>
-          </a:lnRef>
-          <a:fillRef idx="1">
-            <a:schemeClr val="accent1"/>
-          </a:fillRef>
-          <a:effectRef idx="0">
-            <a:schemeClr val="accent1"/>
-          </a:effectRef>
-          <a:fontRef idx="minor">
-            <a:schemeClr val="lt1"/>
-          </a:fontRef>
-        </p:style>
-        <p:txBody>
-          <a:bodyPr rtlCol="0" anchor="ctr"/>
-          <a:lstStyle/>
-          <a:p>
-            <a:pPr algn="ctr"/>
-            <a:endParaRPr lang="en-US">
-              <a:solidFill>
-                <a:schemeClr val="tx1"/>
-              </a:solidFill>
-            </a:endParaRPr>
-          </a:p>
-        </p:txBody>
-      </p:sp>
-      <p:cxnSp>
-        <p:nvCxnSpPr>
-          <p:cNvPr id="20" name="Straight Arrow Connector 19">
-            <a:extLst>
-              <a:ext uri="{FF2B5EF4-FFF2-40B4-BE49-F238E27FC236}">
-                <a16:creationId xmlns:a16="http://schemas.microsoft.com/office/drawing/2014/main" id="{660D59FA-2916-D480-BCCC-603CD7FC61E9}"/>
-              </a:ext>
-            </a:extLst>
-          </p:cNvPr>
-          <p:cNvCxnSpPr>
-            <a:cxnSpLocks/>
-          </p:cNvCxnSpPr>
-          <p:nvPr/>
-        </p:nvCxnSpPr>
-        <p:spPr>
-          <a:xfrm flipV="1">
-            <a:off x="9016059" y="3905015"/>
-            <a:ext cx="1102548" cy="440265"/>
-          </a:xfrm>
-          <a:prstGeom prst="straightConnector1">
-            <a:avLst/>
-          </a:prstGeom>
-          <a:ln>
-            <a:solidFill>
-              <a:srgbClr val="FF0000"/>
-            </a:solidFill>
-            <a:tailEnd type="triangle"/>
-          </a:ln>
-        </p:spPr>
-        <p:style>
-          <a:lnRef idx="1">
-            <a:schemeClr val="accent1"/>
-          </a:lnRef>
-          <a:fillRef idx="0">
-            <a:schemeClr val="accent1"/>
-          </a:fillRef>
-          <a:effectRef idx="0">
-            <a:schemeClr val="accent1"/>
-          </a:effectRef>
-          <a:fontRef idx="minor">
-            <a:schemeClr val="tx1"/>
-          </a:fontRef>
-        </p:style>
-      </p:cxnSp>
-      <p:sp>
-        <p:nvSpPr>
-          <p:cNvPr id="21" name="TextBox 20">
-            <a:extLst>
-              <a:ext uri="{FF2B5EF4-FFF2-40B4-BE49-F238E27FC236}">
-                <a16:creationId xmlns:a16="http://schemas.microsoft.com/office/drawing/2014/main" id="{B6CC7902-6656-EE40-35B8-9584777F6CD9}"/>
-              </a:ext>
-            </a:extLst>
-          </p:cNvPr>
-          <p:cNvSpPr txBox="1"/>
-          <p:nvPr/>
-        </p:nvSpPr>
-        <p:spPr>
-          <a:xfrm>
-            <a:off x="10141184" y="3358444"/>
-            <a:ext cx="1900297" cy="954107"/>
-          </a:xfrm>
-          <a:prstGeom prst="rect">
-            <a:avLst/>
-          </a:prstGeom>
-          <a:solidFill>
-            <a:schemeClr val="bg1"/>
-          </a:solidFill>
-        </p:spPr>
-        <p:txBody>
-          <a:bodyPr rot="0" spcFirstLastPara="0" vertOverflow="overflow" horzOverflow="overflow" vert="horz" wrap="square" lIns="91440" tIns="45720" rIns="91440" bIns="45720" numCol="1" spcCol="0" rtlCol="0" fromWordArt="0" anchor="t" anchorCtr="0" forceAA="0" compatLnSpc="1">
-            <a:prstTxWarp prst="textNoShape">
-              <a:avLst/>
-            </a:prstTxWarp>
-            <a:spAutoFit/>
-          </a:bodyPr>
-          <a:lstStyle/>
-          <a:p>
-            <a:r>
-              <a:rPr lang="ko-KR" altLang="en-US" sz="1400" dirty="0">
-                <a:ea typeface="맑은 고딕"/>
-              </a:rPr>
-              <a:t>병사의</a:t>
-            </a:r>
-            <a:r>
-              <a:rPr lang="en-US" sz="1400" dirty="0">
-                <a:ea typeface="맑은 고딕"/>
-              </a:rPr>
-              <a:t> </a:t>
-            </a:r>
-            <a:r>
-              <a:rPr lang="ko-KR" altLang="en-US" sz="1400" dirty="0">
-                <a:ea typeface="맑은 고딕"/>
-              </a:rPr>
-              <a:t>수</a:t>
-            </a:r>
-            <a:r>
-              <a:rPr lang="en-US" sz="1400" dirty="0">
-                <a:ea typeface="맑은 고딕"/>
-              </a:rPr>
-              <a:t> </a:t>
-            </a:r>
-            <a:r>
-              <a:rPr lang="ko-KR" altLang="en-US" sz="1400" dirty="0">
-                <a:ea typeface="맑은 고딕"/>
-              </a:rPr>
-              <a:t>보다</a:t>
-            </a:r>
-            <a:r>
-              <a:rPr lang="en-US" sz="1400" dirty="0">
-                <a:ea typeface="맑은 고딕"/>
-              </a:rPr>
-              <a:t> </a:t>
-            </a:r>
-            <a:r>
-              <a:rPr lang="ko-KR" altLang="en-US" sz="1400" dirty="0">
-                <a:ea typeface="맑은 고딕"/>
-              </a:rPr>
-              <a:t>적의</a:t>
-            </a:r>
-            <a:r>
-              <a:rPr lang="en-US" sz="1400" dirty="0">
-                <a:ea typeface="맑은 고딕"/>
-              </a:rPr>
-              <a:t> </a:t>
-            </a:r>
-            <a:r>
-              <a:rPr lang="ko-KR" altLang="en-US" sz="1400" dirty="0">
-                <a:ea typeface="맑은 고딕"/>
-              </a:rPr>
-              <a:t>수가</a:t>
-            </a:r>
-            <a:r>
-              <a:rPr lang="en-US" sz="1400" dirty="0">
-                <a:ea typeface="맑은 고딕"/>
-              </a:rPr>
-              <a:t> </a:t>
-            </a:r>
-            <a:r>
-              <a:rPr lang="ko-KR" altLang="en-US" sz="1400" dirty="0">
-                <a:ea typeface="맑은 고딕"/>
-              </a:rPr>
-              <a:t>더</a:t>
-            </a:r>
-            <a:r>
-              <a:rPr lang="en-US" sz="1400" dirty="0">
-                <a:ea typeface="맑은 고딕"/>
-              </a:rPr>
-              <a:t> </a:t>
-            </a:r>
-            <a:r>
-              <a:rPr lang="ko-KR" altLang="en-US" sz="1400" dirty="0">
-                <a:ea typeface="맑은 고딕"/>
-              </a:rPr>
-              <a:t>많아도</a:t>
-            </a:r>
-            <a:r>
-              <a:rPr lang="en-US" altLang="ko-KR" sz="1400" dirty="0">
-                <a:ea typeface="맑은 고딕"/>
-              </a:rPr>
-              <a:t> </a:t>
-            </a:r>
-            <a:endParaRPr lang="ko-KR" altLang="en-US" sz="1400" dirty="0">
-              <a:ea typeface="맑은 고딕"/>
-            </a:endParaRPr>
-          </a:p>
-          <a:p>
-            <a:r>
-              <a:rPr lang="en-US" altLang="ko-KR" sz="1400" dirty="0" err="1">
-                <a:ea typeface="맑은 고딕"/>
-              </a:rPr>
-              <a:t>라운드를</a:t>
-            </a:r>
-            <a:r>
-              <a:rPr lang="ko-KR" altLang="en-US" sz="1400" dirty="0">
-                <a:ea typeface="맑은 고딕"/>
-              </a:rPr>
-              <a:t> 넘길</a:t>
-            </a:r>
-            <a:r>
-              <a:rPr lang="en-US" sz="1400" dirty="0">
-                <a:ea typeface="맑은 고딕"/>
-              </a:rPr>
-              <a:t> </a:t>
-            </a:r>
-            <a:r>
-              <a:rPr lang="ko-KR" altLang="en-US" sz="1400" dirty="0">
-                <a:ea typeface="맑은 고딕"/>
-              </a:rPr>
-              <a:t>수</a:t>
-            </a:r>
-            <a:r>
-              <a:rPr lang="en-US" sz="1400" dirty="0">
-                <a:ea typeface="맑은 고딕"/>
-              </a:rPr>
-              <a:t> </a:t>
-            </a:r>
-            <a:r>
-              <a:rPr lang="ko-KR" altLang="en-US" sz="1400" dirty="0">
-                <a:ea typeface="맑은 고딕"/>
-              </a:rPr>
-              <a:t>있음</a:t>
-            </a:r>
-            <a:r>
-              <a:rPr lang="en-US" altLang="ko-KR" sz="1400" dirty="0">
-                <a:ea typeface="맑은 고딕"/>
-              </a:rPr>
-              <a:t> </a:t>
-            </a:r>
-            <a:endParaRPr lang="ko-KR" altLang="en-US" sz="1400" dirty="0">
-              <a:ea typeface="맑은 고딕"/>
-            </a:endParaRPr>
-          </a:p>
-        </p:txBody>
-      </p:sp>
-      <p:sp>
-        <p:nvSpPr>
-          <p:cNvPr id="23" name="TextBox 22">
-            <a:extLst>
-              <a:ext uri="{FF2B5EF4-FFF2-40B4-BE49-F238E27FC236}">
-                <a16:creationId xmlns:a16="http://schemas.microsoft.com/office/drawing/2014/main" id="{DD5BC252-4B50-1D13-101A-63E7B524ACBC}"/>
-              </a:ext>
-            </a:extLst>
-          </p:cNvPr>
-          <p:cNvSpPr txBox="1"/>
-          <p:nvPr/>
-        </p:nvSpPr>
-        <p:spPr>
-          <a:xfrm>
-            <a:off x="7723481" y="5268148"/>
-            <a:ext cx="2643482" cy="523220"/>
-          </a:xfrm>
-          <a:prstGeom prst="rect">
-            <a:avLst/>
-          </a:prstGeom>
-          <a:solidFill>
-            <a:schemeClr val="bg1"/>
-          </a:solidFill>
-        </p:spPr>
-        <p:txBody>
-          <a:bodyPr rot="0" spcFirstLastPara="0" vertOverflow="overflow" horzOverflow="overflow" vert="horz" wrap="square" lIns="91440" tIns="45720" rIns="91440" bIns="45720" numCol="1" spcCol="0" rtlCol="0" fromWordArt="0" anchor="t" anchorCtr="0" forceAA="0" compatLnSpc="1">
-            <a:prstTxWarp prst="textNoShape">
-              <a:avLst/>
-            </a:prstTxWarp>
-            <a:spAutoFit/>
-          </a:bodyPr>
-          <a:lstStyle/>
-          <a:p>
-            <a:r>
-              <a:rPr lang="ko-KR" altLang="en-US" sz="1400" dirty="0">
-                <a:ea typeface="맑은 고딕"/>
-              </a:rPr>
-              <a:t>한정된</a:t>
-            </a:r>
-            <a:r>
-              <a:rPr lang="en-US" altLang="ko-KR" sz="1400" dirty="0">
-                <a:ea typeface="맑은 고딕"/>
-              </a:rPr>
-              <a:t> </a:t>
-            </a:r>
-            <a:r>
-              <a:rPr lang="en-US" altLang="ko-KR" sz="1400" dirty="0" err="1">
-                <a:ea typeface="맑은 고딕"/>
-              </a:rPr>
-              <a:t>무적권</a:t>
-            </a:r>
-            <a:r>
-              <a:rPr lang="en-US" altLang="ko-KR" sz="1400" dirty="0">
-                <a:ea typeface="맑은 고딕"/>
-              </a:rPr>
-              <a:t> </a:t>
-            </a:r>
-            <a:r>
-              <a:rPr lang="en-US" altLang="ko-KR" sz="1400" dirty="0" err="1">
-                <a:ea typeface="맑은 고딕"/>
-              </a:rPr>
-              <a:t>K를</a:t>
-            </a:r>
-            <a:r>
-              <a:rPr lang="en-US" altLang="ko-KR" sz="1400" dirty="0">
-                <a:ea typeface="맑은 고딕"/>
-              </a:rPr>
-              <a:t> </a:t>
-            </a:r>
-            <a:r>
-              <a:rPr lang="en-US" altLang="ko-KR" sz="1400" dirty="0" err="1">
-                <a:ea typeface="맑은 고딕"/>
-              </a:rPr>
-              <a:t>적제</a:t>
-            </a:r>
-            <a:r>
-              <a:rPr lang="en-US" altLang="ko-KR" sz="1400" dirty="0">
-                <a:ea typeface="맑은 고딕"/>
-              </a:rPr>
-              <a:t> </a:t>
-            </a:r>
-            <a:r>
-              <a:rPr lang="en-US" altLang="ko-KR" sz="1400" dirty="0" err="1">
-                <a:ea typeface="맑은 고딕"/>
-              </a:rPr>
-              <a:t>적소에</a:t>
-            </a:r>
-            <a:r>
-              <a:rPr lang="en-US" altLang="ko-KR" sz="1400" dirty="0">
-                <a:ea typeface="맑은 고딕"/>
-              </a:rPr>
-              <a:t> </a:t>
-            </a:r>
-            <a:r>
-              <a:rPr lang="en-US" altLang="ko-KR" sz="1400" dirty="0" err="1">
-                <a:ea typeface="맑은 고딕"/>
-              </a:rPr>
-              <a:t>사용하는</a:t>
-            </a:r>
-            <a:r>
-              <a:rPr lang="en-US" altLang="ko-KR" sz="1400" dirty="0">
-                <a:ea typeface="맑은 고딕"/>
-              </a:rPr>
-              <a:t> </a:t>
-            </a:r>
-            <a:r>
-              <a:rPr lang="en-US" altLang="ko-KR" sz="1400" dirty="0" err="1">
-                <a:ea typeface="맑은 고딕"/>
-              </a:rPr>
-              <a:t>것이</a:t>
-            </a:r>
-            <a:r>
-              <a:rPr lang="en-US" altLang="ko-KR" sz="1400" dirty="0">
-                <a:ea typeface="맑은 고딕"/>
-              </a:rPr>
-              <a:t> </a:t>
-            </a:r>
-            <a:r>
-              <a:rPr lang="en-US" altLang="ko-KR" sz="1400" dirty="0" err="1">
-                <a:ea typeface="맑은 고딕"/>
-              </a:rPr>
-              <a:t>관건</a:t>
-            </a:r>
-          </a:p>
-        </p:txBody>
-      </p:sp>
-      <p:sp>
-        <p:nvSpPr>
-          <p:cNvPr id="24" name="Frame 23">
-            <a:extLst>
-              <a:ext uri="{FF2B5EF4-FFF2-40B4-BE49-F238E27FC236}">
-                <a16:creationId xmlns:a16="http://schemas.microsoft.com/office/drawing/2014/main" id="{C08EC047-5E5D-D385-4B54-27EEFCCFF6D3}"/>
-              </a:ext>
-            </a:extLst>
-          </p:cNvPr>
-          <p:cNvSpPr/>
-          <p:nvPr/>
-        </p:nvSpPr>
-        <p:spPr>
-          <a:xfrm>
-            <a:off x="771408" y="5381036"/>
-            <a:ext cx="6095999" cy="319850"/>
-          </a:xfrm>
-          <a:prstGeom prst="frame">
-            <a:avLst/>
-          </a:prstGeom>
-          <a:solidFill>
-            <a:srgbClr val="FF0000"/>
-          </a:solidFill>
-          <a:ln>
-            <a:noFill/>
-          </a:ln>
-        </p:spPr>
-        <p:style>
-          <a:lnRef idx="2">
-            <a:schemeClr val="accent1">
-              <a:shade val="50000"/>
-            </a:schemeClr>
-          </a:lnRef>
-          <a:fillRef idx="1">
-            <a:schemeClr val="accent1"/>
-          </a:fillRef>
-          <a:effectRef idx="0">
-            <a:schemeClr val="accent1"/>
-          </a:effectRef>
-          <a:fontRef idx="minor">
-            <a:schemeClr val="lt1"/>
-          </a:fontRef>
-        </p:style>
-        <p:txBody>
-          <a:bodyPr rtlCol="0" anchor="ctr"/>
-          <a:lstStyle/>
-          <a:p>
-            <a:pPr algn="ctr"/>
-            <a:endParaRPr lang="en-US">
-              <a:solidFill>
-                <a:schemeClr val="tx1"/>
-              </a:solidFill>
-            </a:endParaRPr>
-          </a:p>
-        </p:txBody>
-      </p:sp>
-      <p:cxnSp>
-        <p:nvCxnSpPr>
-          <p:cNvPr id="25" name="Straight Arrow Connector 24">
-            <a:extLst>
-              <a:ext uri="{FF2B5EF4-FFF2-40B4-BE49-F238E27FC236}">
-                <a16:creationId xmlns:a16="http://schemas.microsoft.com/office/drawing/2014/main" id="{5EDF2A24-4B1A-EFEC-7354-44DF2CF571D4}"/>
-              </a:ext>
-            </a:extLst>
-          </p:cNvPr>
-          <p:cNvCxnSpPr>
-            <a:cxnSpLocks/>
-          </p:cNvCxnSpPr>
-          <p:nvPr/>
-        </p:nvCxnSpPr>
-        <p:spPr>
-          <a:xfrm>
-            <a:off x="6871170" y="5530613"/>
-            <a:ext cx="745066" cy="1883"/>
-          </a:xfrm>
-          <a:prstGeom prst="straightConnector1">
-            <a:avLst/>
-          </a:prstGeom>
-          <a:ln>
-            <a:solidFill>
-              <a:srgbClr val="FF0000"/>
-            </a:solidFill>
-            <a:tailEnd type="triangle"/>
-          </a:ln>
-        </p:spPr>
-        <p:style>
-          <a:lnRef idx="1">
-            <a:schemeClr val="accent1"/>
-          </a:lnRef>
-          <a:fillRef idx="0">
-            <a:schemeClr val="accent1"/>
-          </a:fillRef>
-          <a:effectRef idx="0">
-            <a:schemeClr val="accent1"/>
-          </a:effectRef>
-          <a:fontRef idx="minor">
-            <a:schemeClr val="tx1"/>
-          </a:fontRef>
-        </p:style>
-      </p:cxnSp>
-    </p:spTree>
-    <p:extLst>
-      <p:ext uri="{BB962C8B-B14F-4D97-AF65-F5344CB8AC3E}">
-        <p14:creationId xmlns:p14="http://schemas.microsoft.com/office/powerpoint/2010/main" val="3884034033"/>
+        <p14:creationId xmlns:p14="http://schemas.microsoft.com/office/powerpoint/2010/main" val="953622845"/>
       </p:ext>
     </p:extLst>
   </p:cSld>
